--- a/lfs-7.7-systemd/documents/LFS-on-openEuler_Course-Handout_v1.3.pptx
+++ b/lfs-7.7-systemd/documents/LFS-on-openEuler_Course-Handout_v1.3.pptx
@@ -8,45 +8,46 @@
     <p:sldMasterId id="2147483891" r:id="rId7"/>
   </p:sldMasterIdLst>
   <p:notesMasterIdLst>
-    <p:notesMasterId r:id="rId41"/>
+    <p:notesMasterId r:id="rId42"/>
   </p:notesMasterIdLst>
   <p:handoutMasterIdLst>
-    <p:handoutMasterId r:id="rId42"/>
+    <p:handoutMasterId r:id="rId43"/>
   </p:handoutMasterIdLst>
   <p:sldIdLst>
     <p:sldId id="257" r:id="rId8"/>
     <p:sldId id="258" r:id="rId9"/>
     <p:sldId id="259" r:id="rId10"/>
     <p:sldId id="260" r:id="rId11"/>
-    <p:sldId id="298" r:id="rId12"/>
-    <p:sldId id="271" r:id="rId13"/>
-    <p:sldId id="273" r:id="rId14"/>
-    <p:sldId id="272" r:id="rId15"/>
-    <p:sldId id="276" r:id="rId16"/>
-    <p:sldId id="274" r:id="rId17"/>
-    <p:sldId id="313" r:id="rId18"/>
-    <p:sldId id="314" r:id="rId19"/>
-    <p:sldId id="315" r:id="rId20"/>
-    <p:sldId id="316" r:id="rId21"/>
-    <p:sldId id="312" r:id="rId22"/>
-    <p:sldId id="301" r:id="rId23"/>
-    <p:sldId id="322" r:id="rId24"/>
-    <p:sldId id="317" r:id="rId25"/>
-    <p:sldId id="318" r:id="rId26"/>
-    <p:sldId id="319" r:id="rId27"/>
-    <p:sldId id="320" r:id="rId28"/>
-    <p:sldId id="323" r:id="rId29"/>
-    <p:sldId id="275" r:id="rId30"/>
-    <p:sldId id="278" r:id="rId31"/>
-    <p:sldId id="279" r:id="rId32"/>
-    <p:sldId id="321" r:id="rId33"/>
-    <p:sldId id="297" r:id="rId34"/>
-    <p:sldId id="294" r:id="rId35"/>
-    <p:sldId id="265" r:id="rId36"/>
-    <p:sldId id="268" r:id="rId37"/>
-    <p:sldId id="269" r:id="rId38"/>
-    <p:sldId id="295" r:id="rId39"/>
-    <p:sldId id="296" r:id="rId40"/>
+    <p:sldId id="324" r:id="rId12"/>
+    <p:sldId id="298" r:id="rId13"/>
+    <p:sldId id="271" r:id="rId14"/>
+    <p:sldId id="273" r:id="rId15"/>
+    <p:sldId id="272" r:id="rId16"/>
+    <p:sldId id="276" r:id="rId17"/>
+    <p:sldId id="274" r:id="rId18"/>
+    <p:sldId id="313" r:id="rId19"/>
+    <p:sldId id="314" r:id="rId20"/>
+    <p:sldId id="315" r:id="rId21"/>
+    <p:sldId id="316" r:id="rId22"/>
+    <p:sldId id="312" r:id="rId23"/>
+    <p:sldId id="301" r:id="rId24"/>
+    <p:sldId id="322" r:id="rId25"/>
+    <p:sldId id="317" r:id="rId26"/>
+    <p:sldId id="318" r:id="rId27"/>
+    <p:sldId id="319" r:id="rId28"/>
+    <p:sldId id="320" r:id="rId29"/>
+    <p:sldId id="323" r:id="rId30"/>
+    <p:sldId id="275" r:id="rId31"/>
+    <p:sldId id="278" r:id="rId32"/>
+    <p:sldId id="279" r:id="rId33"/>
+    <p:sldId id="321" r:id="rId34"/>
+    <p:sldId id="297" r:id="rId35"/>
+    <p:sldId id="294" r:id="rId36"/>
+    <p:sldId id="265" r:id="rId37"/>
+    <p:sldId id="268" r:id="rId38"/>
+    <p:sldId id="269" r:id="rId39"/>
+    <p:sldId id="295" r:id="rId40"/>
+    <p:sldId id="296" r:id="rId41"/>
   </p:sldIdLst>
   <p:sldSz cx="12192000" cy="6858000"/>
   <p:notesSz cx="7010400" cy="9296400"/>
@@ -748,7 +749,7 @@
       </p:grpSpPr>
       <p:sp>
         <p:nvSpPr>
-          <p:cNvPr id="6" name="幻灯片图像占位符 5"/>
+          <p:cNvPr id="2" name="幻灯片图像占位符 1"/>
           <p:cNvSpPr>
             <a:spLocks noGrp="1" noRot="1" noChangeAspect="1"/>
           </p:cNvSpPr>
@@ -758,14 +759,14 @@
         </p:nvSpPr>
         <p:spPr>
           <a:xfrm>
-            <a:off x="742950" y="717550"/>
-            <a:ext cx="5557838" cy="3125788"/>
+            <a:off x="739775" y="717550"/>
+            <a:ext cx="5556250" cy="3125788"/>
           </a:xfrm>
         </p:spPr>
       </p:sp>
       <p:sp>
         <p:nvSpPr>
-          <p:cNvPr id="7" name="备注占位符 6"/>
+          <p:cNvPr id="3" name="备注占位符 2"/>
           <p:cNvSpPr>
             <a:spLocks noGrp="1"/>
           </p:cNvSpPr>
@@ -785,7 +786,7 @@
     </p:spTree>
     <p:extLst>
       <p:ext uri="{BB962C8B-B14F-4D97-AF65-F5344CB8AC3E}">
-        <p14:creationId xmlns:p14="http://schemas.microsoft.com/office/powerpoint/2010/main" val="3481244137"/>
+        <p14:creationId xmlns:p14="http://schemas.microsoft.com/office/powerpoint/2010/main" val="4213291462"/>
       </p:ext>
     </p:extLst>
   </p:cSld>
@@ -851,7 +852,7 @@
     </p:spTree>
     <p:extLst>
       <p:ext uri="{BB962C8B-B14F-4D97-AF65-F5344CB8AC3E}">
-        <p14:creationId xmlns:p14="http://schemas.microsoft.com/office/powerpoint/2010/main" val="2333894489"/>
+        <p14:creationId xmlns:p14="http://schemas.microsoft.com/office/powerpoint/2010/main" val="3481244137"/>
       </p:ext>
     </p:extLst>
   </p:cSld>
@@ -880,7 +881,7 @@
       </p:grpSpPr>
       <p:sp>
         <p:nvSpPr>
-          <p:cNvPr id="2" name="幻灯片图像占位符 1"/>
+          <p:cNvPr id="6" name="幻灯片图像占位符 5"/>
           <p:cNvSpPr>
             <a:spLocks noGrp="1" noRot="1" noChangeAspect="1"/>
           </p:cNvSpPr>
@@ -890,14 +891,14 @@
         </p:nvSpPr>
         <p:spPr>
           <a:xfrm>
-            <a:off x="739775" y="717550"/>
-            <a:ext cx="5556250" cy="3125788"/>
+            <a:off x="742950" y="717550"/>
+            <a:ext cx="5557838" cy="3125788"/>
           </a:xfrm>
         </p:spPr>
       </p:sp>
       <p:sp>
         <p:nvSpPr>
-          <p:cNvPr id="3" name="备注占位符 2"/>
+          <p:cNvPr id="7" name="备注占位符 6"/>
           <p:cNvSpPr>
             <a:spLocks noGrp="1"/>
           </p:cNvSpPr>
@@ -917,7 +918,7 @@
     </p:spTree>
     <p:extLst>
       <p:ext uri="{BB962C8B-B14F-4D97-AF65-F5344CB8AC3E}">
-        <p14:creationId xmlns:p14="http://schemas.microsoft.com/office/powerpoint/2010/main" val="841962598"/>
+        <p14:creationId xmlns:p14="http://schemas.microsoft.com/office/powerpoint/2010/main" val="2333894489"/>
       </p:ext>
     </p:extLst>
   </p:cSld>
@@ -983,7 +984,7 @@
     </p:spTree>
     <p:extLst>
       <p:ext uri="{BB962C8B-B14F-4D97-AF65-F5344CB8AC3E}">
-        <p14:creationId xmlns:p14="http://schemas.microsoft.com/office/powerpoint/2010/main" val="2761044501"/>
+        <p14:creationId xmlns:p14="http://schemas.microsoft.com/office/powerpoint/2010/main" val="841962598"/>
       </p:ext>
     </p:extLst>
   </p:cSld>
@@ -1049,7 +1050,7 @@
     </p:spTree>
     <p:extLst>
       <p:ext uri="{BB962C8B-B14F-4D97-AF65-F5344CB8AC3E}">
-        <p14:creationId xmlns:p14="http://schemas.microsoft.com/office/powerpoint/2010/main" val="1291039218"/>
+        <p14:creationId xmlns:p14="http://schemas.microsoft.com/office/powerpoint/2010/main" val="2761044501"/>
       </p:ext>
     </p:extLst>
   </p:cSld>
@@ -1088,8 +1089,8 @@
         </p:nvSpPr>
         <p:spPr>
           <a:xfrm>
-            <a:off x="742950" y="717550"/>
-            <a:ext cx="5557838" cy="3125788"/>
+            <a:off x="739775" y="717550"/>
+            <a:ext cx="5556250" cy="3125788"/>
           </a:xfrm>
         </p:spPr>
       </p:sp>
@@ -1108,147 +1109,14 @@
           <a:bodyPr/>
           <a:lstStyle/>
           <a:p>
-            <a:r>
-              <a:rPr lang="en-US" altLang="zh-CN" dirty="0"/>
-              <a:t>1. </a:t>
-            </a:r>
-            <a:r>
-              <a:rPr lang="zh-CN" altLang="en-US" dirty="0"/>
-              <a:t>让构建速度更快的参考答案：</a:t>
-            </a:r>
-            <a:endParaRPr lang="en-US" altLang="zh-CN" dirty="0"/>
-          </a:p>
-          <a:p>
-            <a:pPr lvl="1"/>
-            <a:r>
-              <a:rPr lang="zh-CN" altLang="en-US" dirty="0"/>
-              <a:t>使用脚本</a:t>
-            </a:r>
-            <a:endParaRPr lang="en-US" altLang="zh-CN" dirty="0"/>
-          </a:p>
-          <a:p>
-            <a:pPr lvl="1"/>
-            <a:r>
-              <a:rPr lang="zh-CN" altLang="en-US" dirty="0"/>
-              <a:t>构建（</a:t>
-            </a:r>
-            <a:r>
-              <a:rPr lang="en-US" altLang="zh-CN" dirty="0"/>
-              <a:t>make</a:t>
-            </a:r>
-            <a:r>
-              <a:rPr lang="zh-CN" altLang="en-US" dirty="0"/>
-              <a:t>）的时候尽量采用多线程</a:t>
-            </a:r>
-            <a:endParaRPr lang="en-US" altLang="zh-CN" dirty="0"/>
-          </a:p>
-          <a:p>
-            <a:r>
-              <a:rPr lang="en-US" altLang="zh-CN" dirty="0"/>
-              <a:t>2. </a:t>
-            </a:r>
-            <a:r>
-              <a:rPr lang="zh-CN" altLang="en-US" dirty="0"/>
-              <a:t>配置新系统的网络的参考答案：</a:t>
-            </a:r>
-            <a:endParaRPr lang="en-US" altLang="zh-CN" dirty="0"/>
-          </a:p>
-          <a:p>
-            <a:pPr lvl="1"/>
-            <a:r>
-              <a:rPr lang="zh-CN" altLang="en-US" dirty="0"/>
-              <a:t>在虚拟机上提供网络环境</a:t>
-            </a:r>
-            <a:endParaRPr lang="en-US" altLang="zh-CN" dirty="0"/>
-          </a:p>
-          <a:p>
-            <a:pPr lvl="1"/>
-            <a:r>
-              <a:rPr lang="zh-CN" altLang="en-US" dirty="0"/>
-              <a:t>参照 </a:t>
-            </a:r>
-            <a:r>
-              <a:rPr lang="en-US" altLang="zh-CN" dirty="0"/>
-              <a:t>LFS </a:t>
-            </a:r>
-            <a:r>
-              <a:rPr lang="zh-CN" altLang="en-US" dirty="0"/>
-              <a:t>官方文档</a:t>
-            </a:r>
-            <a:endParaRPr lang="en-US" altLang="zh-CN" dirty="0"/>
-          </a:p>
-          <a:p>
-            <a:r>
-              <a:rPr lang="en-US" altLang="zh-CN" dirty="0"/>
-              <a:t>3. </a:t>
-            </a:r>
-            <a:r>
-              <a:rPr lang="zh-CN" altLang="en-US" dirty="0"/>
-              <a:t>将新系统分享给他人的参考答案：</a:t>
-            </a:r>
-            <a:endParaRPr lang="en-US" altLang="zh-CN" dirty="0"/>
-          </a:p>
-          <a:p>
-            <a:pPr lvl="1"/>
-            <a:r>
-              <a:rPr lang="zh-CN" altLang="en-US" dirty="0"/>
-              <a:t>将 </a:t>
-            </a:r>
-            <a:r>
-              <a:rPr lang="en-US" altLang="zh-CN" dirty="0"/>
-              <a:t>LFS </a:t>
-            </a:r>
-            <a:r>
-              <a:rPr lang="zh-CN" altLang="en-US" dirty="0"/>
-              <a:t>目标系统构建在一块单独的磁盘上（就像我们在本实验中做的那样）</a:t>
-            </a:r>
-            <a:endParaRPr lang="en-US" altLang="zh-CN" dirty="0"/>
-          </a:p>
-          <a:p>
-            <a:pPr lvl="1"/>
-            <a:r>
-              <a:rPr lang="zh-CN" altLang="en-US" dirty="0"/>
-              <a:t>将该磁盘镜像分享给其他人</a:t>
-            </a:r>
-            <a:endParaRPr lang="en-US" altLang="zh-CN" dirty="0"/>
-          </a:p>
-          <a:p>
-            <a:pPr lvl="1"/>
-            <a:r>
-              <a:rPr lang="zh-CN" altLang="en-US" dirty="0"/>
-              <a:t>将刚构建出的 </a:t>
-            </a:r>
-            <a:r>
-              <a:rPr lang="en-US" altLang="zh-CN" dirty="0"/>
-              <a:t>LFS </a:t>
-            </a:r>
-            <a:r>
-              <a:rPr lang="zh-CN" altLang="en-US" dirty="0"/>
-              <a:t>镜像作为虚拟机镜像，使用 </a:t>
-            </a:r>
-            <a:r>
-              <a:rPr lang="en-US" altLang="zh-CN" dirty="0"/>
-              <a:t>QEMU </a:t>
-            </a:r>
-            <a:r>
-              <a:rPr lang="zh-CN" altLang="en-US" dirty="0"/>
-              <a:t>启动一个 </a:t>
-            </a:r>
-            <a:r>
-              <a:rPr lang="en-US" altLang="zh-CN" dirty="0"/>
-              <a:t>LFS </a:t>
-            </a:r>
-            <a:r>
-              <a:rPr lang="zh-CN" altLang="en-US" dirty="0"/>
-              <a:t>虚拟机</a:t>
-            </a:r>
+            <a:endParaRPr lang="zh-CN" altLang="en-US"/>
           </a:p>
         </p:txBody>
       </p:sp>
     </p:spTree>
     <p:extLst>
       <p:ext uri="{BB962C8B-B14F-4D97-AF65-F5344CB8AC3E}">
-        <p14:creationId xmlns:p14="http://schemas.microsoft.com/office/powerpoint/2010/main" val="1324206446"/>
+        <p14:creationId xmlns:p14="http://schemas.microsoft.com/office/powerpoint/2010/main" val="1291039218"/>
       </p:ext>
     </p:extLst>
   </p:cSld>
@@ -1307,6 +1175,205 @@
           <a:bodyPr/>
           <a:lstStyle/>
           <a:p>
+            <a:r>
+              <a:rPr lang="en-US" altLang="zh-CN" dirty="0"/>
+              <a:t>1. </a:t>
+            </a:r>
+            <a:r>
+              <a:rPr lang="zh-CN" altLang="en-US" dirty="0"/>
+              <a:t>让构建速度更快的参考答案：</a:t>
+            </a:r>
+            <a:endParaRPr lang="en-US" altLang="zh-CN" dirty="0"/>
+          </a:p>
+          <a:p>
+            <a:pPr lvl="1"/>
+            <a:r>
+              <a:rPr lang="zh-CN" altLang="en-US" dirty="0"/>
+              <a:t>使用脚本</a:t>
+            </a:r>
+            <a:endParaRPr lang="en-US" altLang="zh-CN" dirty="0"/>
+          </a:p>
+          <a:p>
+            <a:pPr lvl="1"/>
+            <a:r>
+              <a:rPr lang="zh-CN" altLang="en-US" dirty="0"/>
+              <a:t>构建（</a:t>
+            </a:r>
+            <a:r>
+              <a:rPr lang="en-US" altLang="zh-CN" dirty="0"/>
+              <a:t>make</a:t>
+            </a:r>
+            <a:r>
+              <a:rPr lang="zh-CN" altLang="en-US" dirty="0"/>
+              <a:t>）的时候尽量采用多线程</a:t>
+            </a:r>
+            <a:endParaRPr lang="en-US" altLang="zh-CN" dirty="0"/>
+          </a:p>
+          <a:p>
+            <a:r>
+              <a:rPr lang="en-US" altLang="zh-CN" dirty="0"/>
+              <a:t>2. </a:t>
+            </a:r>
+            <a:r>
+              <a:rPr lang="zh-CN" altLang="en-US" dirty="0"/>
+              <a:t>配置新系统的网络的参考答案：</a:t>
+            </a:r>
+            <a:endParaRPr lang="en-US" altLang="zh-CN" dirty="0"/>
+          </a:p>
+          <a:p>
+            <a:pPr lvl="1"/>
+            <a:r>
+              <a:rPr lang="zh-CN" altLang="en-US" dirty="0"/>
+              <a:t>在虚拟机上提供网络环境</a:t>
+            </a:r>
+            <a:endParaRPr lang="en-US" altLang="zh-CN" dirty="0"/>
+          </a:p>
+          <a:p>
+            <a:pPr lvl="1"/>
+            <a:r>
+              <a:rPr lang="zh-CN" altLang="en-US" dirty="0"/>
+              <a:t>参照 </a:t>
+            </a:r>
+            <a:r>
+              <a:rPr lang="en-US" altLang="zh-CN" dirty="0"/>
+              <a:t>LFS </a:t>
+            </a:r>
+            <a:r>
+              <a:rPr lang="zh-CN" altLang="en-US" dirty="0"/>
+              <a:t>官方文档</a:t>
+            </a:r>
+            <a:endParaRPr lang="en-US" altLang="zh-CN" dirty="0"/>
+          </a:p>
+          <a:p>
+            <a:r>
+              <a:rPr lang="en-US" altLang="zh-CN" dirty="0"/>
+              <a:t>3. </a:t>
+            </a:r>
+            <a:r>
+              <a:rPr lang="zh-CN" altLang="en-US" dirty="0"/>
+              <a:t>将新系统分享给他人的参考答案：</a:t>
+            </a:r>
+            <a:endParaRPr lang="en-US" altLang="zh-CN" dirty="0"/>
+          </a:p>
+          <a:p>
+            <a:pPr lvl="1"/>
+            <a:r>
+              <a:rPr lang="zh-CN" altLang="en-US" dirty="0"/>
+              <a:t>将 </a:t>
+            </a:r>
+            <a:r>
+              <a:rPr lang="en-US" altLang="zh-CN" dirty="0"/>
+              <a:t>LFS </a:t>
+            </a:r>
+            <a:r>
+              <a:rPr lang="zh-CN" altLang="en-US" dirty="0"/>
+              <a:t>目标系统构建在一块单独的磁盘上（就像我们在本实验中做的那样）</a:t>
+            </a:r>
+            <a:endParaRPr lang="en-US" altLang="zh-CN" dirty="0"/>
+          </a:p>
+          <a:p>
+            <a:pPr lvl="1"/>
+            <a:r>
+              <a:rPr lang="zh-CN" altLang="en-US" dirty="0"/>
+              <a:t>将该磁盘镜像分享给其他人</a:t>
+            </a:r>
+            <a:endParaRPr lang="en-US" altLang="zh-CN" dirty="0"/>
+          </a:p>
+          <a:p>
+            <a:pPr lvl="1"/>
+            <a:r>
+              <a:rPr lang="zh-CN" altLang="en-US" dirty="0"/>
+              <a:t>将刚构建出的 </a:t>
+            </a:r>
+            <a:r>
+              <a:rPr lang="en-US" altLang="zh-CN" dirty="0"/>
+              <a:t>LFS </a:t>
+            </a:r>
+            <a:r>
+              <a:rPr lang="zh-CN" altLang="en-US" dirty="0"/>
+              <a:t>镜像作为虚拟机镜像，使用 </a:t>
+            </a:r>
+            <a:r>
+              <a:rPr lang="en-US" altLang="zh-CN" dirty="0"/>
+              <a:t>QEMU </a:t>
+            </a:r>
+            <a:r>
+              <a:rPr lang="zh-CN" altLang="en-US" dirty="0"/>
+              <a:t>启动一个 </a:t>
+            </a:r>
+            <a:r>
+              <a:rPr lang="en-US" altLang="zh-CN" dirty="0"/>
+              <a:t>LFS </a:t>
+            </a:r>
+            <a:r>
+              <a:rPr lang="zh-CN" altLang="en-US" dirty="0"/>
+              <a:t>虚拟机</a:t>
+            </a:r>
+          </a:p>
+        </p:txBody>
+      </p:sp>
+    </p:spTree>
+    <p:extLst>
+      <p:ext uri="{BB962C8B-B14F-4D97-AF65-F5344CB8AC3E}">
+        <p14:creationId xmlns:p14="http://schemas.microsoft.com/office/powerpoint/2010/main" val="1324206446"/>
+      </p:ext>
+    </p:extLst>
+  </p:cSld>
+  <p:clrMapOvr>
+    <a:masterClrMapping/>
+  </p:clrMapOvr>
+</p:notes>
+</file>
+
+<file path=ppt/notesSlides/notesSlide17.xml><?xml version="1.0" encoding="utf-8"?>
+<p:notes xmlns:a="http://schemas.openxmlformats.org/drawingml/2006/main" xmlns:r="http://schemas.openxmlformats.org/officeDocument/2006/relationships" xmlns:p="http://schemas.openxmlformats.org/presentationml/2006/main">
+  <p:cSld>
+    <p:spTree>
+      <p:nvGrpSpPr>
+        <p:cNvPr id="1" name=""/>
+        <p:cNvGrpSpPr/>
+        <p:nvPr/>
+      </p:nvGrpSpPr>
+      <p:grpSpPr>
+        <a:xfrm>
+          <a:off x="0" y="0"/>
+          <a:ext cx="0" cy="0"/>
+          <a:chOff x="0" y="0"/>
+          <a:chExt cx="0" cy="0"/>
+        </a:xfrm>
+      </p:grpSpPr>
+      <p:sp>
+        <p:nvSpPr>
+          <p:cNvPr id="2" name="幻灯片图像占位符 1"/>
+          <p:cNvSpPr>
+            <a:spLocks noGrp="1" noRot="1" noChangeAspect="1"/>
+          </p:cNvSpPr>
+          <p:nvPr>
+            <p:ph type="sldImg"/>
+          </p:nvPr>
+        </p:nvSpPr>
+        <p:spPr>
+          <a:xfrm>
+            <a:off x="742950" y="717550"/>
+            <a:ext cx="5557838" cy="3125788"/>
+          </a:xfrm>
+        </p:spPr>
+      </p:sp>
+      <p:sp>
+        <p:nvSpPr>
+          <p:cNvPr id="3" name="备注占位符 2"/>
+          <p:cNvSpPr>
+            <a:spLocks noGrp="1"/>
+          </p:cNvSpPr>
+          <p:nvPr>
+            <p:ph type="body" idx="1"/>
+          </p:nvPr>
+        </p:nvSpPr>
+        <p:spPr/>
+        <p:txBody>
+          <a:bodyPr/>
+          <a:lstStyle/>
+          <a:p>
             <a:endParaRPr lang="zh-CN" altLang="en-US"/>
           </a:p>
         </p:txBody>
@@ -1324,7 +1391,7 @@
 </p:notes>
 </file>
 
-<file path=ppt/notesSlides/notesSlide17.xml><?xml version="1.0" encoding="utf-8"?>
+<file path=ppt/notesSlides/notesSlide18.xml><?xml version="1.0" encoding="utf-8"?>
 <p:notes xmlns:a="http://schemas.openxmlformats.org/drawingml/2006/main" xmlns:r="http://schemas.openxmlformats.org/officeDocument/2006/relationships" xmlns:p="http://schemas.openxmlformats.org/presentationml/2006/main">
   <p:cSld>
     <p:spTree>
@@ -1607,6 +1674,72 @@
       </p:grpSpPr>
       <p:sp>
         <p:nvSpPr>
+          <p:cNvPr id="2" name="幻灯片图像占位符 1"/>
+          <p:cNvSpPr>
+            <a:spLocks noGrp="1" noRot="1" noChangeAspect="1"/>
+          </p:cNvSpPr>
+          <p:nvPr>
+            <p:ph type="sldImg"/>
+          </p:nvPr>
+        </p:nvSpPr>
+        <p:spPr>
+          <a:xfrm>
+            <a:off x="739775" y="717550"/>
+            <a:ext cx="5556250" cy="3125788"/>
+          </a:xfrm>
+        </p:spPr>
+      </p:sp>
+      <p:sp>
+        <p:nvSpPr>
+          <p:cNvPr id="3" name="备注占位符 2"/>
+          <p:cNvSpPr>
+            <a:spLocks noGrp="1"/>
+          </p:cNvSpPr>
+          <p:nvPr>
+            <p:ph type="body" idx="1"/>
+          </p:nvPr>
+        </p:nvSpPr>
+        <p:spPr/>
+        <p:txBody>
+          <a:bodyPr/>
+          <a:lstStyle/>
+          <a:p>
+            <a:endParaRPr lang="zh-CN" altLang="en-US" dirty="0"/>
+          </a:p>
+        </p:txBody>
+      </p:sp>
+    </p:spTree>
+    <p:extLst>
+      <p:ext uri="{BB962C8B-B14F-4D97-AF65-F5344CB8AC3E}">
+        <p14:creationId xmlns:p14="http://schemas.microsoft.com/office/powerpoint/2010/main" val="2176882262"/>
+      </p:ext>
+    </p:extLst>
+  </p:cSld>
+  <p:clrMapOvr>
+    <a:masterClrMapping/>
+  </p:clrMapOvr>
+</p:notes>
+</file>
+
+<file path=ppt/notesSlides/notesSlide6.xml><?xml version="1.0" encoding="utf-8"?>
+<p:notes xmlns:a="http://schemas.openxmlformats.org/drawingml/2006/main" xmlns:r="http://schemas.openxmlformats.org/officeDocument/2006/relationships" xmlns:p="http://schemas.openxmlformats.org/presentationml/2006/main">
+  <p:cSld>
+    <p:spTree>
+      <p:nvGrpSpPr>
+        <p:cNvPr id="1" name=""/>
+        <p:cNvGrpSpPr/>
+        <p:nvPr/>
+      </p:nvGrpSpPr>
+      <p:grpSpPr>
+        <a:xfrm>
+          <a:off x="0" y="0"/>
+          <a:ext cx="0" cy="0"/>
+          <a:chOff x="0" y="0"/>
+          <a:chExt cx="0" cy="0"/>
+        </a:xfrm>
+      </p:grpSpPr>
+      <p:sp>
+        <p:nvSpPr>
           <p:cNvPr id="2" name="Slide Image Placeholder 1"/>
           <p:cNvSpPr>
             <a:spLocks noGrp="1" noRot="1" noChangeAspect="1"/>
@@ -1654,7 +1787,7 @@
 </p:notes>
 </file>
 
-<file path=ppt/notesSlides/notesSlide6.xml><?xml version="1.0" encoding="utf-8"?>
+<file path=ppt/notesSlides/notesSlide7.xml><?xml version="1.0" encoding="utf-8"?>
 <p:notes xmlns:a="http://schemas.openxmlformats.org/drawingml/2006/main" xmlns:r="http://schemas.openxmlformats.org/officeDocument/2006/relationships" xmlns:p="http://schemas.openxmlformats.org/presentationml/2006/main">
   <p:cSld>
     <p:spTree>
@@ -1720,7 +1853,7 @@
 </p:notes>
 </file>
 
-<file path=ppt/notesSlides/notesSlide7.xml><?xml version="1.0" encoding="utf-8"?>
+<file path=ppt/notesSlides/notesSlide8.xml><?xml version="1.0" encoding="utf-8"?>
 <p:notes xmlns:a="http://schemas.openxmlformats.org/drawingml/2006/main" xmlns:r="http://schemas.openxmlformats.org/officeDocument/2006/relationships" xmlns:p="http://schemas.openxmlformats.org/presentationml/2006/main">
   <p:cSld>
     <p:spTree>
@@ -1777,72 +1910,6 @@
     <p:extLst>
       <p:ext uri="{BB962C8B-B14F-4D97-AF65-F5344CB8AC3E}">
         <p14:creationId xmlns:p14="http://schemas.microsoft.com/office/powerpoint/2010/main" val="2129132114"/>
-      </p:ext>
-    </p:extLst>
-  </p:cSld>
-  <p:clrMapOvr>
-    <a:masterClrMapping/>
-  </p:clrMapOvr>
-</p:notes>
-</file>
-
-<file path=ppt/notesSlides/notesSlide8.xml><?xml version="1.0" encoding="utf-8"?>
-<p:notes xmlns:a="http://schemas.openxmlformats.org/drawingml/2006/main" xmlns:r="http://schemas.openxmlformats.org/officeDocument/2006/relationships" xmlns:p="http://schemas.openxmlformats.org/presentationml/2006/main">
-  <p:cSld>
-    <p:spTree>
-      <p:nvGrpSpPr>
-        <p:cNvPr id="1" name=""/>
-        <p:cNvGrpSpPr/>
-        <p:nvPr/>
-      </p:nvGrpSpPr>
-      <p:grpSpPr>
-        <a:xfrm>
-          <a:off x="0" y="0"/>
-          <a:ext cx="0" cy="0"/>
-          <a:chOff x="0" y="0"/>
-          <a:chExt cx="0" cy="0"/>
-        </a:xfrm>
-      </p:grpSpPr>
-      <p:sp>
-        <p:nvSpPr>
-          <p:cNvPr id="2" name="幻灯片图像占位符 1"/>
-          <p:cNvSpPr>
-            <a:spLocks noGrp="1" noRot="1" noChangeAspect="1"/>
-          </p:cNvSpPr>
-          <p:nvPr>
-            <p:ph type="sldImg"/>
-          </p:nvPr>
-        </p:nvSpPr>
-        <p:spPr>
-          <a:xfrm>
-            <a:off x="739775" y="717550"/>
-            <a:ext cx="5556250" cy="3125788"/>
-          </a:xfrm>
-        </p:spPr>
-      </p:sp>
-      <p:sp>
-        <p:nvSpPr>
-          <p:cNvPr id="3" name="备注占位符 2"/>
-          <p:cNvSpPr>
-            <a:spLocks noGrp="1"/>
-          </p:cNvSpPr>
-          <p:nvPr>
-            <p:ph type="body" idx="1"/>
-          </p:nvPr>
-        </p:nvSpPr>
-        <p:spPr/>
-        <p:txBody>
-          <a:bodyPr/>
-          <a:lstStyle/>
-          <a:p>
-            <a:endParaRPr lang="zh-CN" altLang="en-US"/>
-          </a:p>
-        </p:txBody>
-      </p:sp>
-    </p:spTree>
-    <p:extLst>
-      <p:ext uri="{BB962C8B-B14F-4D97-AF65-F5344CB8AC3E}">
-        <p14:creationId xmlns:p14="http://schemas.microsoft.com/office/powerpoint/2010/main" val="2382819582"/>
       </p:ext>
     </p:extLst>
   </p:cSld>
@@ -1908,7 +1975,7 @@
     </p:spTree>
     <p:extLst>
       <p:ext uri="{BB962C8B-B14F-4D97-AF65-F5344CB8AC3E}">
-        <p14:creationId xmlns:p14="http://schemas.microsoft.com/office/powerpoint/2010/main" val="4213291462"/>
+        <p14:creationId xmlns:p14="http://schemas.microsoft.com/office/powerpoint/2010/main" val="2382819582"/>
       </p:ext>
     </p:extLst>
   </p:cSld>
@@ -24632,12 +24699,12 @@
       </p:grpSpPr>
       <p:sp>
         <p:nvSpPr>
-          <p:cNvPr id="2" name="文本占位符 1"/>
+          <p:cNvPr id="3" name="标题 2"/>
           <p:cNvSpPr>
             <a:spLocks noGrp="1"/>
           </p:cNvSpPr>
           <p:nvPr>
-            <p:ph type="body" sz="quarter" idx="10"/>
+            <p:ph type="title"/>
           </p:nvPr>
         </p:nvSpPr>
         <p:spPr/>
@@ -24646,63 +24713,769 @@
           <a:lstStyle/>
           <a:p>
             <a:r>
-              <a:rPr lang="zh-CN" altLang="en-US" dirty="0">
-                <a:solidFill>
-                  <a:schemeClr val="bg1">
-                    <a:lumMod val="50000"/>
-                  </a:schemeClr>
-                </a:solidFill>
-              </a:rPr>
-              <a:t>前置知识和技能</a:t>
-            </a:r>
-            <a:endParaRPr lang="en-US" altLang="zh-CN" dirty="0">
-              <a:solidFill>
-                <a:schemeClr val="bg1">
-                  <a:lumMod val="50000"/>
-                </a:schemeClr>
-              </a:solidFill>
-            </a:endParaRPr>
-          </a:p>
-          <a:p>
-            <a:r>
-              <a:rPr lang="zh-CN" altLang="en-US" dirty="0">
-                <a:solidFill>
-                  <a:schemeClr val="bg1">
-                    <a:lumMod val="50000"/>
-                  </a:schemeClr>
-                </a:solidFill>
-              </a:rPr>
-              <a:t>交叉编译</a:t>
-            </a:r>
-            <a:endParaRPr lang="en-US" altLang="zh-CN" dirty="0">
-              <a:solidFill>
-                <a:schemeClr val="bg1">
-                  <a:lumMod val="50000"/>
-                </a:schemeClr>
-              </a:solidFill>
-            </a:endParaRPr>
-          </a:p>
-          <a:p>
-            <a:r>
               <a:rPr lang="en-US" altLang="zh-CN" dirty="0"/>
               <a:t>LFS </a:t>
             </a:r>
             <a:r>
               <a:rPr lang="zh-CN" altLang="en-US" dirty="0"/>
-              <a:t>构建过程</a:t>
-            </a:r>
-            <a:endParaRPr lang="en-US" altLang="zh-CN" dirty="0"/>
-          </a:p>
-          <a:p>
-            <a:r>
-              <a:rPr lang="zh-CN" altLang="en-US" dirty="0">
-                <a:solidFill>
-                  <a:schemeClr val="bg1">
-                    <a:lumMod val="50000"/>
-                  </a:schemeClr>
-                </a:solidFill>
-              </a:rPr>
-              <a:t>其他说明</a:t>
+              <a:t>构建过程（利用交叉编译原理）</a:t>
+            </a:r>
+          </a:p>
+        </p:txBody>
+      </p:sp>
+      <p:sp>
+        <p:nvSpPr>
+          <p:cNvPr id="2" name="TextBox 1"/>
+          <p:cNvSpPr txBox="1"/>
+          <p:nvPr/>
+        </p:nvSpPr>
+        <p:spPr>
+          <a:xfrm>
+            <a:off x="452438" y="948718"/>
+            <a:ext cx="5537915" cy="400110"/>
+          </a:xfrm>
+          <a:prstGeom prst="rect">
+            <a:avLst/>
+          </a:prstGeom>
+          <a:noFill/>
+        </p:spPr>
+        <p:txBody>
+          <a:bodyPr wrap="square" rtlCol="0">
+            <a:spAutoFit/>
+          </a:bodyPr>
+          <a:lstStyle/>
+          <a:p>
+            <a:r>
+              <a:rPr lang="en-US" altLang="zh-CN" sz="2000" dirty="0"/>
+              <a:t>LFS</a:t>
+            </a:r>
+            <a:r>
+              <a:rPr lang="zh-CN" altLang="en-US" sz="2000" dirty="0"/>
+              <a:t>的交叉编译实现：</a:t>
+            </a:r>
+          </a:p>
+        </p:txBody>
+      </p:sp>
+      <p:graphicFrame>
+        <p:nvGraphicFramePr>
+          <p:cNvPr id="4" name="表格 2"/>
+          <p:cNvGraphicFramePr>
+            <a:graphicFrameLocks noGrp="1"/>
+          </p:cNvGraphicFramePr>
+          <p:nvPr>
+            <p:extLst>
+              <p:ext uri="{D42A27DB-BD31-4B8C-83A1-F6EECF244321}">
+                <p14:modId xmlns:p14="http://schemas.microsoft.com/office/powerpoint/2010/main" val="3475955123"/>
+              </p:ext>
+            </p:extLst>
+          </p:nvPr>
+        </p:nvGraphicFramePr>
+        <p:xfrm>
+          <a:off x="452440" y="1484313"/>
+          <a:ext cx="7824167" cy="2336590"/>
+        </p:xfrm>
+        <a:graphic>
+          <a:graphicData uri="http://schemas.openxmlformats.org/drawingml/2006/table">
+            <a:tbl>
+              <a:tblPr firstRow="1" bandRow="1"/>
+              <a:tblGrid>
+                <a:gridCol w="798830">
+                  <a:extLst>
+                    <a:ext uri="{9D8B030D-6E8A-4147-A177-3AD203B41FA5}">
+                      <a16:colId xmlns:a16="http://schemas.microsoft.com/office/drawing/2014/main" val="20000"/>
+                    </a:ext>
+                  </a:extLst>
+                </a:gridCol>
+                <a:gridCol w="748030">
+                  <a:extLst>
+                    <a:ext uri="{9D8B030D-6E8A-4147-A177-3AD203B41FA5}">
+                      <a16:colId xmlns:a16="http://schemas.microsoft.com/office/drawing/2014/main" val="20002"/>
+                    </a:ext>
+                  </a:extLst>
+                </a:gridCol>
+                <a:gridCol w="698817">
+                  <a:extLst>
+                    <a:ext uri="{9D8B030D-6E8A-4147-A177-3AD203B41FA5}">
+                      <a16:colId xmlns:a16="http://schemas.microsoft.com/office/drawing/2014/main" val="20003"/>
+                    </a:ext>
+                  </a:extLst>
+                </a:gridCol>
+                <a:gridCol w="892493">
+                  <a:extLst>
+                    <a:ext uri="{9D8B030D-6E8A-4147-A177-3AD203B41FA5}">
+                      <a16:colId xmlns:a16="http://schemas.microsoft.com/office/drawing/2014/main" val="20004"/>
+                    </a:ext>
+                  </a:extLst>
+                </a:gridCol>
+                <a:gridCol w="4685997">
+                  <a:extLst>
+                    <a:ext uri="{9D8B030D-6E8A-4147-A177-3AD203B41FA5}">
+                      <a16:colId xmlns:a16="http://schemas.microsoft.com/office/drawing/2014/main" val="20001"/>
+                    </a:ext>
+                  </a:extLst>
+                </a:gridCol>
+              </a:tblGrid>
+              <a:tr h="273587">
+                <a:tc>
+                  <a:txBody>
+                    <a:bodyPr/>
+                    <a:lstStyle/>
+                    <a:p>
+                      <a:pPr algn="ctr"/>
+                      <a:r>
+                        <a:rPr lang="en-US" altLang="zh-CN" sz="1600" b="1" dirty="0"/>
+                        <a:t>Stage</a:t>
+                      </a:r>
+                      <a:endParaRPr lang="zh-CN" altLang="en-US" sz="1600" b="1" dirty="0"/>
+                    </a:p>
+                  </a:txBody>
+                  <a:tcPr anchor="ctr">
+                    <a:lnL w="28575" cap="flat" cmpd="sng" algn="ctr">
+                      <a:solidFill>
+                        <a:schemeClr val="tx1"/>
+                      </a:solidFill>
+                      <a:prstDash val="solid"/>
+                      <a:round/>
+                      <a:headEnd type="none" w="med" len="med"/>
+                      <a:tailEnd type="none" w="med" len="med"/>
+                    </a:lnL>
+                    <a:lnT w="28575" cap="flat" cmpd="sng" algn="ctr">
+                      <a:solidFill>
+                        <a:schemeClr val="tx1"/>
+                      </a:solidFill>
+                      <a:prstDash val="solid"/>
+                      <a:round/>
+                      <a:headEnd type="none" w="med" len="med"/>
+                      <a:tailEnd type="none" w="med" len="med"/>
+                    </a:lnT>
+                    <a:solidFill>
+                      <a:schemeClr val="bg1">
+                        <a:lumMod val="85000"/>
+                      </a:schemeClr>
+                    </a:solidFill>
+                  </a:tcPr>
+                </a:tc>
+                <a:tc>
+                  <a:txBody>
+                    <a:bodyPr/>
+                    <a:lstStyle/>
+                    <a:p>
+                      <a:pPr algn="ctr"/>
+                      <a:r>
+                        <a:rPr lang="en-US" altLang="zh-CN" sz="1600" b="1" dirty="0"/>
+                        <a:t>Build</a:t>
+                      </a:r>
+                      <a:endParaRPr lang="zh-CN" altLang="en-US" sz="1600" b="1" dirty="0"/>
+                    </a:p>
+                  </a:txBody>
+                  <a:tcPr anchor="ctr">
+                    <a:lnT w="28575" cap="flat" cmpd="sng" algn="ctr">
+                      <a:solidFill>
+                        <a:schemeClr val="tx1"/>
+                      </a:solidFill>
+                      <a:prstDash val="solid"/>
+                      <a:round/>
+                      <a:headEnd type="none" w="med" len="med"/>
+                      <a:tailEnd type="none" w="med" len="med"/>
+                    </a:lnT>
+                    <a:solidFill>
+                      <a:schemeClr val="bg1">
+                        <a:lumMod val="85000"/>
+                      </a:schemeClr>
+                    </a:solidFill>
+                  </a:tcPr>
+                </a:tc>
+                <a:tc>
+                  <a:txBody>
+                    <a:bodyPr/>
+                    <a:lstStyle/>
+                    <a:p>
+                      <a:pPr algn="ctr"/>
+                      <a:r>
+                        <a:rPr lang="en-US" altLang="zh-CN" sz="1600" b="1" dirty="0"/>
+                        <a:t>Host</a:t>
+                      </a:r>
+                      <a:endParaRPr lang="zh-CN" altLang="en-US" sz="1600" b="1" dirty="0"/>
+                    </a:p>
+                  </a:txBody>
+                  <a:tcPr anchor="ctr">
+                    <a:lnT w="28575" cap="flat" cmpd="sng" algn="ctr">
+                      <a:solidFill>
+                        <a:schemeClr val="tx1"/>
+                      </a:solidFill>
+                      <a:prstDash val="solid"/>
+                      <a:round/>
+                      <a:headEnd type="none" w="med" len="med"/>
+                      <a:tailEnd type="none" w="med" len="med"/>
+                    </a:lnT>
+                    <a:solidFill>
+                      <a:schemeClr val="bg1">
+                        <a:lumMod val="85000"/>
+                      </a:schemeClr>
+                    </a:solidFill>
+                  </a:tcPr>
+                </a:tc>
+                <a:tc>
+                  <a:txBody>
+                    <a:bodyPr/>
+                    <a:lstStyle/>
+                    <a:p>
+                      <a:pPr algn="ctr"/>
+                      <a:r>
+                        <a:rPr lang="en-US" altLang="zh-CN" sz="1600" b="1" dirty="0"/>
+                        <a:t>Target</a:t>
+                      </a:r>
+                      <a:endParaRPr lang="zh-CN" altLang="en-US" sz="1600" b="1" dirty="0"/>
+                    </a:p>
+                  </a:txBody>
+                  <a:tcPr anchor="ctr">
+                    <a:lnT w="28575" cap="flat" cmpd="sng" algn="ctr">
+                      <a:solidFill>
+                        <a:schemeClr val="tx1"/>
+                      </a:solidFill>
+                      <a:prstDash val="solid"/>
+                      <a:round/>
+                      <a:headEnd type="none" w="med" len="med"/>
+                      <a:tailEnd type="none" w="med" len="med"/>
+                    </a:lnT>
+                    <a:solidFill>
+                      <a:schemeClr val="bg1">
+                        <a:lumMod val="85000"/>
+                      </a:schemeClr>
+                    </a:solidFill>
+                  </a:tcPr>
+                </a:tc>
+                <a:tc>
+                  <a:txBody>
+                    <a:bodyPr/>
+                    <a:lstStyle/>
+                    <a:p>
+                      <a:pPr algn="ctr"/>
+                      <a:r>
+                        <a:rPr lang="en-US" altLang="zh-CN" sz="1600" b="1" dirty="0"/>
+                        <a:t>Action</a:t>
+                      </a:r>
+                      <a:endParaRPr lang="zh-CN" altLang="en-US" sz="1600" b="1" dirty="0"/>
+                    </a:p>
+                  </a:txBody>
+                  <a:tcPr anchor="ctr">
+                    <a:lnR w="28575" cap="flat" cmpd="sng" algn="ctr">
+                      <a:solidFill>
+                        <a:schemeClr val="tx1"/>
+                      </a:solidFill>
+                      <a:prstDash val="solid"/>
+                      <a:round/>
+                      <a:headEnd type="none" w="med" len="med"/>
+                      <a:tailEnd type="none" w="med" len="med"/>
+                    </a:lnR>
+                    <a:lnT w="28575" cap="flat" cmpd="sng" algn="ctr">
+                      <a:solidFill>
+                        <a:schemeClr val="tx1"/>
+                      </a:solidFill>
+                      <a:prstDash val="solid"/>
+                      <a:round/>
+                      <a:headEnd type="none" w="med" len="med"/>
+                      <a:tailEnd type="none" w="med" len="med"/>
+                    </a:lnT>
+                    <a:solidFill>
+                      <a:schemeClr val="bg1">
+                        <a:lumMod val="85000"/>
+                      </a:schemeClr>
+                    </a:solidFill>
+                  </a:tcPr>
+                </a:tc>
+                <a:extLst>
+                  <a:ext uri="{0D108BD9-81ED-4DB2-BD59-A6C34878D82A}">
+                    <a16:rowId xmlns:a16="http://schemas.microsoft.com/office/drawing/2014/main" val="10000"/>
+                  </a:ext>
+                </a:extLst>
+              </a:tr>
+              <a:tr h="787032">
+                <a:tc>
+                  <a:txBody>
+                    <a:bodyPr/>
+                    <a:lstStyle/>
+                    <a:p>
+                      <a:pPr algn="ctr"/>
+                      <a:r>
+                        <a:rPr lang="en-US" altLang="zh-CN" sz="1600" dirty="0"/>
+                        <a:t>1</a:t>
+                      </a:r>
+                      <a:endParaRPr lang="zh-CN" altLang="en-US" sz="1600" dirty="0"/>
+                    </a:p>
+                  </a:txBody>
+                  <a:tcPr anchor="ctr">
+                    <a:lnL w="28575" cap="flat" cmpd="sng" algn="ctr">
+                      <a:solidFill>
+                        <a:schemeClr val="tx1"/>
+                      </a:solidFill>
+                      <a:prstDash val="solid"/>
+                      <a:round/>
+                      <a:headEnd type="none" w="med" len="med"/>
+                      <a:tailEnd type="none" w="med" len="med"/>
+                    </a:lnL>
+                  </a:tcPr>
+                </a:tc>
+                <a:tc>
+                  <a:txBody>
+                    <a:bodyPr/>
+                    <a:lstStyle/>
+                    <a:p>
+                      <a:pPr algn="ctr"/>
+                      <a:r>
+                        <a:rPr lang="en-US" altLang="zh-CN" sz="1600" dirty="0"/>
+                        <a:t>PC</a:t>
+                      </a:r>
+                      <a:endParaRPr lang="zh-CN" altLang="en-US" sz="1600" dirty="0"/>
+                    </a:p>
+                  </a:txBody>
+                  <a:tcPr anchor="ctr"/>
+                </a:tc>
+                <a:tc>
+                  <a:txBody>
+                    <a:bodyPr/>
+                    <a:lstStyle/>
+                    <a:p>
+                      <a:pPr algn="ctr"/>
+                      <a:r>
+                        <a:rPr lang="en-US" altLang="zh-CN" sz="1600" dirty="0"/>
+                        <a:t>PC</a:t>
+                      </a:r>
+                      <a:endParaRPr lang="zh-CN" altLang="en-US" sz="1600" dirty="0"/>
+                    </a:p>
+                  </a:txBody>
+                  <a:tcPr anchor="ctr"/>
+                </a:tc>
+                <a:tc>
+                  <a:txBody>
+                    <a:bodyPr/>
+                    <a:lstStyle/>
+                    <a:p>
+                      <a:pPr algn="ctr"/>
+                      <a:r>
+                        <a:rPr lang="en-US" altLang="zh-CN" sz="1600" dirty="0"/>
+                        <a:t>LFS</a:t>
+                      </a:r>
+                      <a:endParaRPr lang="zh-CN" altLang="en-US" sz="1600" dirty="0"/>
+                    </a:p>
+                  </a:txBody>
+                  <a:tcPr anchor="ctr"/>
+                </a:tc>
+                <a:tc>
+                  <a:txBody>
+                    <a:bodyPr/>
+                    <a:lstStyle/>
+                    <a:p>
+                      <a:r>
+                        <a:rPr lang="en-US" altLang="zh-CN" sz="1600" dirty="0"/>
+                        <a:t>Build </a:t>
+                      </a:r>
+                      <a:r>
+                        <a:rPr lang="en-US" altLang="zh-CN" sz="1600" dirty="0" err="1"/>
+                        <a:t>crosscompiler</a:t>
+                      </a:r>
+                      <a:r>
+                        <a:rPr lang="en-US" altLang="zh-CN" sz="1600" dirty="0"/>
+                        <a:t> cc1 using cc-pc on PC</a:t>
+                      </a:r>
+                      <a:endParaRPr lang="zh-CN" altLang="en-US" sz="1600" dirty="0"/>
+                    </a:p>
+                  </a:txBody>
+                  <a:tcPr anchor="ctr">
+                    <a:lnR w="28575" cap="flat" cmpd="sng" algn="ctr">
+                      <a:solidFill>
+                        <a:schemeClr val="tx1"/>
+                      </a:solidFill>
+                      <a:prstDash val="solid"/>
+                      <a:round/>
+                      <a:headEnd type="none" w="med" len="med"/>
+                      <a:tailEnd type="none" w="med" len="med"/>
+                    </a:lnR>
+                  </a:tcPr>
+                </a:tc>
+                <a:extLst>
+                  <a:ext uri="{0D108BD9-81ED-4DB2-BD59-A6C34878D82A}">
+                    <a16:rowId xmlns:a16="http://schemas.microsoft.com/office/drawing/2014/main" val="10001"/>
+                  </a:ext>
+                </a:extLst>
+              </a:tr>
+              <a:tr h="607139">
+                <a:tc>
+                  <a:txBody>
+                    <a:bodyPr/>
+                    <a:lstStyle/>
+                    <a:p>
+                      <a:pPr algn="ctr"/>
+                      <a:r>
+                        <a:rPr lang="en-US" altLang="zh-CN" sz="1600" dirty="0"/>
+                        <a:t>2</a:t>
+                      </a:r>
+                      <a:endParaRPr lang="zh-CN" altLang="en-US" sz="1600" dirty="0"/>
+                    </a:p>
+                  </a:txBody>
+                  <a:tcPr anchor="ctr">
+                    <a:lnL w="28575" cap="flat" cmpd="sng" algn="ctr">
+                      <a:solidFill>
+                        <a:schemeClr val="tx1"/>
+                      </a:solidFill>
+                      <a:prstDash val="solid"/>
+                      <a:round/>
+                      <a:headEnd type="none" w="med" len="med"/>
+                      <a:tailEnd type="none" w="med" len="med"/>
+                    </a:lnL>
+                  </a:tcPr>
+                </a:tc>
+                <a:tc>
+                  <a:txBody>
+                    <a:bodyPr/>
+                    <a:lstStyle/>
+                    <a:p>
+                      <a:pPr algn="ctr"/>
+                      <a:r>
+                        <a:rPr lang="en-US" altLang="zh-CN" sz="1600" dirty="0"/>
+                        <a:t>PC</a:t>
+                      </a:r>
+                      <a:endParaRPr lang="zh-CN" altLang="en-US" sz="1600" dirty="0"/>
+                    </a:p>
+                  </a:txBody>
+                  <a:tcPr anchor="ctr"/>
+                </a:tc>
+                <a:tc>
+                  <a:txBody>
+                    <a:bodyPr/>
+                    <a:lstStyle/>
+                    <a:p>
+                      <a:pPr algn="ctr"/>
+                      <a:r>
+                        <a:rPr lang="en-US" altLang="zh-CN" sz="1600" dirty="0"/>
+                        <a:t>LFS</a:t>
+                      </a:r>
+                      <a:endParaRPr lang="zh-CN" altLang="en-US" sz="1600" dirty="0"/>
+                    </a:p>
+                  </a:txBody>
+                  <a:tcPr anchor="ctr"/>
+                </a:tc>
+                <a:tc>
+                  <a:txBody>
+                    <a:bodyPr/>
+                    <a:lstStyle/>
+                    <a:p>
+                      <a:pPr algn="ctr"/>
+                      <a:r>
+                        <a:rPr lang="en-US" altLang="zh-CN" sz="1600" dirty="0"/>
+                        <a:t>LFS</a:t>
+                      </a:r>
+                      <a:endParaRPr lang="zh-CN" altLang="en-US" sz="1600" dirty="0"/>
+                    </a:p>
+                  </a:txBody>
+                  <a:tcPr anchor="ctr"/>
+                </a:tc>
+                <a:tc>
+                  <a:txBody>
+                    <a:bodyPr/>
+                    <a:lstStyle/>
+                    <a:p>
+                      <a:r>
+                        <a:rPr lang="en-US" altLang="zh-CN" sz="1600" dirty="0"/>
+                        <a:t>Build compiler cc-</a:t>
+                      </a:r>
+                      <a:r>
+                        <a:rPr lang="en-US" altLang="zh-CN" sz="1600" dirty="0" err="1"/>
+                        <a:t>lfs</a:t>
+                      </a:r>
+                      <a:r>
+                        <a:rPr lang="en-US" altLang="zh-CN" sz="1600" dirty="0"/>
+                        <a:t> using cc1 on PC</a:t>
+                      </a:r>
+                      <a:endParaRPr lang="zh-CN" altLang="en-US" sz="1600" dirty="0"/>
+                    </a:p>
+                  </a:txBody>
+                  <a:tcPr anchor="ctr">
+                    <a:lnR w="28575" cap="flat" cmpd="sng" algn="ctr">
+                      <a:solidFill>
+                        <a:schemeClr val="tx1"/>
+                      </a:solidFill>
+                      <a:prstDash val="solid"/>
+                      <a:round/>
+                      <a:headEnd type="none" w="med" len="med"/>
+                      <a:tailEnd type="none" w="med" len="med"/>
+                    </a:lnR>
+                  </a:tcPr>
+                </a:tc>
+                <a:extLst>
+                  <a:ext uri="{0D108BD9-81ED-4DB2-BD59-A6C34878D82A}">
+                    <a16:rowId xmlns:a16="http://schemas.microsoft.com/office/drawing/2014/main" val="2089911383"/>
+                  </a:ext>
+                </a:extLst>
+              </a:tr>
+              <a:tr h="607139">
+                <a:tc>
+                  <a:txBody>
+                    <a:bodyPr/>
+                    <a:lstStyle/>
+                    <a:p>
+                      <a:pPr algn="ctr"/>
+                      <a:r>
+                        <a:rPr lang="en-US" altLang="zh-CN" sz="1600" dirty="0"/>
+                        <a:t>3</a:t>
+                      </a:r>
+                      <a:endParaRPr lang="zh-CN" altLang="en-US" sz="1600" dirty="0"/>
+                    </a:p>
+                  </a:txBody>
+                  <a:tcPr anchor="ctr">
+                    <a:lnL w="28575" cap="flat" cmpd="sng" algn="ctr">
+                      <a:solidFill>
+                        <a:schemeClr val="tx1"/>
+                      </a:solidFill>
+                      <a:prstDash val="solid"/>
+                      <a:round/>
+                      <a:headEnd type="none" w="med" len="med"/>
+                      <a:tailEnd type="none" w="med" len="med"/>
+                    </a:lnL>
+                    <a:lnB w="28575" cap="flat" cmpd="sng" algn="ctr">
+                      <a:solidFill>
+                        <a:schemeClr val="tx1"/>
+                      </a:solidFill>
+                      <a:prstDash val="solid"/>
+                      <a:round/>
+                      <a:headEnd type="none" w="med" len="med"/>
+                      <a:tailEnd type="none" w="med" len="med"/>
+                    </a:lnB>
+                  </a:tcPr>
+                </a:tc>
+                <a:tc>
+                  <a:txBody>
+                    <a:bodyPr/>
+                    <a:lstStyle/>
+                    <a:p>
+                      <a:pPr algn="ctr"/>
+                      <a:r>
+                        <a:rPr lang="en-US" altLang="zh-CN" sz="1600" dirty="0"/>
+                        <a:t>LFS</a:t>
+                      </a:r>
+                      <a:endParaRPr lang="zh-CN" altLang="en-US" sz="1600" dirty="0"/>
+                    </a:p>
+                  </a:txBody>
+                  <a:tcPr anchor="ctr">
+                    <a:lnB w="28575" cap="flat" cmpd="sng" algn="ctr">
+                      <a:solidFill>
+                        <a:schemeClr val="tx1"/>
+                      </a:solidFill>
+                      <a:prstDash val="solid"/>
+                      <a:round/>
+                      <a:headEnd type="none" w="med" len="med"/>
+                      <a:tailEnd type="none" w="med" len="med"/>
+                    </a:lnB>
+                  </a:tcPr>
+                </a:tc>
+                <a:tc>
+                  <a:txBody>
+                    <a:bodyPr/>
+                    <a:lstStyle/>
+                    <a:p>
+                      <a:pPr algn="ctr"/>
+                      <a:r>
+                        <a:rPr lang="en-US" altLang="zh-CN" sz="1600" dirty="0"/>
+                        <a:t>LFS</a:t>
+                      </a:r>
+                      <a:endParaRPr lang="zh-CN" altLang="en-US" sz="1600" dirty="0"/>
+                    </a:p>
+                  </a:txBody>
+                  <a:tcPr anchor="ctr">
+                    <a:lnB w="28575" cap="flat" cmpd="sng" algn="ctr">
+                      <a:solidFill>
+                        <a:schemeClr val="tx1"/>
+                      </a:solidFill>
+                      <a:prstDash val="solid"/>
+                      <a:round/>
+                      <a:headEnd type="none" w="med" len="med"/>
+                      <a:tailEnd type="none" w="med" len="med"/>
+                    </a:lnB>
+                  </a:tcPr>
+                </a:tc>
+                <a:tc>
+                  <a:txBody>
+                    <a:bodyPr/>
+                    <a:lstStyle/>
+                    <a:p>
+                      <a:pPr algn="ctr"/>
+                      <a:r>
+                        <a:rPr lang="en-US" altLang="zh-CN" sz="1600" dirty="0"/>
+                        <a:t>LFS</a:t>
+                      </a:r>
+                      <a:endParaRPr lang="zh-CN" altLang="en-US" sz="1600" dirty="0"/>
+                    </a:p>
+                  </a:txBody>
+                  <a:tcPr anchor="ctr">
+                    <a:lnB w="28575" cap="flat" cmpd="sng" algn="ctr">
+                      <a:solidFill>
+                        <a:schemeClr val="tx1"/>
+                      </a:solidFill>
+                      <a:prstDash val="solid"/>
+                      <a:round/>
+                      <a:headEnd type="none" w="med" len="med"/>
+                      <a:tailEnd type="none" w="med" len="med"/>
+                    </a:lnB>
+                  </a:tcPr>
+                </a:tc>
+                <a:tc>
+                  <a:txBody>
+                    <a:bodyPr/>
+                    <a:lstStyle/>
+                    <a:p>
+                      <a:r>
+                        <a:rPr lang="en-US" altLang="zh-CN" sz="1600" dirty="0"/>
+                        <a:t>Rebuild and test cc-</a:t>
+                      </a:r>
+                      <a:r>
+                        <a:rPr lang="en-US" altLang="zh-CN" sz="1600" dirty="0" err="1"/>
+                        <a:t>lfs</a:t>
+                      </a:r>
+                      <a:r>
+                        <a:rPr lang="en-US" altLang="zh-CN" sz="1600" dirty="0"/>
+                        <a:t> using itself on LFS</a:t>
+                      </a:r>
+                      <a:endParaRPr lang="zh-CN" altLang="en-US" sz="1600" dirty="0"/>
+                    </a:p>
+                  </a:txBody>
+                  <a:tcPr anchor="ctr">
+                    <a:lnR w="28575" cap="flat" cmpd="sng" algn="ctr">
+                      <a:solidFill>
+                        <a:schemeClr val="tx1"/>
+                      </a:solidFill>
+                      <a:prstDash val="solid"/>
+                      <a:round/>
+                      <a:headEnd type="none" w="med" len="med"/>
+                      <a:tailEnd type="none" w="med" len="med"/>
+                    </a:lnR>
+                    <a:lnB w="28575" cap="flat" cmpd="sng" algn="ctr">
+                      <a:solidFill>
+                        <a:schemeClr val="tx1"/>
+                      </a:solidFill>
+                      <a:prstDash val="solid"/>
+                      <a:round/>
+                      <a:headEnd type="none" w="med" len="med"/>
+                      <a:tailEnd type="none" w="med" len="med"/>
+                    </a:lnB>
+                  </a:tcPr>
+                </a:tc>
+                <a:extLst>
+                  <a:ext uri="{0D108BD9-81ED-4DB2-BD59-A6C34878D82A}">
+                    <a16:rowId xmlns:a16="http://schemas.microsoft.com/office/drawing/2014/main" val="10007"/>
+                  </a:ext>
+                </a:extLst>
+              </a:tr>
+            </a:tbl>
+          </a:graphicData>
+        </a:graphic>
+      </p:graphicFrame>
+      <p:sp>
+        <p:nvSpPr>
+          <p:cNvPr id="5" name="TextBox 4"/>
+          <p:cNvSpPr txBox="1"/>
+          <p:nvPr/>
+        </p:nvSpPr>
+        <p:spPr>
+          <a:xfrm>
+            <a:off x="8525814" y="1635617"/>
+            <a:ext cx="3223273" cy="2031325"/>
+          </a:xfrm>
+          <a:prstGeom prst="rect">
+            <a:avLst/>
+          </a:prstGeom>
+          <a:noFill/>
+        </p:spPr>
+        <p:txBody>
+          <a:bodyPr wrap="square" rtlCol="0">
+            <a:spAutoFit/>
+          </a:bodyPr>
+          <a:lstStyle/>
+          <a:p>
+            <a:r>
+              <a:rPr lang="en-US" altLang="zh-CN" b="1" dirty="0"/>
+              <a:t>build</a:t>
+            </a:r>
+            <a:r>
+              <a:rPr lang="en-US" altLang="zh-CN" dirty="0"/>
+              <a:t> - the machine where we build programs.</a:t>
+            </a:r>
+          </a:p>
+          <a:p>
+            <a:r>
+              <a:rPr lang="en-US" altLang="zh-CN" b="1" dirty="0"/>
+              <a:t>host</a:t>
+            </a:r>
+            <a:r>
+              <a:rPr lang="en-US" altLang="zh-CN" dirty="0"/>
+              <a:t> - the machine/system where the built programs will run. </a:t>
+            </a:r>
+          </a:p>
+          <a:p>
+            <a:r>
+              <a:rPr lang="en-US" altLang="zh-CN" b="1" dirty="0"/>
+              <a:t>target</a:t>
+            </a:r>
+            <a:r>
+              <a:rPr lang="en-US" altLang="zh-CN" dirty="0"/>
+              <a:t> - the machine the compiler produces code for.</a:t>
+            </a:r>
+            <a:endParaRPr lang="zh-CN" altLang="en-US" dirty="0"/>
+          </a:p>
+        </p:txBody>
+      </p:sp>
+      <p:sp>
+        <p:nvSpPr>
+          <p:cNvPr id="6" name="TextBox 5"/>
+          <p:cNvSpPr txBox="1"/>
+          <p:nvPr/>
+        </p:nvSpPr>
+        <p:spPr>
+          <a:xfrm>
+            <a:off x="452439" y="4082603"/>
+            <a:ext cx="11296647" cy="646331"/>
+          </a:xfrm>
+          <a:prstGeom prst="rect">
+            <a:avLst/>
+          </a:prstGeom>
+          <a:noFill/>
+        </p:spPr>
+        <p:txBody>
+          <a:bodyPr wrap="square" rtlCol="0">
+            <a:spAutoFit/>
+          </a:bodyPr>
+          <a:lstStyle/>
+          <a:p>
+            <a:r>
+              <a:rPr lang="zh-CN" altLang="en-US" dirty="0"/>
+              <a:t>在上表中，“在 </a:t>
+            </a:r>
+            <a:r>
+              <a:rPr lang="en-US" altLang="zh-CN" dirty="0"/>
+              <a:t>PC </a:t>
+            </a:r>
+            <a:r>
+              <a:rPr lang="zh-CN" altLang="en-US" dirty="0"/>
+              <a:t>上” 意味着命令在已经安装好的发行版中执行。“在 </a:t>
+            </a:r>
+            <a:r>
+              <a:rPr lang="en-US" altLang="zh-CN" dirty="0"/>
+              <a:t>LFS </a:t>
+            </a:r>
+            <a:r>
+              <a:rPr lang="zh-CN" altLang="en-US" dirty="0"/>
+              <a:t>上” 意味着命令在 </a:t>
+            </a:r>
+            <a:r>
+              <a:rPr lang="en-US" altLang="zh-CN"/>
+              <a:t>chroot </a:t>
+            </a:r>
+            <a:r>
+              <a:rPr lang="zh-CN" altLang="en-US"/>
+              <a:t>环境</a:t>
+            </a:r>
+            <a:r>
+              <a:rPr lang="zh-CN" altLang="en-US" dirty="0"/>
+              <a:t>中执行。</a:t>
             </a:r>
           </a:p>
         </p:txBody>
@@ -24710,7 +25483,7 @@
     </p:spTree>
     <p:extLst>
       <p:ext uri="{BB962C8B-B14F-4D97-AF65-F5344CB8AC3E}">
-        <p14:creationId xmlns:p14="http://schemas.microsoft.com/office/powerpoint/2010/main" val="14892455"/>
+        <p14:creationId xmlns:p14="http://schemas.microsoft.com/office/powerpoint/2010/main" val="2027893689"/>
       </p:ext>
     </p:extLst>
   </p:cSld>
@@ -24739,46 +25512,7 @@
       </p:grpSpPr>
       <p:sp>
         <p:nvSpPr>
-          <p:cNvPr id="2" name="Title 1">
-            <a:extLst>
-              <a:ext uri="{FF2B5EF4-FFF2-40B4-BE49-F238E27FC236}">
-                <a16:creationId xmlns:a16="http://schemas.microsoft.com/office/drawing/2014/main" id="{F9E1EE7A-8352-4A12-BAEC-707F988F2348}"/>
-              </a:ext>
-            </a:extLst>
-          </p:cNvPr>
-          <p:cNvSpPr>
-            <a:spLocks noGrp="1"/>
-          </p:cNvSpPr>
-          <p:nvPr>
-            <p:ph type="title"/>
-          </p:nvPr>
-        </p:nvSpPr>
-        <p:spPr/>
-        <p:txBody>
-          <a:bodyPr/>
-          <a:lstStyle/>
-          <a:p>
-            <a:r>
-              <a:rPr lang="en-US" altLang="zh-CN" dirty="0"/>
-              <a:t>LFS </a:t>
-            </a:r>
-            <a:r>
-              <a:rPr lang="zh-CN" altLang="en-US" dirty="0"/>
-              <a:t>构建过程</a:t>
-            </a:r>
-            <a:endParaRPr lang="en-US" dirty="0"/>
-          </a:p>
-        </p:txBody>
-      </p:sp>
-      <p:sp>
-        <p:nvSpPr>
-          <p:cNvPr id="3" name="Text Placeholder 2">
-            <a:extLst>
-              <a:ext uri="{FF2B5EF4-FFF2-40B4-BE49-F238E27FC236}">
-                <a16:creationId xmlns:a16="http://schemas.microsoft.com/office/drawing/2014/main" id="{74262E03-DE47-4A93-80DC-F75939A749C9}"/>
-              </a:ext>
-            </a:extLst>
-          </p:cNvPr>
+          <p:cNvPr id="2" name="文本占位符 1"/>
           <p:cNvSpPr>
             <a:spLocks noGrp="1"/>
           </p:cNvSpPr>
@@ -24786,138 +25520,77 @@
             <p:ph type="body" sz="quarter" idx="10"/>
           </p:nvPr>
         </p:nvSpPr>
-        <p:spPr>
-          <a:xfrm>
-            <a:off x="455612" y="933450"/>
-            <a:ext cx="11293475" cy="5267325"/>
-          </a:xfrm>
-        </p:spPr>
+        <p:spPr/>
         <p:txBody>
           <a:bodyPr/>
           <a:lstStyle/>
           <a:p>
             <a:r>
-              <a:rPr lang="zh-CN" altLang="en-US" dirty="0"/>
-              <a:t>构建 </a:t>
-            </a:r>
+              <a:rPr lang="zh-CN" altLang="en-US" dirty="0">
+                <a:solidFill>
+                  <a:schemeClr val="bg1">
+                    <a:lumMod val="50000"/>
+                  </a:schemeClr>
+                </a:solidFill>
+              </a:rPr>
+              <a:t>前置知识和技能</a:t>
+            </a:r>
+            <a:endParaRPr lang="en-US" altLang="zh-CN" dirty="0">
+              <a:solidFill>
+                <a:schemeClr val="bg1">
+                  <a:lumMod val="50000"/>
+                </a:schemeClr>
+              </a:solidFill>
+            </a:endParaRPr>
+          </a:p>
+          <a:p>
+            <a:r>
+              <a:rPr lang="zh-CN" altLang="en-US" dirty="0">
+                <a:solidFill>
+                  <a:schemeClr val="bg1">
+                    <a:lumMod val="50000"/>
+                  </a:schemeClr>
+                </a:solidFill>
+              </a:rPr>
+              <a:t>交叉编译</a:t>
+            </a:r>
+            <a:endParaRPr lang="en-US" altLang="zh-CN" dirty="0">
+              <a:solidFill>
+                <a:schemeClr val="bg1">
+                  <a:lumMod val="50000"/>
+                </a:schemeClr>
+              </a:solidFill>
+            </a:endParaRPr>
+          </a:p>
+          <a:p>
             <a:r>
               <a:rPr lang="en-US" altLang="zh-CN" dirty="0"/>
               <a:t>LFS </a:t>
             </a:r>
             <a:r>
               <a:rPr lang="zh-CN" altLang="en-US" dirty="0"/>
-              <a:t>目标系统的脉络如下：</a:t>
+              <a:t>构建过程</a:t>
             </a:r>
             <a:endParaRPr lang="en-US" altLang="zh-CN" dirty="0"/>
           </a:p>
           <a:p>
-            <a:pPr lvl="1"/>
-            <a:r>
-              <a:rPr lang="zh-CN" altLang="en-US" dirty="0"/>
-              <a:t>为宿主系统准备好构建 </a:t>
-            </a:r>
-            <a:r>
-              <a:rPr lang="en-US" altLang="zh-CN" dirty="0"/>
-              <a:t>LFS </a:t>
-            </a:r>
-            <a:r>
-              <a:rPr lang="zh-CN" altLang="en-US" dirty="0"/>
-              <a:t>目标系统的环境；</a:t>
-            </a:r>
-          </a:p>
-          <a:p>
-            <a:pPr lvl="1"/>
-            <a:r>
-              <a:rPr lang="zh-CN" altLang="en-US" dirty="0"/>
-              <a:t>以 </a:t>
-            </a:r>
-            <a:r>
-              <a:rPr lang="en-US" altLang="zh-CN" dirty="0" err="1"/>
-              <a:t>lfs</a:t>
-            </a:r>
-            <a:r>
-              <a:rPr lang="en-US" altLang="zh-CN" dirty="0"/>
-              <a:t> </a:t>
-            </a:r>
-            <a:r>
-              <a:rPr lang="zh-CN" altLang="en-US" dirty="0"/>
-              <a:t>用户构建临时工具链；</a:t>
-            </a:r>
-          </a:p>
-          <a:p>
-            <a:pPr lvl="1"/>
-            <a:r>
-              <a:rPr lang="zh-CN" altLang="en-US" dirty="0"/>
-              <a:t>在 </a:t>
-            </a:r>
-            <a:r>
-              <a:rPr lang="en-US" altLang="zh-CN" dirty="0"/>
-              <a:t>chrooted </a:t>
-            </a:r>
-            <a:r>
-              <a:rPr lang="zh-CN" altLang="en-US" dirty="0"/>
-              <a:t>环境下构建 </a:t>
-            </a:r>
-            <a:r>
-              <a:rPr lang="en-US" altLang="zh-CN" dirty="0"/>
-              <a:t>LFS </a:t>
-            </a:r>
-            <a:r>
-              <a:rPr lang="zh-CN" altLang="en-US" dirty="0"/>
-              <a:t>目标系统；</a:t>
-            </a:r>
-          </a:p>
-          <a:p>
-            <a:pPr lvl="1"/>
-            <a:r>
-              <a:rPr lang="zh-CN" altLang="en-US" dirty="0"/>
-              <a:t>配置 </a:t>
-            </a:r>
-            <a:r>
-              <a:rPr lang="en-US" altLang="zh-CN" dirty="0"/>
-              <a:t>LFS </a:t>
-            </a:r>
-            <a:r>
-              <a:rPr lang="zh-CN" altLang="en-US" dirty="0"/>
-              <a:t>目标系统；</a:t>
-            </a:r>
-          </a:p>
-          <a:p>
-            <a:pPr lvl="1"/>
-            <a:r>
-              <a:rPr lang="zh-CN" altLang="en-US" dirty="0"/>
-              <a:t>编译并安装内核；</a:t>
-            </a:r>
-          </a:p>
-          <a:p>
-            <a:pPr lvl="1"/>
-            <a:r>
-              <a:rPr lang="zh-CN" altLang="en-US" dirty="0"/>
-              <a:t>设置 </a:t>
-            </a:r>
-            <a:r>
-              <a:rPr lang="en-US" altLang="zh-CN" dirty="0"/>
-              <a:t>GRUB </a:t>
-            </a:r>
-            <a:r>
-              <a:rPr lang="zh-CN" altLang="en-US" dirty="0"/>
-              <a:t>使新系统可引导；</a:t>
-            </a:r>
-          </a:p>
-          <a:p>
-            <a:pPr lvl="1"/>
-            <a:r>
-              <a:rPr lang="zh-CN" altLang="en-US" dirty="0"/>
-              <a:t>进入新系统。</a:t>
-            </a:r>
-            <a:endParaRPr lang="en-US" dirty="0"/>
+            <a:r>
+              <a:rPr lang="zh-CN" altLang="en-US" dirty="0">
+                <a:solidFill>
+                  <a:schemeClr val="bg1">
+                    <a:lumMod val="50000"/>
+                  </a:schemeClr>
+                </a:solidFill>
+              </a:rPr>
+              <a:t>其他说明</a:t>
+            </a:r>
           </a:p>
         </p:txBody>
       </p:sp>
     </p:spTree>
     <p:extLst>
       <p:ext uri="{BB962C8B-B14F-4D97-AF65-F5344CB8AC3E}">
-        <p14:creationId xmlns:p14="http://schemas.microsoft.com/office/powerpoint/2010/main" val="4022982033"/>
+        <p14:creationId xmlns:p14="http://schemas.microsoft.com/office/powerpoint/2010/main" val="14892455"/>
       </p:ext>
     </p:extLst>
   </p:cSld>
@@ -24966,8 +25639,12 @@
           <a:lstStyle/>
           <a:p>
             <a:r>
-              <a:rPr lang="zh-CN" altLang="en-US" dirty="0"/>
-              <a:t>构建环境的准备</a:t>
+              <a:rPr lang="en-US" altLang="zh-CN" dirty="0"/>
+              <a:t>LFS </a:t>
+            </a:r>
+            <a:r>
+              <a:rPr lang="zh-CN" altLang="en-US" dirty="0"/>
+              <a:t>构建过程</a:t>
             </a:r>
             <a:endParaRPr lang="en-US" dirty="0"/>
           </a:p>
@@ -25001,7 +25678,15 @@
           <a:p>
             <a:r>
               <a:rPr lang="zh-CN" altLang="en-US" dirty="0"/>
-              <a:t>虚拟机的安装</a:t>
+              <a:t>构建 </a:t>
+            </a:r>
+            <a:r>
+              <a:rPr lang="en-US" altLang="zh-CN" dirty="0"/>
+              <a:t>LFS </a:t>
+            </a:r>
+            <a:r>
+              <a:rPr lang="zh-CN" altLang="en-US" dirty="0"/>
+              <a:t>目标系统的脉络如下：</a:t>
             </a:r>
             <a:endParaRPr lang="en-US" altLang="zh-CN" dirty="0"/>
           </a:p>
@@ -25009,11 +25694,26 @@
             <a:pPr lvl="1"/>
             <a:r>
               <a:rPr lang="zh-CN" altLang="en-US" dirty="0"/>
-              <a:t>安装两块硬盘。其中 </a:t>
+              <a:t>为宿主系统准备好构建 </a:t>
+            </a:r>
+            <a:r>
+              <a:rPr lang="en-US" altLang="zh-CN" dirty="0"/>
+              <a:t>LFS </a:t>
+            </a:r>
+            <a:r>
+              <a:rPr lang="zh-CN" altLang="en-US" dirty="0"/>
+              <a:t>目标系统的环境；</a:t>
+            </a:r>
+          </a:p>
+          <a:p>
+            <a:pPr lvl="1"/>
+            <a:r>
+              <a:rPr lang="zh-CN" altLang="en-US" dirty="0"/>
+              <a:t>以 </a:t>
             </a:r>
             <a:r>
               <a:rPr lang="en-US" altLang="zh-CN" dirty="0" err="1"/>
-              <a:t>sda</a:t>
+              <a:t>lfs</a:t>
             </a:r>
             <a:r>
               <a:rPr lang="en-US" altLang="zh-CN" dirty="0"/>
@@ -25021,27 +25721,22 @@
             </a:r>
             <a:r>
               <a:rPr lang="zh-CN" altLang="en-US" dirty="0"/>
-              <a:t>安装宿主操作系统 </a:t>
-            </a:r>
-            <a:r>
-              <a:rPr lang="en-US" altLang="zh-CN" dirty="0" err="1"/>
-              <a:t>openEuler</a:t>
-            </a:r>
-            <a:r>
-              <a:rPr lang="zh-CN" altLang="en-US" dirty="0"/>
-              <a:t>，</a:t>
-            </a:r>
-            <a:r>
-              <a:rPr lang="en-US" altLang="zh-CN" dirty="0" err="1"/>
-              <a:t>sdb</a:t>
+              <a:t>用户构建临时工具链；</a:t>
+            </a:r>
+          </a:p>
+          <a:p>
+            <a:pPr lvl="1"/>
+            <a:r>
+              <a:rPr lang="zh-CN" altLang="en-US" dirty="0"/>
+              <a:t>在 </a:t>
             </a:r>
             <a:r>
               <a:rPr lang="en-US" altLang="zh-CN" dirty="0"/>
-              <a:t> </a:t>
-            </a:r>
-            <a:r>
-              <a:rPr lang="zh-CN" altLang="en-US" dirty="0"/>
-              <a:t>承载 </a:t>
+              <a:t>chrooted </a:t>
+            </a:r>
+            <a:r>
+              <a:rPr lang="zh-CN" altLang="en-US" dirty="0"/>
+              <a:t>环境下构建 </a:t>
             </a:r>
             <a:r>
               <a:rPr lang="en-US" altLang="zh-CN" dirty="0"/>
@@ -25049,102 +25744,14 @@
             </a:r>
             <a:r>
               <a:rPr lang="zh-CN" altLang="en-US" dirty="0"/>
-              <a:t>目标系统。</a:t>
-            </a:r>
-            <a:endParaRPr lang="en-US" altLang="zh-CN" dirty="0"/>
+              <a:t>目标系统；</a:t>
+            </a:r>
           </a:p>
           <a:p>
             <a:pPr lvl="1"/>
             <a:r>
               <a:rPr lang="zh-CN" altLang="en-US" dirty="0"/>
-              <a:t>硬盘的总线接口：</a:t>
-            </a:r>
-            <a:r>
-              <a:rPr lang="en-US" altLang="zh-CN" dirty="0"/>
-              <a:t>SCSI </a:t>
-            </a:r>
-            <a:r>
-              <a:rPr lang="zh-CN" altLang="en-US" dirty="0"/>
-              <a:t>或 </a:t>
-            </a:r>
-            <a:r>
-              <a:rPr lang="en-US" altLang="zh-CN" dirty="0"/>
-              <a:t>SATA</a:t>
-            </a:r>
-            <a:r>
-              <a:rPr lang="zh-CN" altLang="en-US" dirty="0"/>
-              <a:t>。编译内核（</a:t>
-            </a:r>
-            <a:r>
-              <a:rPr lang="en-US" altLang="zh-CN" dirty="0"/>
-              <a:t>make </a:t>
-            </a:r>
-            <a:r>
-              <a:rPr lang="en-US" altLang="zh-CN" dirty="0" err="1"/>
-              <a:t>menuconfig</a:t>
-            </a:r>
-            <a:r>
-              <a:rPr lang="zh-CN" altLang="en-US" dirty="0"/>
-              <a:t>）时要选择相关的驱动）。</a:t>
-            </a:r>
-            <a:endParaRPr lang="en-US" dirty="0"/>
-          </a:p>
-          <a:p>
-            <a:r>
-              <a:rPr lang="zh-CN" altLang="en-US" dirty="0"/>
-              <a:t>分区及格式化</a:t>
-            </a:r>
-            <a:endParaRPr lang="en-US" altLang="zh-CN" dirty="0"/>
-          </a:p>
-          <a:p>
-            <a:pPr lvl="1"/>
-            <a:r>
-              <a:rPr lang="zh-CN" altLang="en-US" dirty="0"/>
-              <a:t>对 </a:t>
-            </a:r>
-            <a:r>
-              <a:rPr lang="en-US" altLang="zh-CN" dirty="0" err="1"/>
-              <a:t>sdb</a:t>
-            </a:r>
-            <a:r>
-              <a:rPr lang="en-US" altLang="zh-CN" dirty="0"/>
-              <a:t> </a:t>
-            </a:r>
-            <a:r>
-              <a:rPr lang="zh-CN" altLang="en-US" dirty="0"/>
-              <a:t>进行分区（就一个主分区 </a:t>
-            </a:r>
-            <a:r>
-              <a:rPr lang="en-US" altLang="zh-CN" dirty="0"/>
-              <a:t>sdb1</a:t>
-            </a:r>
-            <a:r>
-              <a:rPr lang="zh-CN" altLang="en-US" dirty="0"/>
-              <a:t>）。</a:t>
-            </a:r>
-            <a:endParaRPr lang="en-US" altLang="zh-CN" dirty="0"/>
-          </a:p>
-          <a:p>
-            <a:pPr lvl="1"/>
-            <a:r>
-              <a:rPr lang="zh-CN" altLang="en-US" dirty="0"/>
-              <a:t>对 </a:t>
-            </a:r>
-            <a:r>
-              <a:rPr lang="en-US" altLang="zh-CN" dirty="0"/>
-              <a:t>sdb1 </a:t>
-            </a:r>
-            <a:r>
-              <a:rPr lang="zh-CN" altLang="en-US" dirty="0"/>
-              <a:t>进行格式化。</a:t>
-            </a:r>
-            <a:endParaRPr lang="en-US" altLang="zh-CN" dirty="0"/>
-          </a:p>
-          <a:p>
-            <a:pPr lvl="1"/>
-            <a:r>
-              <a:rPr lang="zh-CN" altLang="en-US" dirty="0"/>
-              <a:t>创建 </a:t>
+              <a:t>配置 </a:t>
             </a:r>
             <a:r>
               <a:rPr lang="en-US" altLang="zh-CN" dirty="0"/>
@@ -25152,130 +25759,36 @@
             </a:r>
             <a:r>
               <a:rPr lang="zh-CN" altLang="en-US" dirty="0"/>
-              <a:t>变量使其指向宿主系统的 </a:t>
+              <a:t>目标系统；</a:t>
+            </a:r>
+          </a:p>
+          <a:p>
+            <a:pPr lvl="1"/>
+            <a:r>
+              <a:rPr lang="zh-CN" altLang="en-US" dirty="0"/>
+              <a:t>编译并安装内核；</a:t>
+            </a:r>
+          </a:p>
+          <a:p>
+            <a:pPr lvl="1"/>
+            <a:r>
+              <a:rPr lang="zh-CN" altLang="en-US" dirty="0"/>
+              <a:t>设置 </a:t>
             </a:r>
             <a:r>
               <a:rPr lang="en-US" altLang="zh-CN" dirty="0"/>
-              <a:t>/</a:t>
-            </a:r>
-            <a:r>
-              <a:rPr lang="en-US" altLang="zh-CN" dirty="0" err="1"/>
-              <a:t>mnt</a:t>
-            </a:r>
-            <a:r>
-              <a:rPr lang="en-US" altLang="zh-CN" dirty="0"/>
-              <a:t>/</a:t>
-            </a:r>
-            <a:r>
-              <a:rPr lang="en-US" altLang="zh-CN" dirty="0" err="1"/>
-              <a:t>lfs</a:t>
-            </a:r>
-            <a:r>
-              <a:rPr lang="en-US" altLang="zh-CN" dirty="0"/>
-              <a:t>/ </a:t>
-            </a:r>
-            <a:r>
-              <a:rPr lang="zh-CN" altLang="en-US" dirty="0"/>
-              <a:t>目录，并将 </a:t>
-            </a:r>
-            <a:r>
-              <a:rPr lang="en-US" altLang="zh-CN" dirty="0"/>
-              <a:t>sdb1 </a:t>
-            </a:r>
-            <a:r>
-              <a:rPr lang="zh-CN" altLang="en-US" dirty="0"/>
-              <a:t>分区 </a:t>
-            </a:r>
-            <a:r>
-              <a:rPr lang="en-US" altLang="zh-CN" dirty="0"/>
-              <a:t>mount </a:t>
-            </a:r>
-            <a:r>
-              <a:rPr lang="zh-CN" altLang="en-US" dirty="0"/>
-              <a:t>到此目录。</a:t>
-            </a:r>
-            <a:endParaRPr lang="en-US" dirty="0"/>
-          </a:p>
-          <a:p>
-            <a:r>
-              <a:rPr lang="zh-CN" altLang="en-US" dirty="0"/>
-              <a:t>术语</a:t>
-            </a:r>
-            <a:endParaRPr lang="en-US" altLang="zh-CN" dirty="0"/>
+              <a:t>GRUB </a:t>
+            </a:r>
+            <a:r>
+              <a:rPr lang="zh-CN" altLang="en-US" dirty="0"/>
+              <a:t>使新系统可引导；</a:t>
+            </a:r>
           </a:p>
           <a:p>
             <a:pPr lvl="1"/>
             <a:r>
               <a:rPr lang="zh-CN" altLang="en-US" dirty="0"/>
-              <a:t>宿主系统 </a:t>
-            </a:r>
-            <a:r>
-              <a:rPr lang="en-US" dirty="0"/>
-              <a:t>host</a:t>
-            </a:r>
-            <a:r>
-              <a:rPr lang="zh-CN" altLang="en-US" dirty="0"/>
-              <a:t>：虚拟机 </a:t>
-            </a:r>
-            <a:r>
-              <a:rPr lang="en-US" altLang="zh-CN" dirty="0"/>
-              <a:t>+ </a:t>
-            </a:r>
-            <a:r>
-              <a:rPr lang="en-US" altLang="zh-CN" dirty="0" err="1"/>
-              <a:t>openEuler</a:t>
-            </a:r>
-            <a:r>
-              <a:rPr lang="en-US" altLang="zh-CN" dirty="0"/>
-              <a:t> </a:t>
-            </a:r>
-            <a:r>
-              <a:rPr lang="zh-CN" altLang="en-US" dirty="0"/>
-              <a:t>操作系统。</a:t>
-            </a:r>
-            <a:endParaRPr lang="en-US" altLang="zh-CN" dirty="0"/>
-          </a:p>
-          <a:p>
-            <a:pPr lvl="1"/>
-            <a:r>
-              <a:rPr lang="en-US" altLang="zh-CN" dirty="0"/>
-              <a:t>LFS </a:t>
-            </a:r>
-            <a:r>
-              <a:rPr lang="zh-CN" altLang="en-US" dirty="0"/>
-              <a:t>目标系统：</a:t>
-            </a:r>
-            <a:r>
-              <a:rPr lang="en-US" altLang="zh-CN" dirty="0" err="1"/>
-              <a:t>LFS_Target_System</a:t>
-            </a:r>
-            <a:r>
-              <a:rPr lang="zh-CN" altLang="en-US" dirty="0"/>
-              <a:t>、</a:t>
-            </a:r>
-            <a:r>
-              <a:rPr lang="en-US" altLang="zh-CN" dirty="0"/>
-              <a:t>LFS_TGT_SYS</a:t>
-            </a:r>
-            <a:r>
-              <a:rPr lang="zh-CN" altLang="en-US" dirty="0"/>
-              <a:t>。将构建于 </a:t>
-            </a:r>
-            <a:r>
-              <a:rPr lang="en-US" altLang="zh-CN" dirty="0"/>
-              <a:t>sdb1 </a:t>
-            </a:r>
-            <a:r>
-              <a:rPr lang="zh-CN" altLang="en-US" dirty="0"/>
-              <a:t>上，由 </a:t>
-            </a:r>
-            <a:r>
-              <a:rPr lang="en-US" altLang="zh-CN" dirty="0"/>
-              <a:t>$LFS </a:t>
-            </a:r>
-            <a:r>
-              <a:rPr lang="zh-CN" altLang="en-US" dirty="0"/>
-              <a:t>指向。</a:t>
+              <a:t>进入新系统。</a:t>
             </a:r>
             <a:endParaRPr lang="en-US" dirty="0"/>
           </a:p>
@@ -25284,7 +25797,7 @@
     </p:spTree>
     <p:extLst>
       <p:ext uri="{BB962C8B-B14F-4D97-AF65-F5344CB8AC3E}">
-        <p14:creationId xmlns:p14="http://schemas.microsoft.com/office/powerpoint/2010/main" val="953484741"/>
+        <p14:creationId xmlns:p14="http://schemas.microsoft.com/office/powerpoint/2010/main" val="4022982033"/>
       </p:ext>
     </p:extLst>
   </p:cSld>
@@ -25334,19 +25847,7 @@
           <a:p>
             <a:r>
               <a:rPr lang="zh-CN" altLang="en-US" dirty="0"/>
-              <a:t>以 </a:t>
-            </a:r>
-            <a:r>
-              <a:rPr lang="en-US" altLang="zh-CN" dirty="0" err="1"/>
-              <a:t>lfs</a:t>
-            </a:r>
-            <a:r>
-              <a:rPr lang="en-US" altLang="zh-CN" dirty="0"/>
-              <a:t> </a:t>
-            </a:r>
-            <a:r>
-              <a:rPr lang="zh-CN" altLang="en-US" dirty="0"/>
-              <a:t>用户构建临时工具链</a:t>
+              <a:t>构建环境的准备</a:t>
             </a:r>
             <a:endParaRPr lang="en-US" dirty="0"/>
           </a:p>
@@ -25380,22 +25881,170 @@
           <a:p>
             <a:r>
               <a:rPr lang="zh-CN" altLang="en-US" dirty="0"/>
-              <a:t>我们通过构建临时工具链生成一个包含工具集的临时系统用来与宿主机分离 。</a:t>
+              <a:t>虚拟机的安装</a:t>
             </a:r>
             <a:endParaRPr lang="en-US" altLang="zh-CN" dirty="0"/>
           </a:p>
           <a:p>
-            <a:r>
-              <a:rPr lang="zh-CN" altLang="en-US" dirty="0"/>
-              <a:t>不以 </a:t>
+            <a:pPr lvl="1"/>
+            <a:r>
+              <a:rPr lang="zh-CN" altLang="en-US" dirty="0"/>
+              <a:t>安装两块硬盘。其中 </a:t>
+            </a:r>
+            <a:r>
+              <a:rPr lang="en-US" altLang="zh-CN" dirty="0" err="1"/>
+              <a:t>sda</a:t>
             </a:r>
             <a:r>
               <a:rPr lang="en-US" altLang="zh-CN" dirty="0"/>
-              <a:t>root </a:t>
-            </a:r>
-            <a:r>
-              <a:rPr lang="zh-CN" altLang="en-US" dirty="0"/>
-              <a:t>用户身份，而以 </a:t>
+              <a:t> </a:t>
+            </a:r>
+            <a:r>
+              <a:rPr lang="zh-CN" altLang="en-US" dirty="0"/>
+              <a:t>安装宿主操作系统 </a:t>
+            </a:r>
+            <a:r>
+              <a:rPr lang="en-US" altLang="zh-CN" dirty="0" err="1"/>
+              <a:t>openEuler</a:t>
+            </a:r>
+            <a:r>
+              <a:rPr lang="zh-CN" altLang="en-US" dirty="0"/>
+              <a:t>，</a:t>
+            </a:r>
+            <a:r>
+              <a:rPr lang="en-US" altLang="zh-CN" dirty="0" err="1"/>
+              <a:t>sdb</a:t>
+            </a:r>
+            <a:r>
+              <a:rPr lang="en-US" altLang="zh-CN" dirty="0"/>
+              <a:t> </a:t>
+            </a:r>
+            <a:r>
+              <a:rPr lang="zh-CN" altLang="en-US" dirty="0"/>
+              <a:t>承载 </a:t>
+            </a:r>
+            <a:r>
+              <a:rPr lang="en-US" altLang="zh-CN" dirty="0"/>
+              <a:t>LFS </a:t>
+            </a:r>
+            <a:r>
+              <a:rPr lang="zh-CN" altLang="en-US" dirty="0"/>
+              <a:t>目标系统。</a:t>
+            </a:r>
+            <a:endParaRPr lang="en-US" altLang="zh-CN" dirty="0"/>
+          </a:p>
+          <a:p>
+            <a:pPr lvl="1"/>
+            <a:r>
+              <a:rPr lang="zh-CN" altLang="en-US" dirty="0"/>
+              <a:t>硬盘的总线接口：</a:t>
+            </a:r>
+            <a:r>
+              <a:rPr lang="en-US" altLang="zh-CN" dirty="0"/>
+              <a:t>SCSI </a:t>
+            </a:r>
+            <a:r>
+              <a:rPr lang="zh-CN" altLang="en-US" dirty="0"/>
+              <a:t>或 </a:t>
+            </a:r>
+            <a:r>
+              <a:rPr lang="en-US" altLang="zh-CN" dirty="0"/>
+              <a:t>SATA</a:t>
+            </a:r>
+            <a:r>
+              <a:rPr lang="zh-CN" altLang="en-US" dirty="0"/>
+              <a:t>。编译内核（</a:t>
+            </a:r>
+            <a:r>
+              <a:rPr lang="en-US" altLang="zh-CN" dirty="0"/>
+              <a:t>make </a:t>
+            </a:r>
+            <a:r>
+              <a:rPr lang="en-US" altLang="zh-CN" dirty="0" err="1"/>
+              <a:t>menuconfig</a:t>
+            </a:r>
+            <a:r>
+              <a:rPr lang="zh-CN" altLang="en-US" dirty="0"/>
+              <a:t>）时要选择相关的驱动）。</a:t>
+            </a:r>
+            <a:endParaRPr lang="en-US" dirty="0"/>
+          </a:p>
+          <a:p>
+            <a:r>
+              <a:rPr lang="zh-CN" altLang="en-US" dirty="0"/>
+              <a:t>分区及格式化</a:t>
+            </a:r>
+            <a:endParaRPr lang="en-US" altLang="zh-CN" dirty="0"/>
+          </a:p>
+          <a:p>
+            <a:pPr lvl="1"/>
+            <a:r>
+              <a:rPr lang="zh-CN" altLang="en-US" dirty="0"/>
+              <a:t>对 </a:t>
+            </a:r>
+            <a:r>
+              <a:rPr lang="en-US" altLang="zh-CN" dirty="0" err="1"/>
+              <a:t>sdb</a:t>
+            </a:r>
+            <a:r>
+              <a:rPr lang="en-US" altLang="zh-CN" dirty="0"/>
+              <a:t> </a:t>
+            </a:r>
+            <a:r>
+              <a:rPr lang="zh-CN" altLang="en-US" dirty="0"/>
+              <a:t>进行分区（就一个主分区 </a:t>
+            </a:r>
+            <a:r>
+              <a:rPr lang="en-US" altLang="zh-CN" dirty="0"/>
+              <a:t>sdb1</a:t>
+            </a:r>
+            <a:r>
+              <a:rPr lang="zh-CN" altLang="en-US" dirty="0"/>
+              <a:t>）。</a:t>
+            </a:r>
+            <a:endParaRPr lang="en-US" altLang="zh-CN" dirty="0"/>
+          </a:p>
+          <a:p>
+            <a:pPr lvl="1"/>
+            <a:r>
+              <a:rPr lang="zh-CN" altLang="en-US" dirty="0"/>
+              <a:t>对 </a:t>
+            </a:r>
+            <a:r>
+              <a:rPr lang="en-US" altLang="zh-CN" dirty="0"/>
+              <a:t>sdb1 </a:t>
+            </a:r>
+            <a:r>
+              <a:rPr lang="zh-CN" altLang="en-US" dirty="0"/>
+              <a:t>进行格式化。</a:t>
+            </a:r>
+            <a:endParaRPr lang="en-US" altLang="zh-CN" dirty="0"/>
+          </a:p>
+          <a:p>
+            <a:pPr lvl="1"/>
+            <a:r>
+              <a:rPr lang="zh-CN" altLang="en-US" dirty="0"/>
+              <a:t>创建 </a:t>
+            </a:r>
+            <a:r>
+              <a:rPr lang="en-US" altLang="zh-CN" dirty="0"/>
+              <a:t>LFS </a:t>
+            </a:r>
+            <a:r>
+              <a:rPr lang="zh-CN" altLang="en-US" dirty="0"/>
+              <a:t>变量使其指向宿主系统的 </a:t>
+            </a:r>
+            <a:r>
+              <a:rPr lang="en-US" altLang="zh-CN" dirty="0"/>
+              <a:t>/</a:t>
+            </a:r>
+            <a:r>
+              <a:rPr lang="en-US" altLang="zh-CN" dirty="0" err="1"/>
+              <a:t>mnt</a:t>
+            </a:r>
+            <a:r>
+              <a:rPr lang="en-US" altLang="zh-CN" dirty="0"/>
+              <a:t>/</a:t>
             </a:r>
             <a:r>
               <a:rPr lang="en-US" altLang="zh-CN" dirty="0" err="1"/>
@@ -25403,22 +26052,82 @@
             </a:r>
             <a:r>
               <a:rPr lang="en-US" altLang="zh-CN" dirty="0"/>
+              <a:t>/ </a:t>
+            </a:r>
+            <a:r>
+              <a:rPr lang="zh-CN" altLang="en-US" dirty="0"/>
+              <a:t>目录，并将 </a:t>
+            </a:r>
+            <a:r>
+              <a:rPr lang="en-US" altLang="zh-CN" dirty="0"/>
+              <a:t>sdb1 </a:t>
+            </a:r>
+            <a:r>
+              <a:rPr lang="zh-CN" altLang="en-US" dirty="0"/>
+              <a:t>分区 </a:t>
+            </a:r>
+            <a:r>
+              <a:rPr lang="en-US" altLang="zh-CN" dirty="0"/>
+              <a:t>mount </a:t>
+            </a:r>
+            <a:r>
+              <a:rPr lang="zh-CN" altLang="en-US" dirty="0"/>
+              <a:t>到此目录。</a:t>
+            </a:r>
+            <a:endParaRPr lang="en-US" dirty="0"/>
+          </a:p>
+          <a:p>
+            <a:r>
+              <a:rPr lang="zh-CN" altLang="en-US" dirty="0"/>
+              <a:t>术语</a:t>
+            </a:r>
+            <a:endParaRPr lang="en-US" altLang="zh-CN" dirty="0"/>
+          </a:p>
+          <a:p>
+            <a:pPr lvl="1"/>
+            <a:r>
+              <a:rPr lang="zh-CN" altLang="en-US" dirty="0"/>
+              <a:t>宿主系统 </a:t>
+            </a:r>
+            <a:r>
+              <a:rPr lang="en-US" dirty="0"/>
+              <a:t>host</a:t>
+            </a:r>
+            <a:r>
+              <a:rPr lang="zh-CN" altLang="en-US" dirty="0"/>
+              <a:t>：虚拟机 </a:t>
+            </a:r>
+            <a:r>
+              <a:rPr lang="en-US" altLang="zh-CN" dirty="0"/>
+              <a:t>+ </a:t>
+            </a:r>
+            <a:r>
+              <a:rPr lang="en-US" altLang="zh-CN" dirty="0" err="1"/>
+              <a:t>openEuler</a:t>
+            </a:r>
+            <a:r>
+              <a:rPr lang="en-US" altLang="zh-CN" dirty="0"/>
               <a:t> </a:t>
             </a:r>
             <a:r>
               <a:rPr lang="zh-CN" altLang="en-US" dirty="0"/>
-              <a:t>用户身份构建临时工具链是为了避免在构建的过程中损坏宿主系统。</a:t>
+              <a:t>操作系统。</a:t>
             </a:r>
             <a:endParaRPr lang="en-US" altLang="zh-CN" dirty="0"/>
           </a:p>
           <a:p>
-            <a:r>
-              <a:rPr lang="zh-CN" altLang="en-US" dirty="0"/>
-              <a:t>对于最基础工具（</a:t>
+            <a:pPr lvl="1"/>
+            <a:r>
+              <a:rPr lang="en-US" altLang="zh-CN" dirty="0"/>
+              <a:t>LFS </a:t>
+            </a:r>
+            <a:r>
+              <a:rPr lang="zh-CN" altLang="en-US" dirty="0"/>
+              <a:t>目标系统：</a:t>
             </a:r>
             <a:r>
               <a:rPr lang="en-US" altLang="zh-CN" dirty="0" err="1"/>
-              <a:t>Binutils</a:t>
+              <a:t>LFS_Target_System</a:t>
             </a:r>
             <a:r>
               <a:rPr lang="zh-CN" altLang="en-US" dirty="0"/>
@@ -25426,35 +26135,27 @@
             </a:r>
             <a:r>
               <a:rPr lang="en-US" altLang="zh-CN" dirty="0"/>
-              <a:t>GCC</a:t>
-            </a:r>
-            <a:r>
-              <a:rPr lang="zh-CN" altLang="en-US" dirty="0"/>
-              <a:t>、</a:t>
+              <a:t>LFS_TGT_SYS</a:t>
+            </a:r>
+            <a:r>
+              <a:rPr lang="zh-CN" altLang="en-US" dirty="0"/>
+              <a:t>。将构建于 </a:t>
             </a:r>
             <a:r>
               <a:rPr lang="en-US" altLang="zh-CN" dirty="0"/>
-              <a:t>Glibc</a:t>
-            </a:r>
-            <a:r>
-              <a:rPr lang="zh-CN" altLang="en-US" dirty="0"/>
-              <a:t>、</a:t>
-            </a:r>
-            <a:r>
-              <a:rPr lang="en-US" altLang="zh-CN" dirty="0" err="1"/>
-              <a:t>Coreutils</a:t>
-            </a:r>
-            <a:r>
-              <a:rPr lang="zh-CN" altLang="en-US" dirty="0"/>
-              <a:t>）的构建过程，请在编译的过程中参考 </a:t>
+              <a:t>sdb1 </a:t>
+            </a:r>
+            <a:r>
+              <a:rPr lang="zh-CN" altLang="en-US" dirty="0"/>
+              <a:t>上，由 </a:t>
             </a:r>
             <a:r>
               <a:rPr lang="en-US" altLang="zh-CN" dirty="0"/>
-              <a:t>LFS-BOOK </a:t>
-            </a:r>
-            <a:r>
-              <a:rPr lang="zh-CN" altLang="en-US" dirty="0"/>
-              <a:t>中的说明，在此不再赘述。</a:t>
+              <a:t>$LFS </a:t>
+            </a:r>
+            <a:r>
+              <a:rPr lang="zh-CN" altLang="en-US" dirty="0"/>
+              <a:t>指向。</a:t>
             </a:r>
             <a:endParaRPr lang="en-US" dirty="0"/>
           </a:p>
@@ -25463,7 +26164,7 @@
     </p:spTree>
     <p:extLst>
       <p:ext uri="{BB962C8B-B14F-4D97-AF65-F5344CB8AC3E}">
-        <p14:creationId xmlns:p14="http://schemas.microsoft.com/office/powerpoint/2010/main" val="3520136479"/>
+        <p14:creationId xmlns:p14="http://schemas.microsoft.com/office/powerpoint/2010/main" val="953484741"/>
       </p:ext>
     </p:extLst>
   </p:cSld>
@@ -25513,23 +26214,19 @@
           <a:p>
             <a:r>
               <a:rPr lang="zh-CN" altLang="en-US" dirty="0"/>
-              <a:t>在 </a:t>
+              <a:t>以 </a:t>
+            </a:r>
+            <a:r>
+              <a:rPr lang="en-US" altLang="zh-CN" dirty="0" err="1"/>
+              <a:t>lfs</a:t>
             </a:r>
             <a:r>
               <a:rPr lang="en-US" altLang="zh-CN" dirty="0"/>
-              <a:t>chrooted </a:t>
-            </a:r>
-            <a:r>
-              <a:rPr lang="zh-CN" altLang="en-US" dirty="0"/>
-              <a:t>环境下构建 </a:t>
-            </a:r>
-            <a:r>
-              <a:rPr lang="en-US" altLang="zh-CN" dirty="0"/>
-              <a:t>LFS </a:t>
-            </a:r>
-            <a:r>
-              <a:rPr lang="zh-CN" altLang="en-US" dirty="0"/>
-              <a:t>目标系统</a:t>
+              <a:t> </a:t>
+            </a:r>
+            <a:r>
+              <a:rPr lang="zh-CN" altLang="en-US" dirty="0"/>
+              <a:t>用户构建临时工具链</a:t>
             </a:r>
             <a:endParaRPr lang="en-US" dirty="0"/>
           </a:p>
@@ -25563,68 +26260,41 @@
           <a:p>
             <a:r>
               <a:rPr lang="zh-CN" altLang="en-US" dirty="0"/>
-              <a:t>命令 </a:t>
+              <a:t>我们通过构建临时工具链生成一个包含工具集的临时系统用来与宿主机分离 。</a:t>
+            </a:r>
+            <a:endParaRPr lang="en-US" altLang="zh-CN" dirty="0"/>
+          </a:p>
+          <a:p>
+            <a:r>
+              <a:rPr lang="zh-CN" altLang="en-US" dirty="0"/>
+              <a:t>不以 </a:t>
             </a:r>
             <a:r>
               <a:rPr lang="en-US" altLang="zh-CN" dirty="0"/>
-              <a:t>chroot </a:t>
-            </a:r>
-            <a:r>
-              <a:rPr lang="zh-CN" altLang="en-US" dirty="0"/>
-              <a:t>可视为对宿主系统最简单的一次虚拟化。</a:t>
+              <a:t>root </a:t>
+            </a:r>
+            <a:r>
+              <a:rPr lang="zh-CN" altLang="en-US" dirty="0"/>
+              <a:t>用户身份，而以 </a:t>
+            </a:r>
+            <a:r>
+              <a:rPr lang="en-US" altLang="zh-CN" dirty="0" err="1"/>
+              <a:t>lfs</a:t>
+            </a:r>
+            <a:r>
+              <a:rPr lang="en-US" altLang="zh-CN" dirty="0"/>
+              <a:t> </a:t>
+            </a:r>
+            <a:r>
+              <a:rPr lang="zh-CN" altLang="en-US" dirty="0"/>
+              <a:t>用户身份构建临时工具链是为了避免在构建的过程中损坏宿主系统。</a:t>
             </a:r>
             <a:endParaRPr lang="en-US" altLang="zh-CN" dirty="0"/>
           </a:p>
           <a:p>
             <a:r>
               <a:rPr lang="zh-CN" altLang="en-US" dirty="0"/>
-              <a:t>所谓 </a:t>
-            </a:r>
-            <a:r>
-              <a:rPr lang="en-US" altLang="zh-CN" dirty="0"/>
-              <a:t>chrooted </a:t>
-            </a:r>
-            <a:r>
-              <a:rPr lang="zh-CN" altLang="en-US" dirty="0"/>
-              <a:t>环境就是今后 </a:t>
-            </a:r>
-            <a:r>
-              <a:rPr lang="en-US" altLang="zh-CN" dirty="0"/>
-              <a:t>LFS </a:t>
-            </a:r>
-            <a:r>
-              <a:rPr lang="zh-CN" altLang="en-US" dirty="0"/>
-              <a:t>目标系统所在的地方。</a:t>
-            </a:r>
-            <a:endParaRPr lang="en-US" altLang="zh-CN" dirty="0"/>
-          </a:p>
-          <a:p>
-            <a:r>
-              <a:rPr lang="zh-CN" altLang="en-US" dirty="0"/>
-              <a:t>在 </a:t>
-            </a:r>
-            <a:r>
-              <a:rPr lang="en-US" altLang="zh-CN" dirty="0"/>
-              <a:t>chrooted </a:t>
-            </a:r>
-            <a:r>
-              <a:rPr lang="zh-CN" altLang="en-US" dirty="0"/>
-              <a:t>环境中构建 </a:t>
-            </a:r>
-            <a:r>
-              <a:rPr lang="en-US" altLang="zh-CN" dirty="0"/>
-              <a:t>LFS </a:t>
-            </a:r>
-            <a:r>
-              <a:rPr lang="zh-CN" altLang="en-US" dirty="0"/>
-              <a:t>目标系统的系统软件是为了避免在构建的过程中损坏宿主系统。</a:t>
-            </a:r>
-            <a:endParaRPr lang="en-US" altLang="zh-CN" dirty="0"/>
-          </a:p>
-          <a:p>
-            <a:r>
-              <a:rPr lang="zh-CN" altLang="en-US" dirty="0"/>
-              <a:t>对于最基础的系统软件（</a:t>
+              <a:t>对于最基础工具（</a:t>
             </a:r>
             <a:r>
               <a:rPr lang="en-US" altLang="zh-CN" dirty="0" err="1"/>
@@ -25673,7 +26343,7 @@
     </p:spTree>
     <p:extLst>
       <p:ext uri="{BB962C8B-B14F-4D97-AF65-F5344CB8AC3E}">
-        <p14:creationId xmlns:p14="http://schemas.microsoft.com/office/powerpoint/2010/main" val="1157223639"/>
+        <p14:creationId xmlns:p14="http://schemas.microsoft.com/office/powerpoint/2010/main" val="3520136479"/>
       </p:ext>
     </p:extLst>
   </p:cSld>
@@ -25705,7 +26375,7 @@
           <p:cNvPr id="2" name="Title 1">
             <a:extLst>
               <a:ext uri="{FF2B5EF4-FFF2-40B4-BE49-F238E27FC236}">
-                <a16:creationId xmlns:a16="http://schemas.microsoft.com/office/drawing/2014/main" id="{1690BA8D-9EB6-462D-9A49-2EECE2FFC559}"/>
+                <a16:creationId xmlns:a16="http://schemas.microsoft.com/office/drawing/2014/main" id="{F9E1EE7A-8352-4A12-BAEC-707F988F2348}"/>
               </a:ext>
             </a:extLst>
           </p:cNvPr>
@@ -25723,15 +26393,23 @@
           <a:p>
             <a:r>
               <a:rPr lang="zh-CN" altLang="en-US" dirty="0"/>
-              <a:t>从 </a:t>
+              <a:t>在 </a:t>
             </a:r>
             <a:r>
               <a:rPr lang="en-US" altLang="zh-CN" dirty="0"/>
-              <a:t>C </a:t>
-            </a:r>
-            <a:r>
-              <a:rPr lang="zh-CN" altLang="en-US" dirty="0"/>
-              <a:t>代码编译出软件</a:t>
+              <a:t>chrooted </a:t>
+            </a:r>
+            <a:r>
+              <a:rPr lang="zh-CN" altLang="en-US" dirty="0"/>
+              <a:t>环境下构建 </a:t>
+            </a:r>
+            <a:r>
+              <a:rPr lang="en-US" altLang="zh-CN" dirty="0"/>
+              <a:t>LFS </a:t>
+            </a:r>
+            <a:r>
+              <a:rPr lang="zh-CN" altLang="en-US" dirty="0"/>
+              <a:t>目标系统</a:t>
             </a:r>
             <a:endParaRPr lang="en-US" dirty="0"/>
           </a:p>
@@ -25742,7 +26420,7 @@
           <p:cNvPr id="3" name="Text Placeholder 2">
             <a:extLst>
               <a:ext uri="{FF2B5EF4-FFF2-40B4-BE49-F238E27FC236}">
-                <a16:creationId xmlns:a16="http://schemas.microsoft.com/office/drawing/2014/main" id="{C3277BB3-9528-4E56-BA48-6B509F84632D}"/>
+                <a16:creationId xmlns:a16="http://schemas.microsoft.com/office/drawing/2014/main" id="{74262E03-DE47-4A93-80DC-F75939A749C9}"/>
               </a:ext>
             </a:extLst>
           </p:cNvPr>
@@ -25753,102 +26431,121 @@
             <p:ph type="body" sz="quarter" idx="10"/>
           </p:nvPr>
         </p:nvSpPr>
-        <p:spPr/>
+        <p:spPr>
+          <a:xfrm>
+            <a:off x="455612" y="933450"/>
+            <a:ext cx="11293475" cy="5267325"/>
+          </a:xfrm>
+        </p:spPr>
         <p:txBody>
           <a:bodyPr/>
           <a:lstStyle/>
           <a:p>
             <a:r>
-              <a:rPr lang="en-US" dirty="0"/>
-              <a:t>GNU </a:t>
-            </a:r>
-            <a:r>
-              <a:rPr lang="en-US" dirty="0" err="1"/>
-              <a:t>autoconf</a:t>
-            </a:r>
-            <a:r>
-              <a:rPr lang="en-US" dirty="0"/>
-              <a:t> </a:t>
-            </a:r>
-            <a:r>
-              <a:rPr lang="zh-TW" altLang="en-US" dirty="0"/>
-              <a:t>是一套流行的、用于自动产生 </a:t>
-            </a:r>
-            <a:r>
-              <a:rPr lang="en-US" dirty="0" err="1"/>
-              <a:t>Makefile</a:t>
-            </a:r>
-            <a:r>
-              <a:rPr lang="en-US" dirty="0"/>
-              <a:t> </a:t>
-            </a:r>
-            <a:r>
-              <a:rPr lang="zh-TW" altLang="en-US" dirty="0"/>
-              <a:t>的系统。她使用脚本来分析系统，产生出 </a:t>
-            </a:r>
-            <a:r>
-              <a:rPr lang="en-US" dirty="0" err="1"/>
-              <a:t>Makefile</a:t>
-            </a:r>
-            <a:r>
-              <a:rPr lang="en-US" dirty="0"/>
-              <a:t>。</a:t>
-            </a:r>
-          </a:p>
-          <a:p>
-            <a:pPr lvl="1"/>
-            <a:r>
-              <a:rPr lang="en-US" dirty="0"/>
-              <a:t>./configure # </a:t>
-            </a:r>
-            <a:r>
-              <a:rPr lang="zh-TW" altLang="en-US" dirty="0"/>
-              <a:t>从 </a:t>
-            </a:r>
-            <a:r>
-              <a:rPr lang="en-US" dirty="0"/>
-              <a:t>Makefile.in </a:t>
-            </a:r>
-            <a:r>
-              <a:rPr lang="zh-TW" altLang="en-US" dirty="0"/>
-              <a:t>等文件产生 </a:t>
-            </a:r>
-            <a:r>
-              <a:rPr lang="en-US" dirty="0" err="1"/>
-              <a:t>Makefile</a:t>
-            </a:r>
-            <a:endParaRPr lang="en-US" dirty="0"/>
-          </a:p>
-          <a:p>
-            <a:pPr lvl="1"/>
-            <a:r>
-              <a:rPr lang="en-US" dirty="0"/>
-              <a:t>make</a:t>
-            </a:r>
-          </a:p>
-          <a:p>
-            <a:pPr lvl="1"/>
-            <a:r>
-              <a:rPr lang="en-US" dirty="0"/>
-              <a:t>make check</a:t>
-            </a:r>
-          </a:p>
-          <a:p>
-            <a:pPr lvl="1"/>
-            <a:r>
-              <a:rPr lang="en-US" dirty="0"/>
-              <a:t>make -n install # test install</a:t>
-            </a:r>
-          </a:p>
-          <a:p>
-            <a:pPr lvl="1"/>
-            <a:r>
-              <a:rPr lang="en-US" dirty="0"/>
-              <a:t>make install</a:t>
-            </a:r>
-          </a:p>
-          <a:p>
-            <a:pPr lvl="1"/>
+              <a:rPr lang="zh-CN" altLang="en-US" dirty="0"/>
+              <a:t>命令 </a:t>
+            </a:r>
+            <a:r>
+              <a:rPr lang="en-US" altLang="zh-CN" dirty="0"/>
+              <a:t>chroot </a:t>
+            </a:r>
+            <a:r>
+              <a:rPr lang="zh-CN" altLang="en-US" dirty="0"/>
+              <a:t>可视为对宿主系统最简单的一次虚拟化。</a:t>
+            </a:r>
+            <a:endParaRPr lang="en-US" altLang="zh-CN" dirty="0"/>
+          </a:p>
+          <a:p>
+            <a:r>
+              <a:rPr lang="zh-CN" altLang="en-US" dirty="0"/>
+              <a:t>所谓 </a:t>
+            </a:r>
+            <a:r>
+              <a:rPr lang="en-US" altLang="zh-CN" dirty="0"/>
+              <a:t>chrooted </a:t>
+            </a:r>
+            <a:r>
+              <a:rPr lang="zh-CN" altLang="en-US" dirty="0"/>
+              <a:t>环境就是今后 </a:t>
+            </a:r>
+            <a:r>
+              <a:rPr lang="en-US" altLang="zh-CN" dirty="0"/>
+              <a:t>LFS </a:t>
+            </a:r>
+            <a:r>
+              <a:rPr lang="zh-CN" altLang="en-US" dirty="0"/>
+              <a:t>目标系统所在的地方。</a:t>
+            </a:r>
+            <a:endParaRPr lang="en-US" altLang="zh-CN" dirty="0"/>
+          </a:p>
+          <a:p>
+            <a:r>
+              <a:rPr lang="zh-CN" altLang="en-US" dirty="0"/>
+              <a:t>在 </a:t>
+            </a:r>
+            <a:r>
+              <a:rPr lang="en-US" altLang="zh-CN" dirty="0"/>
+              <a:t>chrooted </a:t>
+            </a:r>
+            <a:r>
+              <a:rPr lang="zh-CN" altLang="en-US" dirty="0"/>
+              <a:t>环境中构建 </a:t>
+            </a:r>
+            <a:r>
+              <a:rPr lang="en-US" altLang="zh-CN" dirty="0"/>
+              <a:t>LFS </a:t>
+            </a:r>
+            <a:r>
+              <a:rPr lang="zh-CN" altLang="en-US" dirty="0"/>
+              <a:t>目标系统的系统软件是为了避免在构建的过程中损坏宿主系统。</a:t>
+            </a:r>
+            <a:endParaRPr lang="en-US" altLang="zh-CN" dirty="0"/>
+          </a:p>
+          <a:p>
+            <a:r>
+              <a:rPr lang="zh-CN" altLang="en-US" dirty="0"/>
+              <a:t>对于最基础的系统软件（</a:t>
+            </a:r>
+            <a:r>
+              <a:rPr lang="en-US" altLang="zh-CN" dirty="0" err="1"/>
+              <a:t>Binutils</a:t>
+            </a:r>
+            <a:r>
+              <a:rPr lang="zh-CN" altLang="en-US" dirty="0"/>
+              <a:t>、</a:t>
+            </a:r>
+            <a:r>
+              <a:rPr lang="en-US" altLang="zh-CN" dirty="0"/>
+              <a:t>GCC</a:t>
+            </a:r>
+            <a:r>
+              <a:rPr lang="zh-CN" altLang="en-US" dirty="0"/>
+              <a:t>、</a:t>
+            </a:r>
+            <a:r>
+              <a:rPr lang="en-US" altLang="zh-CN" dirty="0"/>
+              <a:t>Glibc</a:t>
+            </a:r>
+            <a:r>
+              <a:rPr lang="zh-CN" altLang="en-US" dirty="0"/>
+              <a:t>、</a:t>
+            </a:r>
+            <a:r>
+              <a:rPr lang="en-US" altLang="zh-CN" dirty="0" err="1"/>
+              <a:t>Coreutils</a:t>
+            </a:r>
+            <a:r>
+              <a:rPr lang="zh-CN" altLang="en-US" dirty="0"/>
+              <a:t>）的构建过程，请在编译的过程中参考 </a:t>
+            </a:r>
+            <a:r>
+              <a:rPr lang="en-US" altLang="zh-CN" dirty="0"/>
+              <a:t>LFS-BOOK </a:t>
+            </a:r>
+            <a:r>
+              <a:rPr lang="zh-CN" altLang="en-US" dirty="0"/>
+              <a:t>中的说明，在此不再赘述。</a:t>
+            </a:r>
             <a:endParaRPr lang="en-US" dirty="0"/>
           </a:p>
         </p:txBody>
@@ -25856,7 +26553,7 @@
     </p:spTree>
     <p:extLst>
       <p:ext uri="{BB962C8B-B14F-4D97-AF65-F5344CB8AC3E}">
-        <p14:creationId xmlns:p14="http://schemas.microsoft.com/office/powerpoint/2010/main" val="3312699567"/>
+        <p14:creationId xmlns:p14="http://schemas.microsoft.com/office/powerpoint/2010/main" val="1157223639"/>
       </p:ext>
     </p:extLst>
   </p:cSld>
@@ -25905,24 +26602,16 @@
           <a:lstStyle/>
           <a:p>
             <a:r>
-              <a:rPr lang="en-US" altLang="zh-TW" dirty="0"/>
-              <a:t>LFS </a:t>
-            </a:r>
-            <a:r>
-              <a:rPr lang="zh-CN" altLang="en-US" dirty="0"/>
-              <a:t>通用编译指南（</a:t>
-            </a:r>
-            <a:r>
-              <a:rPr lang="en-US" altLang="zh-CN" dirty="0" err="1"/>
-              <a:t>lfs</a:t>
+              <a:rPr lang="zh-CN" altLang="en-US" dirty="0"/>
+              <a:t>从 </a:t>
             </a:r>
             <a:r>
               <a:rPr lang="en-US" altLang="zh-CN" dirty="0"/>
-              <a:t> </a:t>
-            </a:r>
-            <a:r>
-              <a:rPr lang="zh-CN" altLang="en-US" dirty="0"/>
-              <a:t>用户）</a:t>
+              <a:t>C </a:t>
+            </a:r>
+            <a:r>
+              <a:rPr lang="zh-CN" altLang="en-US" dirty="0"/>
+              <a:t>代码编译出软件</a:t>
             </a:r>
             <a:endParaRPr lang="en-US" dirty="0"/>
           </a:p>
@@ -25950,67 +26639,96 @@
           <a:lstStyle/>
           <a:p>
             <a:r>
-              <a:rPr lang="zh-CN" altLang="en-US" dirty="0"/>
-              <a:t>对于每个软件包：</a:t>
+              <a:rPr lang="en-US" dirty="0"/>
+              <a:t>GNU </a:t>
+            </a:r>
+            <a:r>
+              <a:rPr lang="en-US" dirty="0" err="1"/>
+              <a:t>autoconf</a:t>
+            </a:r>
+            <a:r>
+              <a:rPr lang="en-US" dirty="0"/>
+              <a:t> </a:t>
+            </a:r>
+            <a:r>
+              <a:rPr lang="zh-TW" altLang="en-US" dirty="0"/>
+              <a:t>是一套流行的、用于自动产生 </a:t>
+            </a:r>
+            <a:r>
+              <a:rPr lang="en-US" dirty="0" err="1"/>
+              <a:t>Makefile</a:t>
+            </a:r>
+            <a:r>
+              <a:rPr lang="en-US" dirty="0"/>
+              <a:t> </a:t>
+            </a:r>
+            <a:r>
+              <a:rPr lang="zh-TW" altLang="en-US" dirty="0"/>
+              <a:t>的系统。她使用脚本来分析系统，产生出 </a:t>
+            </a:r>
+            <a:r>
+              <a:rPr lang="en-US" dirty="0" err="1"/>
+              <a:t>Makefile</a:t>
+            </a:r>
+            <a:r>
+              <a:rPr lang="en-US" dirty="0"/>
+              <a:t>。</a:t>
             </a:r>
           </a:p>
           <a:p>
             <a:pPr lvl="1"/>
             <a:r>
-              <a:rPr lang="zh-CN" altLang="en-US" dirty="0"/>
-              <a:t>以 </a:t>
-            </a:r>
-            <a:r>
-              <a:rPr lang="en-US" altLang="zh-CN" dirty="0" err="1"/>
-              <a:t>lfs</a:t>
-            </a:r>
-            <a:r>
-              <a:rPr lang="en-US" altLang="zh-CN" dirty="0"/>
-              <a:t> </a:t>
-            </a:r>
-            <a:r>
-              <a:rPr lang="zh-CN" altLang="en-US" dirty="0"/>
-              <a:t>用户解压要编译的软件包</a:t>
-            </a:r>
+              <a:rPr lang="en-US" dirty="0"/>
+              <a:t>./configure # </a:t>
+            </a:r>
+            <a:r>
+              <a:rPr lang="zh-TW" altLang="en-US" dirty="0"/>
+              <a:t>从 </a:t>
+            </a:r>
+            <a:r>
+              <a:rPr lang="en-US" dirty="0"/>
+              <a:t>Makefile.in </a:t>
+            </a:r>
+            <a:r>
+              <a:rPr lang="zh-TW" altLang="en-US" dirty="0"/>
+              <a:t>等文件产生 </a:t>
+            </a:r>
+            <a:r>
+              <a:rPr lang="en-US" dirty="0" err="1"/>
+              <a:t>Makefile</a:t>
+            </a:r>
+            <a:endParaRPr lang="en-US" dirty="0"/>
           </a:p>
           <a:p>
             <a:pPr lvl="1"/>
             <a:r>
-              <a:rPr lang="zh-CN" altLang="en-US" dirty="0"/>
-              <a:t>进入到解压后创建的目录中</a:t>
+              <a:rPr lang="en-US" dirty="0"/>
+              <a:t>make</a:t>
             </a:r>
           </a:p>
           <a:p>
             <a:pPr lvl="1"/>
             <a:r>
-              <a:rPr lang="zh-CN" altLang="en-US" dirty="0"/>
-              <a:t>根据指南说明编译软件包</a:t>
+              <a:rPr lang="en-US" dirty="0"/>
+              <a:t>make check</a:t>
             </a:r>
           </a:p>
           <a:p>
             <a:pPr lvl="1"/>
             <a:r>
-              <a:rPr lang="zh-CN" altLang="en-US" dirty="0"/>
-              <a:t>回退到源文件目录</a:t>
+              <a:rPr lang="en-US" dirty="0"/>
+              <a:t>make -n install # test install</a:t>
             </a:r>
           </a:p>
           <a:p>
             <a:pPr lvl="1"/>
             <a:r>
-              <a:rPr lang="zh-CN" altLang="en-US" dirty="0"/>
-              <a:t>除非特别说明，删除解压出来的目录（和为了编译而创建的 </a:t>
-            </a:r>
-            <a:r>
-              <a:rPr lang="en-US" altLang="zh-CN" dirty="0"/>
-              <a:t>build </a:t>
-            </a:r>
-            <a:r>
-              <a:rPr lang="zh-CN" altLang="en-US" dirty="0"/>
-              <a:t>目录）</a:t>
-            </a:r>
-            <a:endParaRPr lang="en-US" altLang="zh-CN" dirty="0"/>
-          </a:p>
-          <a:p>
+              <a:rPr lang="en-US" dirty="0"/>
+              <a:t>make install</a:t>
+            </a:r>
+          </a:p>
+          <a:p>
+            <a:pPr lvl="1"/>
             <a:endParaRPr lang="en-US" dirty="0"/>
           </a:p>
         </p:txBody>
@@ -26018,7 +26736,7 @@
     </p:spTree>
     <p:extLst>
       <p:ext uri="{BB962C8B-B14F-4D97-AF65-F5344CB8AC3E}">
-        <p14:creationId xmlns:p14="http://schemas.microsoft.com/office/powerpoint/2010/main" val="1274852353"/>
+        <p14:creationId xmlns:p14="http://schemas.microsoft.com/office/powerpoint/2010/main" val="3312699567"/>
       </p:ext>
     </p:extLst>
   </p:cSld>
@@ -26075,12 +26793,16 @@
               <a:t>通用编译指南（</a:t>
             </a:r>
             <a:r>
+              <a:rPr lang="en-US" altLang="zh-CN" dirty="0" err="1"/>
+              <a:t>lfs</a:t>
+            </a:r>
+            <a:r>
               <a:rPr lang="en-US" altLang="zh-CN" dirty="0"/>
-              <a:t>chrooted </a:t>
-            </a:r>
-            <a:r>
-              <a:rPr lang="zh-CN" altLang="en-US" dirty="0"/>
-              <a:t>环境）</a:t>
+              <a:t> </a:t>
+            </a:r>
+            <a:r>
+              <a:rPr lang="zh-CN" altLang="en-US" dirty="0"/>
+              <a:t>用户）</a:t>
             </a:r>
             <a:endParaRPr lang="en-US" dirty="0"/>
           </a:p>
@@ -26116,15 +26838,19 @@
             <a:pPr lvl="1"/>
             <a:r>
               <a:rPr lang="zh-CN" altLang="en-US" dirty="0"/>
-              <a:t>进入</a:t>
+              <a:t>以 </a:t>
+            </a:r>
+            <a:r>
+              <a:rPr lang="en-US" altLang="zh-CN" dirty="0" err="1"/>
+              <a:t>lfs</a:t>
             </a:r>
             <a:r>
               <a:rPr lang="en-US" altLang="zh-CN" dirty="0"/>
-              <a:t>chroot</a:t>
-            </a:r>
-            <a:r>
-              <a:rPr lang="zh-CN" altLang="en-US" dirty="0"/>
-              <a:t>环境后解压要编译的软件包</a:t>
+              <a:t> </a:t>
+            </a:r>
+            <a:r>
+              <a:rPr lang="zh-CN" altLang="en-US" dirty="0"/>
+              <a:t>用户解压要编译的软件包</a:t>
             </a:r>
           </a:p>
           <a:p>
@@ -26152,11 +26878,11 @@
             <a:pPr lvl="1"/>
             <a:r>
               <a:rPr lang="zh-CN" altLang="en-US" dirty="0"/>
-              <a:t>除非特别说明，删除解压出来的目录（和为了编译而创建的</a:t>
+              <a:t>除非特别说明，删除解压出来的目录（和为了编译而创建的 </a:t>
             </a:r>
             <a:r>
               <a:rPr lang="en-US" altLang="zh-CN" dirty="0"/>
-              <a:t>build</a:t>
+              <a:t>build </a:t>
             </a:r>
             <a:r>
               <a:rPr lang="zh-CN" altLang="en-US" dirty="0"/>
@@ -26172,7 +26898,7 @@
     </p:spTree>
     <p:extLst>
       <p:ext uri="{BB962C8B-B14F-4D97-AF65-F5344CB8AC3E}">
-        <p14:creationId xmlns:p14="http://schemas.microsoft.com/office/powerpoint/2010/main" val="2676874120"/>
+        <p14:creationId xmlns:p14="http://schemas.microsoft.com/office/powerpoint/2010/main" val="1274852353"/>
       </p:ext>
     </p:extLst>
   </p:cSld>
@@ -26204,7 +26930,7 @@
           <p:cNvPr id="2" name="Title 1">
             <a:extLst>
               <a:ext uri="{FF2B5EF4-FFF2-40B4-BE49-F238E27FC236}">
-                <a16:creationId xmlns:a16="http://schemas.microsoft.com/office/drawing/2014/main" id="{F9E1EE7A-8352-4A12-BAEC-707F988F2348}"/>
+                <a16:creationId xmlns:a16="http://schemas.microsoft.com/office/drawing/2014/main" id="{1690BA8D-9EB6-462D-9A49-2EECE2FFC559}"/>
               </a:ext>
             </a:extLst>
           </p:cNvPr>
@@ -26221,16 +26947,20 @@
           <a:lstStyle/>
           <a:p>
             <a:r>
-              <a:rPr lang="zh-CN" altLang="en-US" dirty="0"/>
-              <a:t>配置 </a:t>
+              <a:rPr lang="en-US" altLang="zh-TW" dirty="0"/>
+              <a:t>LFS </a:t>
+            </a:r>
+            <a:r>
+              <a:rPr lang="zh-CN" altLang="en-US" dirty="0"/>
+              <a:t>通用编译指南（</a:t>
             </a:r>
             <a:r>
               <a:rPr lang="en-US" altLang="zh-CN" dirty="0"/>
-              <a:t>LFS </a:t>
-            </a:r>
-            <a:r>
-              <a:rPr lang="zh-CN" altLang="en-US" dirty="0"/>
-              <a:t>目标系统</a:t>
+              <a:t>chrooted </a:t>
+            </a:r>
+            <a:r>
+              <a:rPr lang="zh-CN" altLang="en-US" dirty="0"/>
+              <a:t>环境）</a:t>
             </a:r>
             <a:endParaRPr lang="en-US" dirty="0"/>
           </a:p>
@@ -26241,7 +26971,7 @@
           <p:cNvPr id="3" name="Text Placeholder 2">
             <a:extLst>
               <a:ext uri="{FF2B5EF4-FFF2-40B4-BE49-F238E27FC236}">
-                <a16:creationId xmlns:a16="http://schemas.microsoft.com/office/drawing/2014/main" id="{74262E03-DE47-4A93-80DC-F75939A749C9}"/>
+                <a16:creationId xmlns:a16="http://schemas.microsoft.com/office/drawing/2014/main" id="{C3277BB3-9528-4E56-BA48-6B509F84632D}"/>
               </a:ext>
             </a:extLst>
           </p:cNvPr>
@@ -26252,76 +26982,69 @@
             <p:ph type="body" sz="quarter" idx="10"/>
           </p:nvPr>
         </p:nvSpPr>
-        <p:spPr>
-          <a:xfrm>
-            <a:off x="455612" y="933450"/>
-            <a:ext cx="11293475" cy="5267325"/>
-          </a:xfrm>
-        </p:spPr>
+        <p:spPr/>
         <p:txBody>
           <a:bodyPr/>
           <a:lstStyle/>
           <a:p>
             <a:r>
               <a:rPr lang="zh-CN" altLang="en-US" dirty="0"/>
-              <a:t>为 </a:t>
+              <a:t>对于每个软件包：</a:t>
+            </a:r>
+          </a:p>
+          <a:p>
+            <a:pPr lvl="1"/>
+            <a:r>
+              <a:rPr lang="zh-CN" altLang="en-US" dirty="0"/>
+              <a:t>进入</a:t>
             </a:r>
             <a:r>
               <a:rPr lang="en-US" altLang="zh-CN" dirty="0"/>
-              <a:t>LFS </a:t>
-            </a:r>
-            <a:r>
-              <a:rPr lang="zh-CN" altLang="en-US" dirty="0"/>
-              <a:t>目标系统进行以下配置：</a:t>
+              <a:t>chroot</a:t>
+            </a:r>
+            <a:r>
+              <a:rPr lang="zh-CN" altLang="en-US" dirty="0"/>
+              <a:t>环境后解压要编译的软件包</a:t>
+            </a:r>
+          </a:p>
+          <a:p>
+            <a:pPr lvl="1"/>
+            <a:r>
+              <a:rPr lang="zh-CN" altLang="en-US" dirty="0"/>
+              <a:t>进入到解压后创建的目录中</a:t>
+            </a:r>
+          </a:p>
+          <a:p>
+            <a:pPr lvl="1"/>
+            <a:r>
+              <a:rPr lang="zh-CN" altLang="en-US" dirty="0"/>
+              <a:t>根据指南说明编译软件包</a:t>
+            </a:r>
+          </a:p>
+          <a:p>
+            <a:pPr lvl="1"/>
+            <a:r>
+              <a:rPr lang="zh-CN" altLang="en-US" dirty="0"/>
+              <a:t>回退到源文件目录</a:t>
+            </a:r>
+          </a:p>
+          <a:p>
+            <a:pPr lvl="1"/>
+            <a:r>
+              <a:rPr lang="zh-CN" altLang="en-US" dirty="0"/>
+              <a:t>除非特别说明，删除解压出来的目录（和为了编译而创建的</a:t>
+            </a:r>
+            <a:r>
+              <a:rPr lang="en-US" altLang="zh-CN" dirty="0"/>
+              <a:t>build</a:t>
+            </a:r>
+            <a:r>
+              <a:rPr lang="zh-CN" altLang="en-US" dirty="0"/>
+              <a:t>目录）</a:t>
             </a:r>
             <a:endParaRPr lang="en-US" altLang="zh-CN" dirty="0"/>
           </a:p>
           <a:p>
-            <a:pPr lvl="1"/>
-            <a:r>
-              <a:rPr lang="zh-CN" altLang="en-US" dirty="0"/>
-              <a:t>网络</a:t>
-            </a:r>
-            <a:endParaRPr lang="en-US" altLang="zh-CN" dirty="0"/>
-          </a:p>
-          <a:p>
-            <a:pPr lvl="1"/>
-            <a:r>
-              <a:rPr lang="zh-CN" altLang="en-US" dirty="0"/>
-              <a:t>主机名</a:t>
-            </a:r>
-            <a:endParaRPr lang="en-US" altLang="zh-CN" dirty="0"/>
-          </a:p>
-          <a:p>
-            <a:pPr lvl="1"/>
-            <a:r>
-              <a:rPr lang="en-US" altLang="zh-CN" dirty="0"/>
-              <a:t>/</a:t>
-            </a:r>
-            <a:r>
-              <a:rPr lang="en-US" altLang="zh-CN" dirty="0" err="1"/>
-              <a:t>etc</a:t>
-            </a:r>
-            <a:r>
-              <a:rPr lang="en-US" altLang="zh-CN" dirty="0"/>
-              <a:t>/hosts </a:t>
-            </a:r>
-            <a:r>
-              <a:rPr lang="zh-CN" altLang="en-US" dirty="0"/>
-              <a:t>文件</a:t>
-            </a:r>
-            <a:endParaRPr lang="en-US" altLang="zh-CN" dirty="0"/>
-          </a:p>
-          <a:p>
-            <a:pPr lvl="1"/>
-            <a:r>
-              <a:rPr lang="zh-CN" altLang="en-US" dirty="0"/>
-              <a:t> </a:t>
-            </a:r>
-            <a:r>
-              <a:rPr lang="en-US" altLang="zh-CN" dirty="0" err="1"/>
-              <a:t>fstab</a:t>
-            </a:r>
             <a:endParaRPr lang="en-US" dirty="0"/>
           </a:p>
         </p:txBody>
@@ -26329,7 +27052,7 @@
     </p:spTree>
     <p:extLst>
       <p:ext uri="{BB962C8B-B14F-4D97-AF65-F5344CB8AC3E}">
-        <p14:creationId xmlns:p14="http://schemas.microsoft.com/office/powerpoint/2010/main" val="3235276291"/>
+        <p14:creationId xmlns:p14="http://schemas.microsoft.com/office/powerpoint/2010/main" val="2676874120"/>
       </p:ext>
     </p:extLst>
   </p:cSld>
@@ -26379,7 +27102,15 @@
           <a:p>
             <a:r>
               <a:rPr lang="zh-CN" altLang="en-US" dirty="0"/>
-              <a:t>编译并安装内核</a:t>
+              <a:t>配置 </a:t>
+            </a:r>
+            <a:r>
+              <a:rPr lang="en-US" altLang="zh-CN" dirty="0"/>
+              <a:t>LFS </a:t>
+            </a:r>
+            <a:r>
+              <a:rPr lang="zh-CN" altLang="en-US" dirty="0"/>
+              <a:t>目标系统</a:t>
             </a:r>
             <a:endParaRPr lang="en-US" dirty="0"/>
           </a:p>
@@ -26413,87 +27144,72 @@
           <a:p>
             <a:r>
               <a:rPr lang="zh-CN" altLang="en-US" dirty="0"/>
-              <a:t>编译内核和安装内核通常包含以下步骤：</a:t>
+              <a:t>为 </a:t>
+            </a:r>
+            <a:r>
+              <a:rPr lang="en-US" altLang="zh-CN" dirty="0"/>
+              <a:t>LFS </a:t>
+            </a:r>
+            <a:r>
+              <a:rPr lang="zh-CN" altLang="en-US" dirty="0"/>
+              <a:t>目标系统进行以下配置：</a:t>
             </a:r>
             <a:endParaRPr lang="en-US" altLang="zh-CN" dirty="0"/>
           </a:p>
           <a:p>
             <a:pPr lvl="1"/>
             <a:r>
-              <a:rPr lang="en-US" dirty="0"/>
-              <a:t>Getting the source</a:t>
-            </a:r>
+              <a:rPr lang="zh-CN" altLang="en-US" dirty="0"/>
+              <a:t>网络</a:t>
+            </a:r>
+            <a:endParaRPr lang="en-US" altLang="zh-CN" dirty="0"/>
           </a:p>
           <a:p>
             <a:pPr lvl="1"/>
             <a:r>
-              <a:rPr lang="en-US" dirty="0"/>
-              <a:t>make </a:t>
-            </a:r>
-            <a:r>
-              <a:rPr lang="en-US" dirty="0" err="1"/>
-              <a:t>mrproper</a:t>
-            </a:r>
-            <a:r>
-              <a:rPr lang="en-US" dirty="0"/>
-              <a:t> # </a:t>
-            </a:r>
+              <a:rPr lang="zh-CN" altLang="en-US" dirty="0"/>
+              <a:t>主机名</a:t>
+            </a:r>
+            <a:endParaRPr lang="en-US" altLang="zh-CN" dirty="0"/>
+          </a:p>
+          <a:p>
+            <a:pPr lvl="1"/>
             <a:r>
               <a:rPr lang="en-US" altLang="zh-CN" dirty="0"/>
-              <a:t>E</a:t>
-            </a:r>
-            <a:r>
-              <a:rPr lang="en-US" dirty="0"/>
-              <a:t>nsures that the kernel tree is absolutely clean</a:t>
-            </a:r>
+              <a:t>/</a:t>
+            </a:r>
+            <a:r>
+              <a:rPr lang="en-US" altLang="zh-CN" dirty="0" err="1"/>
+              <a:t>etc</a:t>
+            </a:r>
+            <a:r>
+              <a:rPr lang="en-US" altLang="zh-CN" dirty="0"/>
+              <a:t>/hosts </a:t>
+            </a:r>
+            <a:r>
+              <a:rPr lang="zh-CN" altLang="en-US" dirty="0"/>
+              <a:t>文件</a:t>
+            </a:r>
+            <a:endParaRPr lang="en-US" altLang="zh-CN" dirty="0"/>
           </a:p>
           <a:p>
             <a:pPr lvl="1"/>
             <a:r>
-              <a:rPr lang="en-US" dirty="0"/>
-              <a:t>make </a:t>
-            </a:r>
-            <a:r>
-              <a:rPr lang="en-US" dirty="0" err="1"/>
-              <a:t>menuconfig</a:t>
-            </a:r>
-            <a:r>
-              <a:rPr lang="en-US" dirty="0"/>
-              <a:t> # Select the relevant driver</a:t>
-            </a:r>
-          </a:p>
-          <a:p>
-            <a:pPr lvl="1"/>
-            <a:r>
-              <a:rPr lang="en-US" dirty="0"/>
-              <a:t>make</a:t>
-            </a:r>
-          </a:p>
-          <a:p>
-            <a:pPr lvl="1"/>
-            <a:r>
-              <a:rPr lang="en-US" dirty="0"/>
-              <a:t>make </a:t>
-            </a:r>
-            <a:r>
-              <a:rPr lang="en-US" dirty="0" err="1"/>
-              <a:t>modules_install</a:t>
+              <a:rPr lang="zh-CN" altLang="en-US" dirty="0"/>
+              <a:t> </a:t>
+            </a:r>
+            <a:r>
+              <a:rPr lang="en-US" altLang="zh-CN" dirty="0" err="1"/>
+              <a:t>fstab</a:t>
             </a:r>
             <a:endParaRPr lang="en-US" dirty="0"/>
-          </a:p>
-          <a:p>
-            <a:pPr lvl="1"/>
-            <a:r>
-              <a:rPr lang="en-US" dirty="0"/>
-              <a:t>make install</a:t>
-            </a:r>
           </a:p>
         </p:txBody>
       </p:sp>
     </p:spTree>
     <p:extLst>
       <p:ext uri="{BB962C8B-B14F-4D97-AF65-F5344CB8AC3E}">
-        <p14:creationId xmlns:p14="http://schemas.microsoft.com/office/powerpoint/2010/main" val="896486215"/>
+        <p14:creationId xmlns:p14="http://schemas.microsoft.com/office/powerpoint/2010/main" val="3235276291"/>
       </p:ext>
     </p:extLst>
   </p:cSld>
@@ -26674,15 +27390,7 @@
           <a:p>
             <a:r>
               <a:rPr lang="zh-CN" altLang="en-US" dirty="0"/>
-              <a:t>设置 </a:t>
-            </a:r>
-            <a:r>
-              <a:rPr lang="en-US" altLang="zh-CN" dirty="0"/>
-              <a:t>GRUB </a:t>
-            </a:r>
-            <a:r>
-              <a:rPr lang="zh-CN" altLang="en-US" dirty="0"/>
-              <a:t>使新系统可引导</a:t>
+              <a:t>编译并安装内核</a:t>
             </a:r>
             <a:endParaRPr lang="en-US" dirty="0"/>
           </a:p>
@@ -26715,249 +27423,88 @@
           <a:lstStyle/>
           <a:p>
             <a:r>
+              <a:rPr lang="zh-CN" altLang="en-US" dirty="0"/>
+              <a:t>编译内核和安装内核通常包含以下步骤：</a:t>
+            </a:r>
+            <a:endParaRPr lang="en-US" altLang="zh-CN" dirty="0"/>
+          </a:p>
+          <a:p>
+            <a:pPr lvl="1"/>
+            <a:r>
+              <a:rPr lang="en-US" dirty="0"/>
+              <a:t>Getting the source</a:t>
+            </a:r>
+          </a:p>
+          <a:p>
+            <a:pPr lvl="1"/>
+            <a:r>
+              <a:rPr lang="en-US" dirty="0"/>
+              <a:t>make </a:t>
+            </a:r>
+            <a:r>
+              <a:rPr lang="en-US" dirty="0" err="1"/>
+              <a:t>mrproper</a:t>
+            </a:r>
+            <a:r>
+              <a:rPr lang="en-US" dirty="0"/>
+              <a:t> # </a:t>
+            </a:r>
+            <a:r>
               <a:rPr lang="en-US" altLang="zh-CN" dirty="0"/>
-              <a:t>GRUB </a:t>
-            </a:r>
-            <a:r>
-              <a:rPr lang="zh-CN" altLang="en-US" dirty="0"/>
-              <a:t>意指大一统引导装载程序（</a:t>
-            </a:r>
-            <a:r>
-              <a:rPr lang="en-US" altLang="zh-CN" dirty="0"/>
-              <a:t>Grand Unified Boot Loader</a:t>
-            </a:r>
-            <a:r>
-              <a:rPr lang="zh-CN" altLang="en-US" dirty="0"/>
-              <a:t>），它使得对内核映像和配置的选择更为简便。下面是它和本实验相关的一些知识点介绍：</a:t>
-            </a:r>
-            <a:endParaRPr lang="en-US" altLang="zh-CN" dirty="0"/>
+              <a:t>E</a:t>
+            </a:r>
+            <a:r>
+              <a:rPr lang="en-US" dirty="0"/>
+              <a:t>nsures that the kernel tree is absolutely clean</a:t>
+            </a:r>
           </a:p>
           <a:p>
             <a:pPr lvl="1"/>
             <a:r>
-              <a:rPr lang="zh-CN" altLang="en-US" dirty="0"/>
-              <a:t>系统启动时，可以通过选择 </a:t>
-            </a:r>
-            <a:r>
-              <a:rPr lang="en-US" altLang="zh-CN" dirty="0"/>
-              <a:t>GRUB </a:t>
-            </a:r>
-            <a:r>
-              <a:rPr lang="zh-CN" altLang="en-US" dirty="0"/>
-              <a:t>菜单引导不同版本的内核。</a:t>
-            </a:r>
-            <a:endParaRPr lang="en-US" altLang="zh-CN" dirty="0"/>
+              <a:rPr lang="en-US" dirty="0"/>
+              <a:t>make </a:t>
+            </a:r>
+            <a:r>
+              <a:rPr lang="en-US" dirty="0" err="1"/>
+              <a:t>menuconfig</a:t>
+            </a:r>
+            <a:r>
+              <a:rPr lang="en-US" dirty="0"/>
+              <a:t> # Select the relevant driver</a:t>
+            </a:r>
           </a:p>
           <a:p>
             <a:pPr lvl="1"/>
             <a:r>
-              <a:rPr lang="en-US" altLang="zh-CN" dirty="0"/>
-              <a:t>GRUB </a:t>
-            </a:r>
-            <a:r>
-              <a:rPr lang="zh-CN" altLang="en-US" dirty="0"/>
-              <a:t>配置目录包含核心配置文件（</a:t>
-            </a:r>
-            <a:r>
-              <a:rPr lang="en-US" altLang="zh-CN" dirty="0" err="1"/>
-              <a:t>grub.cfg</a:t>
-            </a:r>
-            <a:r>
-              <a:rPr lang="zh-CN" altLang="en-US" dirty="0"/>
-              <a:t>）和一些可加载模块，以 </a:t>
-            </a:r>
-            <a:r>
-              <a:rPr lang="en-US" altLang="zh-CN" dirty="0"/>
-              <a:t>.mod </a:t>
-            </a:r>
-            <a:r>
-              <a:rPr lang="zh-CN" altLang="en-US" dirty="0"/>
-              <a:t>为后缀。</a:t>
-            </a:r>
-            <a:endParaRPr lang="en-US" altLang="zh-CN" dirty="0"/>
+              <a:rPr lang="en-US" dirty="0"/>
+              <a:t>make</a:t>
+            </a:r>
           </a:p>
           <a:p>
             <a:pPr lvl="1"/>
             <a:r>
-              <a:rPr lang="zh-TW" altLang="en-US" dirty="0"/>
-              <a:t>我们不直接编辑 </a:t>
+              <a:rPr lang="en-US" dirty="0"/>
+              <a:t>make </a:t>
             </a:r>
             <a:r>
               <a:rPr lang="en-US" dirty="0" err="1"/>
-              <a:t>grub.cfg</a:t>
-            </a:r>
+              <a:t>modules_install</a:t>
+            </a:r>
+            <a:endParaRPr lang="en-US" dirty="0"/>
+          </a:p>
+          <a:p>
+            <a:pPr lvl="1"/>
             <a:r>
               <a:rPr lang="en-US" dirty="0"/>
-              <a:t> </a:t>
-            </a:r>
-            <a:r>
-              <a:rPr lang="zh-TW" altLang="en-US" dirty="0"/>
-              <a:t>文件，而是使用 </a:t>
-            </a:r>
-            <a:r>
-              <a:rPr lang="en-US" dirty="0"/>
-              <a:t>grub-</a:t>
-            </a:r>
-            <a:r>
-              <a:rPr lang="en-US" dirty="0" err="1"/>
-              <a:t>mkconfig</a:t>
-            </a:r>
-            <a:r>
-              <a:rPr lang="en-US" dirty="0"/>
-              <a:t> </a:t>
-            </a:r>
-            <a:r>
-              <a:rPr lang="zh-TW" altLang="en-US" dirty="0"/>
-              <a:t>命令</a:t>
-            </a:r>
-            <a:r>
-              <a:rPr lang="zh-CN" altLang="en-US" dirty="0"/>
-              <a:t>（ 和在 </a:t>
-            </a:r>
-            <a:r>
-              <a:rPr lang="en-US" altLang="zh-CN" dirty="0"/>
-              <a:t>/</a:t>
-            </a:r>
-            <a:r>
-              <a:rPr lang="en-US" altLang="zh-CN" dirty="0" err="1"/>
-              <a:t>etc</a:t>
-            </a:r>
-            <a:r>
-              <a:rPr lang="en-US" altLang="zh-CN" dirty="0"/>
-              <a:t>/</a:t>
-            </a:r>
-            <a:r>
-              <a:rPr lang="en-US" altLang="zh-CN" dirty="0" err="1"/>
-              <a:t>grub.d</a:t>
-            </a:r>
-            <a:r>
-              <a:rPr lang="en-US" altLang="zh-CN" dirty="0"/>
-              <a:t> </a:t>
-            </a:r>
-            <a:r>
-              <a:rPr lang="zh-CN" altLang="en-US" dirty="0"/>
-              <a:t>中的 </a:t>
-            </a:r>
-            <a:r>
-              <a:rPr lang="en-US" altLang="zh-CN" dirty="0"/>
-              <a:t>shell </a:t>
-            </a:r>
-            <a:r>
-              <a:rPr lang="zh-CN" altLang="en-US" dirty="0"/>
-              <a:t>脚本文件一样，该命令本身也是一个 </a:t>
-            </a:r>
-            <a:r>
-              <a:rPr lang="en-US" altLang="zh-CN" dirty="0"/>
-              <a:t>shell </a:t>
-            </a:r>
-            <a:r>
-              <a:rPr lang="zh-CN" altLang="en-US" dirty="0"/>
-              <a:t>脚本文件）。</a:t>
-            </a:r>
-            <a:endParaRPr lang="en-US" altLang="zh-CN" dirty="0"/>
-          </a:p>
-          <a:p>
-            <a:pPr lvl="1"/>
-            <a:r>
-              <a:rPr lang="zh-CN" altLang="en-US" dirty="0"/>
-              <a:t>配置文件 </a:t>
-            </a:r>
-            <a:r>
-              <a:rPr lang="en-US" altLang="zh-CN" dirty="0" err="1"/>
-              <a:t>grub.cfg</a:t>
-            </a:r>
-            <a:r>
-              <a:rPr lang="en-US" altLang="zh-CN" dirty="0"/>
-              <a:t> </a:t>
-            </a:r>
-            <a:r>
-              <a:rPr lang="zh-CN" altLang="en-US" dirty="0"/>
-              <a:t>中包含 </a:t>
-            </a:r>
-            <a:r>
-              <a:rPr lang="en-US" altLang="zh-CN" dirty="0"/>
-              <a:t>GRUB </a:t>
-            </a:r>
-            <a:r>
-              <a:rPr lang="zh-CN" altLang="en-US" dirty="0"/>
-              <a:t>命令，通常是从一系列的初始化步骤开始，然后是一系列的菜单条目，它们以 </a:t>
-            </a:r>
-            <a:r>
-              <a:rPr lang="en-US" altLang="zh-CN" dirty="0" err="1"/>
-              <a:t>menuentry</a:t>
-            </a:r>
-            <a:r>
-              <a:rPr lang="en-US" altLang="zh-CN" dirty="0"/>
-              <a:t> </a:t>
-            </a:r>
-            <a:r>
-              <a:rPr lang="zh-CN" altLang="en-US" dirty="0"/>
-              <a:t>命令开始。</a:t>
-            </a:r>
-            <a:endParaRPr lang="en-US" altLang="zh-CN" dirty="0"/>
-          </a:p>
-          <a:p>
-            <a:pPr lvl="1"/>
-            <a:r>
-              <a:rPr lang="zh-CN" altLang="en-US" dirty="0"/>
-              <a:t>但是在本例中，我们将 </a:t>
-            </a:r>
-            <a:r>
-              <a:rPr lang="en-US" altLang="zh-CN" dirty="0"/>
-              <a:t>LFS_TGT_SYS </a:t>
-            </a:r>
-            <a:r>
-              <a:rPr lang="zh-CN" altLang="en-US" dirty="0"/>
-              <a:t>的 </a:t>
-            </a:r>
-            <a:r>
-              <a:rPr lang="en-US" altLang="zh-CN" dirty="0"/>
-              <a:t>GRUB </a:t>
-            </a:r>
-            <a:r>
-              <a:rPr lang="zh-CN" altLang="en-US" dirty="0"/>
-              <a:t>配置信息更新到 </a:t>
-            </a:r>
-            <a:r>
-              <a:rPr lang="en-US" altLang="zh-CN" dirty="0"/>
-              <a:t>host </a:t>
-            </a:r>
-            <a:r>
-              <a:rPr lang="zh-CN" altLang="en-US" dirty="0"/>
-              <a:t>的 </a:t>
-            </a:r>
-            <a:r>
-              <a:rPr lang="en-US" altLang="zh-CN" dirty="0"/>
-              <a:t>GRUB </a:t>
-            </a:r>
-            <a:r>
-              <a:rPr lang="zh-CN" altLang="en-US" dirty="0"/>
-              <a:t>配置文件中达到从开机 </a:t>
-            </a:r>
-            <a:r>
-              <a:rPr lang="en-US" altLang="zh-CN" dirty="0"/>
-              <a:t>GRUB </a:t>
-            </a:r>
-            <a:r>
-              <a:rPr lang="zh-CN" altLang="en-US" dirty="0"/>
-              <a:t>菜单引导 </a:t>
-            </a:r>
-            <a:r>
-              <a:rPr lang="en-US" altLang="zh-CN" dirty="0"/>
-              <a:t>LFS </a:t>
-            </a:r>
-            <a:r>
-              <a:rPr lang="zh-CN" altLang="en-US" dirty="0"/>
-              <a:t>目标系统的目的。</a:t>
-            </a:r>
-            <a:endParaRPr lang="en-US" dirty="0"/>
+              <a:t>make install</a:t>
+            </a:r>
           </a:p>
         </p:txBody>
       </p:sp>
     </p:spTree>
     <p:extLst>
       <p:ext uri="{BB962C8B-B14F-4D97-AF65-F5344CB8AC3E}">
-        <p14:creationId xmlns:p14="http://schemas.microsoft.com/office/powerpoint/2010/main" val="2821750561"/>
+        <p14:creationId xmlns:p14="http://schemas.microsoft.com/office/powerpoint/2010/main" val="896486215"/>
       </p:ext>
     </p:extLst>
   </p:cSld>
@@ -27007,7 +27554,15 @@
           <a:p>
             <a:r>
               <a:rPr lang="zh-CN" altLang="en-US" dirty="0"/>
-              <a:t>进入新系统</a:t>
+              <a:t>设置 </a:t>
+            </a:r>
+            <a:r>
+              <a:rPr lang="en-US" altLang="zh-CN" dirty="0"/>
+              <a:t>GRUB </a:t>
+            </a:r>
+            <a:r>
+              <a:rPr lang="zh-CN" altLang="en-US" dirty="0"/>
+              <a:t>使新系统可引导</a:t>
             </a:r>
             <a:endParaRPr lang="en-US" dirty="0"/>
           </a:p>
@@ -27040,16 +27595,232 @@
           <a:lstStyle/>
           <a:p>
             <a:r>
-              <a:rPr lang="zh-CN" altLang="en-US" dirty="0"/>
-              <a:t>我们通过新增的 </a:t>
-            </a:r>
-            <a:r>
               <a:rPr lang="en-US" altLang="zh-CN" dirty="0"/>
               <a:t>GRUB </a:t>
             </a:r>
             <a:r>
               <a:rPr lang="zh-CN" altLang="en-US" dirty="0"/>
-              <a:t>菜单进入新的 </a:t>
+              <a:t>意指大一统引导装载程序（</a:t>
+            </a:r>
+            <a:r>
+              <a:rPr lang="en-US" altLang="zh-CN" dirty="0"/>
+              <a:t>Grand Unified Boot Loader</a:t>
+            </a:r>
+            <a:r>
+              <a:rPr lang="zh-CN" altLang="en-US" dirty="0"/>
+              <a:t>），它使得对内核映像和配置的选择更为简便。下面是它和本实验相关的一些知识点介绍：</a:t>
+            </a:r>
+            <a:endParaRPr lang="en-US" altLang="zh-CN" dirty="0"/>
+          </a:p>
+          <a:p>
+            <a:pPr lvl="1"/>
+            <a:r>
+              <a:rPr lang="zh-CN" altLang="en-US" dirty="0"/>
+              <a:t>系统启动时，可以通过选择 </a:t>
+            </a:r>
+            <a:r>
+              <a:rPr lang="en-US" altLang="zh-CN" dirty="0"/>
+              <a:t>GRUB </a:t>
+            </a:r>
+            <a:r>
+              <a:rPr lang="zh-CN" altLang="en-US" dirty="0"/>
+              <a:t>菜单引导不同版本的内核。</a:t>
+            </a:r>
+            <a:endParaRPr lang="en-US" altLang="zh-CN" dirty="0"/>
+          </a:p>
+          <a:p>
+            <a:pPr lvl="1"/>
+            <a:r>
+              <a:rPr lang="en-US" altLang="zh-CN" dirty="0"/>
+              <a:t>GRUB </a:t>
+            </a:r>
+            <a:r>
+              <a:rPr lang="zh-CN" altLang="en-US" dirty="0"/>
+              <a:t>配置目录包含核心配置文件（</a:t>
+            </a:r>
+            <a:r>
+              <a:rPr lang="en-US" altLang="zh-CN" dirty="0" err="1"/>
+              <a:t>grub.cfg</a:t>
+            </a:r>
+            <a:r>
+              <a:rPr lang="zh-CN" altLang="en-US" dirty="0"/>
+              <a:t>）和一些可加载模块，以 </a:t>
+            </a:r>
+            <a:r>
+              <a:rPr lang="en-US" altLang="zh-CN" dirty="0"/>
+              <a:t>.mod </a:t>
+            </a:r>
+            <a:r>
+              <a:rPr lang="zh-CN" altLang="en-US" dirty="0"/>
+              <a:t>为后缀。</a:t>
+            </a:r>
+            <a:endParaRPr lang="en-US" altLang="zh-CN" dirty="0"/>
+          </a:p>
+          <a:p>
+            <a:pPr lvl="1"/>
+            <a:r>
+              <a:rPr lang="zh-TW" altLang="en-US" dirty="0"/>
+              <a:t>我们不直接编辑 </a:t>
+            </a:r>
+            <a:r>
+              <a:rPr lang="en-US" dirty="0" err="1"/>
+              <a:t>grub.cfg</a:t>
+            </a:r>
+            <a:r>
+              <a:rPr lang="en-US" dirty="0"/>
+              <a:t> </a:t>
+            </a:r>
+            <a:r>
+              <a:rPr lang="zh-TW" altLang="en-US" dirty="0"/>
+              <a:t>文件，而是使用 </a:t>
+            </a:r>
+            <a:r>
+              <a:rPr lang="en-US" dirty="0"/>
+              <a:t>grub-</a:t>
+            </a:r>
+            <a:r>
+              <a:rPr lang="en-US" dirty="0" err="1"/>
+              <a:t>mkconfig</a:t>
+            </a:r>
+            <a:r>
+              <a:rPr lang="en-US" dirty="0"/>
+              <a:t> </a:t>
+            </a:r>
+            <a:r>
+              <a:rPr lang="zh-TW" altLang="en-US" dirty="0"/>
+              <a:t>命令</a:t>
+            </a:r>
+            <a:r>
+              <a:rPr lang="zh-CN" altLang="en-US" dirty="0"/>
+              <a:t>（ 和在 </a:t>
+            </a:r>
+            <a:r>
+              <a:rPr lang="en-US" altLang="zh-CN" dirty="0"/>
+              <a:t>/</a:t>
+            </a:r>
+            <a:r>
+              <a:rPr lang="en-US" altLang="zh-CN" dirty="0" err="1"/>
+              <a:t>etc</a:t>
+            </a:r>
+            <a:r>
+              <a:rPr lang="en-US" altLang="zh-CN" dirty="0"/>
+              <a:t>/</a:t>
+            </a:r>
+            <a:r>
+              <a:rPr lang="en-US" altLang="zh-CN" dirty="0" err="1"/>
+              <a:t>grub.d</a:t>
+            </a:r>
+            <a:r>
+              <a:rPr lang="en-US" altLang="zh-CN" dirty="0"/>
+              <a:t> </a:t>
+            </a:r>
+            <a:r>
+              <a:rPr lang="zh-CN" altLang="en-US" dirty="0"/>
+              <a:t>中的 </a:t>
+            </a:r>
+            <a:r>
+              <a:rPr lang="en-US" altLang="zh-CN" dirty="0"/>
+              <a:t>shell </a:t>
+            </a:r>
+            <a:r>
+              <a:rPr lang="zh-CN" altLang="en-US" dirty="0"/>
+              <a:t>脚本文件一样，该命令本身也是一个 </a:t>
+            </a:r>
+            <a:r>
+              <a:rPr lang="en-US" altLang="zh-CN" dirty="0"/>
+              <a:t>shell </a:t>
+            </a:r>
+            <a:r>
+              <a:rPr lang="zh-CN" altLang="en-US" dirty="0"/>
+              <a:t>脚本文件）。</a:t>
+            </a:r>
+            <a:endParaRPr lang="en-US" altLang="zh-CN" dirty="0"/>
+          </a:p>
+          <a:p>
+            <a:pPr lvl="1"/>
+            <a:r>
+              <a:rPr lang="zh-CN" altLang="en-US" dirty="0"/>
+              <a:t>配置文件 </a:t>
+            </a:r>
+            <a:r>
+              <a:rPr lang="en-US" altLang="zh-CN" dirty="0" err="1"/>
+              <a:t>grub.cfg</a:t>
+            </a:r>
+            <a:r>
+              <a:rPr lang="en-US" altLang="zh-CN" dirty="0"/>
+              <a:t> </a:t>
+            </a:r>
+            <a:r>
+              <a:rPr lang="zh-CN" altLang="en-US" dirty="0"/>
+              <a:t>中包含 </a:t>
+            </a:r>
+            <a:r>
+              <a:rPr lang="en-US" altLang="zh-CN" dirty="0"/>
+              <a:t>GRUB </a:t>
+            </a:r>
+            <a:r>
+              <a:rPr lang="zh-CN" altLang="en-US" dirty="0"/>
+              <a:t>命令，通常是从一系列的初始化步骤开始，然后是一系列的菜单条目，它们以 </a:t>
+            </a:r>
+            <a:r>
+              <a:rPr lang="en-US" altLang="zh-CN" dirty="0" err="1"/>
+              <a:t>menuentry</a:t>
+            </a:r>
+            <a:r>
+              <a:rPr lang="en-US" altLang="zh-CN" dirty="0"/>
+              <a:t> </a:t>
+            </a:r>
+            <a:r>
+              <a:rPr lang="zh-CN" altLang="en-US" dirty="0"/>
+              <a:t>命令开始。</a:t>
+            </a:r>
+            <a:endParaRPr lang="en-US" altLang="zh-CN" dirty="0"/>
+          </a:p>
+          <a:p>
+            <a:pPr lvl="1"/>
+            <a:r>
+              <a:rPr lang="zh-CN" altLang="en-US" dirty="0"/>
+              <a:t>但是在本例中，我们将 </a:t>
+            </a:r>
+            <a:r>
+              <a:rPr lang="en-US" altLang="zh-CN" dirty="0"/>
+              <a:t>LFS_TGT_SYS </a:t>
+            </a:r>
+            <a:r>
+              <a:rPr lang="zh-CN" altLang="en-US" dirty="0"/>
+              <a:t>的 </a:t>
+            </a:r>
+            <a:r>
+              <a:rPr lang="en-US" altLang="zh-CN" dirty="0"/>
+              <a:t>GRUB </a:t>
+            </a:r>
+            <a:r>
+              <a:rPr lang="zh-CN" altLang="en-US" dirty="0"/>
+              <a:t>配置信息更新到 </a:t>
+            </a:r>
+            <a:r>
+              <a:rPr lang="en-US" altLang="zh-CN" dirty="0"/>
+              <a:t>host </a:t>
+            </a:r>
+            <a:r>
+              <a:rPr lang="zh-CN" altLang="en-US" dirty="0"/>
+              <a:t>的 </a:t>
+            </a:r>
+            <a:r>
+              <a:rPr lang="en-US" altLang="zh-CN" dirty="0"/>
+              <a:t>GRUB </a:t>
+            </a:r>
+            <a:r>
+              <a:rPr lang="zh-CN" altLang="en-US" dirty="0"/>
+              <a:t>配置文件中达到从开机 </a:t>
+            </a:r>
+            <a:r>
+              <a:rPr lang="en-US" altLang="zh-CN" dirty="0"/>
+              <a:t>GRUB </a:t>
+            </a:r>
+            <a:r>
+              <a:rPr lang="zh-CN" altLang="en-US" dirty="0"/>
+              <a:t>菜单引导 </a:t>
             </a:r>
             <a:r>
               <a:rPr lang="en-US" altLang="zh-CN" dirty="0"/>
@@ -27057,47 +27828,7 @@
             </a:r>
             <a:r>
               <a:rPr lang="zh-CN" altLang="en-US" dirty="0"/>
-              <a:t>目标系统。</a:t>
-            </a:r>
-          </a:p>
-          <a:p>
-            <a:r>
-              <a:rPr lang="zh-CN" altLang="en-US" dirty="0"/>
-              <a:t>系统启动后，移动键盘的上下键以选中 </a:t>
-            </a:r>
-            <a:r>
-              <a:rPr lang="en-US" altLang="zh-CN" dirty="0"/>
-              <a:t>LFS </a:t>
-            </a:r>
-            <a:r>
-              <a:rPr lang="zh-CN" altLang="en-US" dirty="0"/>
-              <a:t>目标系统的选择项，按回车键进入。</a:t>
-            </a:r>
-          </a:p>
-          <a:p>
-            <a:r>
-              <a:rPr lang="zh-CN" altLang="en-US" dirty="0"/>
-              <a:t>以 </a:t>
-            </a:r>
-            <a:r>
-              <a:rPr lang="en-US" altLang="zh-CN" dirty="0"/>
-              <a:t>root </a:t>
-            </a:r>
-            <a:r>
-              <a:rPr lang="zh-CN" altLang="en-US" dirty="0"/>
-              <a:t>用户登录之后，您就可以探索自己一手建造的全新 </a:t>
-            </a:r>
-            <a:r>
-              <a:rPr lang="en-US" altLang="zh-CN"/>
-              <a:t>Linux </a:t>
-            </a:r>
-            <a:r>
-              <a:rPr lang="zh-CN" altLang="en-US"/>
-              <a:t>系统</a:t>
-            </a:r>
-            <a:r>
-              <a:rPr lang="zh-CN" altLang="en-US" dirty="0"/>
-              <a:t>啦！</a:t>
+              <a:t>目标系统的目的。</a:t>
             </a:r>
             <a:endParaRPr lang="en-US" dirty="0"/>
           </a:p>
@@ -27106,7 +27837,7 @@
     </p:spTree>
     <p:extLst>
       <p:ext uri="{BB962C8B-B14F-4D97-AF65-F5344CB8AC3E}">
-        <p14:creationId xmlns:p14="http://schemas.microsoft.com/office/powerpoint/2010/main" val="1540607098"/>
+        <p14:creationId xmlns:p14="http://schemas.microsoft.com/office/powerpoint/2010/main" val="2821750561"/>
       </p:ext>
     </p:extLst>
   </p:cSld>
@@ -27156,7 +27887,7 @@
           <a:p>
             <a:r>
               <a:rPr lang="zh-CN" altLang="en-US" dirty="0"/>
-              <a:t>构建者的几次角色转换</a:t>
+              <a:t>进入新系统</a:t>
             </a:r>
             <a:endParaRPr lang="en-US" dirty="0"/>
           </a:p>
@@ -27190,6 +27921,155 @@
           <a:p>
             <a:r>
               <a:rPr lang="zh-CN" altLang="en-US" dirty="0"/>
+              <a:t>我们通过新增的 </a:t>
+            </a:r>
+            <a:r>
+              <a:rPr lang="en-US" altLang="zh-CN" dirty="0"/>
+              <a:t>GRUB </a:t>
+            </a:r>
+            <a:r>
+              <a:rPr lang="zh-CN" altLang="en-US" dirty="0"/>
+              <a:t>菜单进入新的 </a:t>
+            </a:r>
+            <a:r>
+              <a:rPr lang="en-US" altLang="zh-CN" dirty="0"/>
+              <a:t>LFS </a:t>
+            </a:r>
+            <a:r>
+              <a:rPr lang="zh-CN" altLang="en-US" dirty="0"/>
+              <a:t>目标系统。</a:t>
+            </a:r>
+          </a:p>
+          <a:p>
+            <a:r>
+              <a:rPr lang="zh-CN" altLang="en-US" dirty="0"/>
+              <a:t>系统启动后，移动键盘的上下键以选中 </a:t>
+            </a:r>
+            <a:r>
+              <a:rPr lang="en-US" altLang="zh-CN" dirty="0"/>
+              <a:t>LFS </a:t>
+            </a:r>
+            <a:r>
+              <a:rPr lang="zh-CN" altLang="en-US" dirty="0"/>
+              <a:t>目标系统的选择项，按回车键进入。</a:t>
+            </a:r>
+          </a:p>
+          <a:p>
+            <a:r>
+              <a:rPr lang="zh-CN" altLang="en-US" dirty="0"/>
+              <a:t>以 </a:t>
+            </a:r>
+            <a:r>
+              <a:rPr lang="en-US" altLang="zh-CN" dirty="0"/>
+              <a:t>root </a:t>
+            </a:r>
+            <a:r>
+              <a:rPr lang="zh-CN" altLang="en-US" dirty="0"/>
+              <a:t>用户登录之后，您就可以探索自己一手建造的全新 </a:t>
+            </a:r>
+            <a:r>
+              <a:rPr lang="en-US" altLang="zh-CN"/>
+              <a:t>Linux </a:t>
+            </a:r>
+            <a:r>
+              <a:rPr lang="zh-CN" altLang="en-US"/>
+              <a:t>系统</a:t>
+            </a:r>
+            <a:r>
+              <a:rPr lang="zh-CN" altLang="en-US" dirty="0"/>
+              <a:t>啦！</a:t>
+            </a:r>
+            <a:endParaRPr lang="en-US" dirty="0"/>
+          </a:p>
+        </p:txBody>
+      </p:sp>
+    </p:spTree>
+    <p:extLst>
+      <p:ext uri="{BB962C8B-B14F-4D97-AF65-F5344CB8AC3E}">
+        <p14:creationId xmlns:p14="http://schemas.microsoft.com/office/powerpoint/2010/main" val="1540607098"/>
+      </p:ext>
+    </p:extLst>
+  </p:cSld>
+  <p:clrMapOvr>
+    <a:masterClrMapping/>
+  </p:clrMapOvr>
+</p:sld>
+</file>
+
+<file path=ppt/slides/slide23.xml><?xml version="1.0" encoding="utf-8"?>
+<p:sld xmlns:a="http://schemas.openxmlformats.org/drawingml/2006/main" xmlns:r="http://schemas.openxmlformats.org/officeDocument/2006/relationships" xmlns:p="http://schemas.openxmlformats.org/presentationml/2006/main">
+  <p:cSld>
+    <p:spTree>
+      <p:nvGrpSpPr>
+        <p:cNvPr id="1" name=""/>
+        <p:cNvGrpSpPr/>
+        <p:nvPr/>
+      </p:nvGrpSpPr>
+      <p:grpSpPr>
+        <a:xfrm>
+          <a:off x="0" y="0"/>
+          <a:ext cx="0" cy="0"/>
+          <a:chOff x="0" y="0"/>
+          <a:chExt cx="0" cy="0"/>
+        </a:xfrm>
+      </p:grpSpPr>
+      <p:sp>
+        <p:nvSpPr>
+          <p:cNvPr id="2" name="Title 1">
+            <a:extLst>
+              <a:ext uri="{FF2B5EF4-FFF2-40B4-BE49-F238E27FC236}">
+                <a16:creationId xmlns:a16="http://schemas.microsoft.com/office/drawing/2014/main" id="{F9E1EE7A-8352-4A12-BAEC-707F988F2348}"/>
+              </a:ext>
+            </a:extLst>
+          </p:cNvPr>
+          <p:cNvSpPr>
+            <a:spLocks noGrp="1"/>
+          </p:cNvSpPr>
+          <p:nvPr>
+            <p:ph type="title"/>
+          </p:nvPr>
+        </p:nvSpPr>
+        <p:spPr/>
+        <p:txBody>
+          <a:bodyPr/>
+          <a:lstStyle/>
+          <a:p>
+            <a:r>
+              <a:rPr lang="zh-CN" altLang="en-US" dirty="0"/>
+              <a:t>构建者的几次角色转换</a:t>
+            </a:r>
+            <a:endParaRPr lang="en-US" dirty="0"/>
+          </a:p>
+        </p:txBody>
+      </p:sp>
+      <p:sp>
+        <p:nvSpPr>
+          <p:cNvPr id="3" name="Text Placeholder 2">
+            <a:extLst>
+              <a:ext uri="{FF2B5EF4-FFF2-40B4-BE49-F238E27FC236}">
+                <a16:creationId xmlns:a16="http://schemas.microsoft.com/office/drawing/2014/main" id="{74262E03-DE47-4A93-80DC-F75939A749C9}"/>
+              </a:ext>
+            </a:extLst>
+          </p:cNvPr>
+          <p:cNvSpPr>
+            <a:spLocks noGrp="1"/>
+          </p:cNvSpPr>
+          <p:nvPr>
+            <p:ph type="body" sz="quarter" idx="10"/>
+          </p:nvPr>
+        </p:nvSpPr>
+        <p:spPr>
+          <a:xfrm>
+            <a:off x="455612" y="933450"/>
+            <a:ext cx="11293475" cy="5267325"/>
+          </a:xfrm>
+        </p:spPr>
+        <p:txBody>
+          <a:bodyPr/>
+          <a:lstStyle/>
+          <a:p>
+            <a:r>
+              <a:rPr lang="zh-CN" altLang="en-US" dirty="0"/>
               <a:t>最开始，宿主系统的 </a:t>
             </a:r>
             <a:r>
@@ -27345,7 +28225,7 @@
 </p:sld>
 </file>
 
-<file path=ppt/slides/slide23.xml><?xml version="1.0" encoding="utf-8"?>
+<file path=ppt/slides/slide24.xml><?xml version="1.0" encoding="utf-8"?>
 <p:sld xmlns:a="http://schemas.openxmlformats.org/drawingml/2006/main" xmlns:r="http://schemas.openxmlformats.org/officeDocument/2006/relationships" xmlns:p="http://schemas.openxmlformats.org/presentationml/2006/main">
   <p:cSld>
     <p:spTree>
@@ -27455,199 +28335,6 @@
     <p:extLst>
       <p:ext uri="{BB962C8B-B14F-4D97-AF65-F5344CB8AC3E}">
         <p14:creationId xmlns:p14="http://schemas.microsoft.com/office/powerpoint/2010/main" val="3404363586"/>
-      </p:ext>
-    </p:extLst>
-  </p:cSld>
-  <p:clrMapOvr>
-    <a:masterClrMapping/>
-  </p:clrMapOvr>
-</p:sld>
-</file>
-
-<file path=ppt/slides/slide24.xml><?xml version="1.0" encoding="utf-8"?>
-<p:sld xmlns:a="http://schemas.openxmlformats.org/drawingml/2006/main" xmlns:r="http://schemas.openxmlformats.org/officeDocument/2006/relationships" xmlns:p="http://schemas.openxmlformats.org/presentationml/2006/main">
-  <p:cSld>
-    <p:spTree>
-      <p:nvGrpSpPr>
-        <p:cNvPr id="1" name=""/>
-        <p:cNvGrpSpPr/>
-        <p:nvPr/>
-      </p:nvGrpSpPr>
-      <p:grpSpPr>
-        <a:xfrm>
-          <a:off x="0" y="0"/>
-          <a:ext cx="0" cy="0"/>
-          <a:chOff x="0" y="0"/>
-          <a:chExt cx="0" cy="0"/>
-        </a:xfrm>
-      </p:grpSpPr>
-      <p:sp>
-        <p:nvSpPr>
-          <p:cNvPr id="2" name="标题 1"/>
-          <p:cNvSpPr>
-            <a:spLocks noGrp="1"/>
-          </p:cNvSpPr>
-          <p:nvPr>
-            <p:ph type="title"/>
-          </p:nvPr>
-        </p:nvSpPr>
-        <p:spPr/>
-        <p:txBody>
-          <a:bodyPr/>
-          <a:lstStyle/>
-          <a:p>
-            <a:r>
-              <a:rPr lang="zh-CN" altLang="en-US" dirty="0"/>
-              <a:t>为什么选中 </a:t>
-            </a:r>
-            <a:r>
-              <a:rPr lang="en-US" altLang="zh-CN" dirty="0"/>
-              <a:t>LFS7.7-systemd</a:t>
-            </a:r>
-            <a:endParaRPr lang="zh-CN" altLang="en-US" dirty="0"/>
-          </a:p>
-        </p:txBody>
-      </p:sp>
-      <p:sp>
-        <p:nvSpPr>
-          <p:cNvPr id="3" name="文本占位符 2"/>
-          <p:cNvSpPr>
-            <a:spLocks noGrp="1"/>
-          </p:cNvSpPr>
-          <p:nvPr>
-            <p:ph type="body" sz="quarter" idx="10"/>
-          </p:nvPr>
-        </p:nvSpPr>
-        <p:spPr/>
-        <p:txBody>
-          <a:bodyPr/>
-          <a:lstStyle/>
-          <a:p>
-            <a:r>
-              <a:rPr lang="zh-CN" altLang="en-US" dirty="0"/>
-              <a:t>相对于高版本的 </a:t>
-            </a:r>
-            <a:r>
-              <a:rPr lang="en-US" altLang="zh-CN" dirty="0"/>
-              <a:t>GCC</a:t>
-            </a:r>
-            <a:r>
-              <a:rPr lang="zh-CN" altLang="en-US" dirty="0"/>
-              <a:t>，本实验所用 </a:t>
-            </a:r>
-            <a:r>
-              <a:rPr lang="en-US" altLang="zh-CN" dirty="0"/>
-              <a:t>GCC-4.9.2 </a:t>
-            </a:r>
-            <a:r>
-              <a:rPr lang="zh-CN" altLang="en-US" dirty="0"/>
-              <a:t>更容易供感兴趣的人从源码研究和学习。</a:t>
-            </a:r>
-          </a:p>
-          <a:p>
-            <a:r>
-              <a:rPr lang="zh-CN" altLang="en-US" dirty="0"/>
-              <a:t>相对于 </a:t>
-            </a:r>
-            <a:r>
-              <a:rPr lang="en-US" altLang="zh-CN" dirty="0"/>
-              <a:t>System V </a:t>
-            </a:r>
-            <a:r>
-              <a:rPr lang="en-US" altLang="zh-CN" dirty="0" err="1"/>
-              <a:t>init</a:t>
-            </a:r>
-            <a:r>
-              <a:rPr lang="zh-CN" altLang="en-US" dirty="0"/>
-              <a:t>，</a:t>
-            </a:r>
-            <a:r>
-              <a:rPr lang="en-US" altLang="zh-CN" dirty="0" err="1"/>
-              <a:t>systemd</a:t>
-            </a:r>
-            <a:r>
-              <a:rPr lang="en-US" altLang="zh-CN" dirty="0"/>
-              <a:t> </a:t>
-            </a:r>
-            <a:r>
-              <a:rPr lang="zh-CN" altLang="en-US" dirty="0"/>
-              <a:t>是 </a:t>
-            </a:r>
-            <a:r>
-              <a:rPr lang="en-US" altLang="zh-CN" dirty="0"/>
-              <a:t>Linux </a:t>
-            </a:r>
-            <a:r>
-              <a:rPr lang="zh-CN" altLang="en-US" dirty="0"/>
-              <a:t>上新出现的 </a:t>
-            </a:r>
-            <a:r>
-              <a:rPr lang="en-US" altLang="zh-CN" dirty="0" err="1"/>
-              <a:t>init</a:t>
-            </a:r>
-            <a:r>
-              <a:rPr lang="en-US" altLang="zh-CN" dirty="0"/>
-              <a:t> </a:t>
-            </a:r>
-            <a:r>
-              <a:rPr lang="zh-CN" altLang="en-US" dirty="0"/>
-              <a:t>实现之一。除了负责常规的启动过程，</a:t>
-            </a:r>
-            <a:r>
-              <a:rPr lang="en-US" altLang="zh-CN" dirty="0"/>
-              <a:t>system </a:t>
-            </a:r>
-            <a:r>
-              <a:rPr lang="zh-CN" altLang="en-US" dirty="0"/>
-              <a:t>还包含了一系列的 </a:t>
-            </a:r>
-            <a:r>
-              <a:rPr lang="en-US" altLang="zh-CN" dirty="0"/>
-              <a:t>Unix </a:t>
-            </a:r>
-            <a:r>
-              <a:rPr lang="zh-CN" altLang="en-US" dirty="0"/>
-              <a:t>标准服务，如 </a:t>
-            </a:r>
-            <a:r>
-              <a:rPr lang="en-US" altLang="zh-CN" dirty="0" err="1"/>
-              <a:t>cron</a:t>
-            </a:r>
-            <a:r>
-              <a:rPr lang="en-US" altLang="zh-CN" dirty="0"/>
-              <a:t> </a:t>
-            </a:r>
-            <a:r>
-              <a:rPr lang="zh-CN" altLang="en-US" dirty="0"/>
-              <a:t>和 </a:t>
-            </a:r>
-            <a:r>
-              <a:rPr lang="en-US" altLang="zh-CN" dirty="0" err="1"/>
-              <a:t>inetd</a:t>
-            </a:r>
-            <a:r>
-              <a:rPr lang="zh-CN" altLang="en-US" dirty="0"/>
-              <a:t>。可以借助本实验从源码研究和学习 </a:t>
-            </a:r>
-            <a:r>
-              <a:rPr lang="en-US" altLang="zh-CN" dirty="0" err="1"/>
-              <a:t>systemd</a:t>
-            </a:r>
-            <a:r>
-              <a:rPr lang="zh-CN" altLang="en-US" dirty="0"/>
-              <a:t>。</a:t>
-            </a:r>
-            <a:endParaRPr lang="en-US" altLang="zh-CN" dirty="0"/>
-          </a:p>
-          <a:p>
-            <a:endParaRPr lang="zh-CN" altLang="en-US" dirty="0"/>
-          </a:p>
-        </p:txBody>
-      </p:sp>
-    </p:spTree>
-    <p:extLst>
-      <p:ext uri="{BB962C8B-B14F-4D97-AF65-F5344CB8AC3E}">
-        <p14:creationId xmlns:p14="http://schemas.microsoft.com/office/powerpoint/2010/main" val="417616095"/>
       </p:ext>
     </p:extLst>
   </p:cSld>
@@ -27690,13 +28377,14 @@
           <a:lstStyle/>
           <a:p>
             <a:r>
+              <a:rPr lang="zh-CN" altLang="en-US" dirty="0"/>
+              <a:t>为什么选中 </a:t>
+            </a:r>
+            <a:r>
               <a:rPr lang="en-US" altLang="zh-CN" dirty="0"/>
-              <a:t>GCC-4.9.2 </a:t>
-            </a:r>
-            <a:r>
-              <a:rPr lang="zh-CN" altLang="en-US" dirty="0"/>
-              <a:t>编译问题</a:t>
-            </a:r>
+              <a:t>LFS7.7-systemd</a:t>
+            </a:r>
+            <a:endParaRPr lang="zh-CN" altLang="en-US" dirty="0"/>
           </a:p>
         </p:txBody>
       </p:sp>
@@ -27716,28 +28404,46 @@
           <a:lstStyle/>
           <a:p>
             <a:r>
+              <a:rPr lang="zh-CN" altLang="en-US" dirty="0"/>
+              <a:t>相对于高版本的 </a:t>
+            </a:r>
+            <a:r>
+              <a:rPr lang="en-US" altLang="zh-CN" dirty="0"/>
+              <a:t>GCC</a:t>
+            </a:r>
+            <a:r>
+              <a:rPr lang="zh-CN" altLang="en-US" dirty="0"/>
+              <a:t>，本实验所用 </a:t>
+            </a:r>
+            <a:r>
               <a:rPr lang="en-US" altLang="zh-CN" dirty="0"/>
               <a:t>GCC-4.9.2 </a:t>
             </a:r>
             <a:r>
               <a:rPr lang="zh-CN" altLang="en-US" dirty="0"/>
-              <a:t>源码包中的 </a:t>
+              <a:t>更容易供感兴趣的人从源码研究和学习。</a:t>
+            </a:r>
+          </a:p>
+          <a:p>
+            <a:r>
+              <a:rPr lang="zh-CN" altLang="en-US" dirty="0"/>
+              <a:t>相对于 </a:t>
             </a:r>
             <a:r>
               <a:rPr lang="en-US" altLang="zh-CN" dirty="0"/>
-              <a:t>gcc-4.9.2/</a:t>
+              <a:t>System V </a:t>
             </a:r>
             <a:r>
               <a:rPr lang="en-US" altLang="zh-CN" dirty="0" err="1"/>
-              <a:t>gcc</a:t>
-            </a:r>
-            <a:r>
-              <a:rPr lang="en-US" altLang="zh-CN" dirty="0"/>
-              <a:t>/cp/</a:t>
+              <a:t>init</a:t>
+            </a:r>
+            <a:r>
+              <a:rPr lang="zh-CN" altLang="en-US" dirty="0"/>
+              <a:t>，</a:t>
             </a:r>
             <a:r>
               <a:rPr lang="en-US" altLang="zh-CN" dirty="0" err="1"/>
-              <a:t>cfns.h</a:t>
+              <a:t>systemd</a:t>
             </a:r>
             <a:r>
               <a:rPr lang="en-US" altLang="zh-CN" dirty="0"/>
@@ -27745,36 +28451,71 @@
             </a:r>
             <a:r>
               <a:rPr lang="zh-CN" altLang="en-US" dirty="0"/>
-              <a:t>文件中出现编译错误。</a:t>
-            </a:r>
-          </a:p>
-          <a:p>
-            <a:r>
-              <a:rPr lang="zh-CN" altLang="en-US" dirty="0"/>
-              <a:t>从另一方面来说，这是一个锻炼机会，因为学过 </a:t>
+              <a:t>是 </a:t>
             </a:r>
             <a:r>
               <a:rPr lang="en-US" altLang="zh-CN" dirty="0"/>
-              <a:t>C </a:t>
-            </a:r>
-            <a:r>
-              <a:rPr lang="zh-CN" altLang="en-US" dirty="0"/>
-              <a:t>语言的同学有能力解决此问题。</a:t>
-            </a:r>
-            <a:endParaRPr lang="en-US" altLang="zh-CN" dirty="0"/>
-          </a:p>
-          <a:p>
-            <a:r>
-              <a:rPr lang="zh-CN" altLang="en-US" dirty="0"/>
-              <a:t>本实验指导书提供了一种解决方案，已经得到该实验的验证（即成功构建了本实验所需的 </a:t>
+              <a:t>Linux </a:t>
+            </a:r>
+            <a:r>
+              <a:rPr lang="zh-CN" altLang="en-US" dirty="0"/>
+              <a:t>上新出现的 </a:t>
+            </a:r>
+            <a:r>
+              <a:rPr lang="en-US" altLang="zh-CN" dirty="0" err="1"/>
+              <a:t>init</a:t>
             </a:r>
             <a:r>
               <a:rPr lang="en-US" altLang="zh-CN" dirty="0"/>
-              <a:t>LFS </a:t>
-            </a:r>
-            <a:r>
-              <a:rPr lang="zh-CN" altLang="en-US" dirty="0"/>
-              <a:t>目标系统）。</a:t>
+              <a:t> </a:t>
+            </a:r>
+            <a:r>
+              <a:rPr lang="zh-CN" altLang="en-US" dirty="0"/>
+              <a:t>实现之一。除了负责常规的启动过程，</a:t>
+            </a:r>
+            <a:r>
+              <a:rPr lang="en-US" altLang="zh-CN" dirty="0"/>
+              <a:t>system </a:t>
+            </a:r>
+            <a:r>
+              <a:rPr lang="zh-CN" altLang="en-US" dirty="0"/>
+              <a:t>还包含了一系列的 </a:t>
+            </a:r>
+            <a:r>
+              <a:rPr lang="en-US" altLang="zh-CN" dirty="0"/>
+              <a:t>Unix </a:t>
+            </a:r>
+            <a:r>
+              <a:rPr lang="zh-CN" altLang="en-US" dirty="0"/>
+              <a:t>标准服务，如 </a:t>
+            </a:r>
+            <a:r>
+              <a:rPr lang="en-US" altLang="zh-CN" dirty="0" err="1"/>
+              <a:t>cron</a:t>
+            </a:r>
+            <a:r>
+              <a:rPr lang="en-US" altLang="zh-CN" dirty="0"/>
+              <a:t> </a:t>
+            </a:r>
+            <a:r>
+              <a:rPr lang="zh-CN" altLang="en-US" dirty="0"/>
+              <a:t>和 </a:t>
+            </a:r>
+            <a:r>
+              <a:rPr lang="en-US" altLang="zh-CN" dirty="0" err="1"/>
+              <a:t>inetd</a:t>
+            </a:r>
+            <a:r>
+              <a:rPr lang="zh-CN" altLang="en-US" dirty="0"/>
+              <a:t>。可以借助本实验从源码研究和学习 </a:t>
+            </a:r>
+            <a:r>
+              <a:rPr lang="en-US" altLang="zh-CN" dirty="0" err="1"/>
+              <a:t>systemd</a:t>
+            </a:r>
+            <a:r>
+              <a:rPr lang="zh-CN" altLang="en-US" dirty="0"/>
+              <a:t>。</a:t>
             </a:r>
             <a:endParaRPr lang="en-US" altLang="zh-CN" dirty="0"/>
           </a:p>
@@ -27786,7 +28527,7 @@
     </p:spTree>
     <p:extLst>
       <p:ext uri="{BB962C8B-B14F-4D97-AF65-F5344CB8AC3E}">
-        <p14:creationId xmlns:p14="http://schemas.microsoft.com/office/powerpoint/2010/main" val="3889858877"/>
+        <p14:creationId xmlns:p14="http://schemas.microsoft.com/office/powerpoint/2010/main" val="417616095"/>
       </p:ext>
     </p:extLst>
   </p:cSld>
@@ -27830,7 +28571,7 @@
           <a:p>
             <a:r>
               <a:rPr lang="en-US" altLang="zh-CN" dirty="0"/>
-              <a:t>Man-DB-2.7.1 </a:t>
+              <a:t>GCC-4.9.2 </a:t>
             </a:r>
             <a:r>
               <a:rPr lang="zh-CN" altLang="en-US" dirty="0"/>
@@ -27855,6 +28596,145 @@
           <a:lstStyle/>
           <a:p>
             <a:r>
+              <a:rPr lang="en-US" altLang="zh-CN" dirty="0"/>
+              <a:t>GCC-4.9.2 </a:t>
+            </a:r>
+            <a:r>
+              <a:rPr lang="zh-CN" altLang="en-US" dirty="0"/>
+              <a:t>源码包中的 </a:t>
+            </a:r>
+            <a:r>
+              <a:rPr lang="en-US" altLang="zh-CN" dirty="0"/>
+              <a:t>gcc-4.9.2/</a:t>
+            </a:r>
+            <a:r>
+              <a:rPr lang="en-US" altLang="zh-CN" dirty="0" err="1"/>
+              <a:t>gcc</a:t>
+            </a:r>
+            <a:r>
+              <a:rPr lang="en-US" altLang="zh-CN" dirty="0"/>
+              <a:t>/cp/</a:t>
+            </a:r>
+            <a:r>
+              <a:rPr lang="en-US" altLang="zh-CN" dirty="0" err="1"/>
+              <a:t>cfns.h</a:t>
+            </a:r>
+            <a:r>
+              <a:rPr lang="en-US" altLang="zh-CN" dirty="0"/>
+              <a:t> </a:t>
+            </a:r>
+            <a:r>
+              <a:rPr lang="zh-CN" altLang="en-US" dirty="0"/>
+              <a:t>文件中出现编译错误。</a:t>
+            </a:r>
+          </a:p>
+          <a:p>
+            <a:r>
+              <a:rPr lang="zh-CN" altLang="en-US" dirty="0"/>
+              <a:t>从另一方面来说，这是一个锻炼机会，因为学过 </a:t>
+            </a:r>
+            <a:r>
+              <a:rPr lang="en-US" altLang="zh-CN" dirty="0"/>
+              <a:t>C </a:t>
+            </a:r>
+            <a:r>
+              <a:rPr lang="zh-CN" altLang="en-US" dirty="0"/>
+              <a:t>语言的同学有能力解决此问题。</a:t>
+            </a:r>
+            <a:endParaRPr lang="en-US" altLang="zh-CN" dirty="0"/>
+          </a:p>
+          <a:p>
+            <a:r>
+              <a:rPr lang="zh-CN" altLang="en-US" dirty="0"/>
+              <a:t>本实验指导书提供了一种解决方案，已经得到该实验的验证（即成功构建了本实验所需的 </a:t>
+            </a:r>
+            <a:r>
+              <a:rPr lang="en-US" altLang="zh-CN" dirty="0"/>
+              <a:t>LFS </a:t>
+            </a:r>
+            <a:r>
+              <a:rPr lang="zh-CN" altLang="en-US" dirty="0"/>
+              <a:t>目标系统）。</a:t>
+            </a:r>
+            <a:endParaRPr lang="en-US" altLang="zh-CN" dirty="0"/>
+          </a:p>
+          <a:p>
+            <a:endParaRPr lang="zh-CN" altLang="en-US" dirty="0"/>
+          </a:p>
+        </p:txBody>
+      </p:sp>
+    </p:spTree>
+    <p:extLst>
+      <p:ext uri="{BB962C8B-B14F-4D97-AF65-F5344CB8AC3E}">
+        <p14:creationId xmlns:p14="http://schemas.microsoft.com/office/powerpoint/2010/main" val="3889858877"/>
+      </p:ext>
+    </p:extLst>
+  </p:cSld>
+  <p:clrMapOvr>
+    <a:masterClrMapping/>
+  </p:clrMapOvr>
+</p:sld>
+</file>
+
+<file path=ppt/slides/slide27.xml><?xml version="1.0" encoding="utf-8"?>
+<p:sld xmlns:a="http://schemas.openxmlformats.org/drawingml/2006/main" xmlns:r="http://schemas.openxmlformats.org/officeDocument/2006/relationships" xmlns:p="http://schemas.openxmlformats.org/presentationml/2006/main">
+  <p:cSld>
+    <p:spTree>
+      <p:nvGrpSpPr>
+        <p:cNvPr id="1" name=""/>
+        <p:cNvGrpSpPr/>
+        <p:nvPr/>
+      </p:nvGrpSpPr>
+      <p:grpSpPr>
+        <a:xfrm>
+          <a:off x="0" y="0"/>
+          <a:ext cx="0" cy="0"/>
+          <a:chOff x="0" y="0"/>
+          <a:chExt cx="0" cy="0"/>
+        </a:xfrm>
+      </p:grpSpPr>
+      <p:sp>
+        <p:nvSpPr>
+          <p:cNvPr id="2" name="标题 1"/>
+          <p:cNvSpPr>
+            <a:spLocks noGrp="1"/>
+          </p:cNvSpPr>
+          <p:nvPr>
+            <p:ph type="title"/>
+          </p:nvPr>
+        </p:nvSpPr>
+        <p:spPr/>
+        <p:txBody>
+          <a:bodyPr/>
+          <a:lstStyle/>
+          <a:p>
+            <a:r>
+              <a:rPr lang="en-US" altLang="zh-CN" dirty="0"/>
+              <a:t>Man-DB-2.7.1 </a:t>
+            </a:r>
+            <a:r>
+              <a:rPr lang="zh-CN" altLang="en-US" dirty="0"/>
+              <a:t>编译问题</a:t>
+            </a:r>
+          </a:p>
+        </p:txBody>
+      </p:sp>
+      <p:sp>
+        <p:nvSpPr>
+          <p:cNvPr id="3" name="文本占位符 2"/>
+          <p:cNvSpPr>
+            <a:spLocks noGrp="1"/>
+          </p:cNvSpPr>
+          <p:nvPr>
+            <p:ph type="body" sz="quarter" idx="10"/>
+          </p:nvPr>
+        </p:nvSpPr>
+        <p:spPr/>
+        <p:txBody>
+          <a:bodyPr/>
+          <a:lstStyle/>
+          <a:p>
+            <a:r>
               <a:rPr lang="zh-CN" altLang="en-US" dirty="0"/>
               <a:t>在 </a:t>
             </a:r>
@@ -27923,7 +28803,7 @@
 </p:sld>
 </file>
 
-<file path=ppt/slides/slide27.xml><?xml version="1.0" encoding="utf-8"?>
+<file path=ppt/slides/slide28.xml><?xml version="1.0" encoding="utf-8"?>
 <p:sld xmlns:a="http://schemas.openxmlformats.org/drawingml/2006/main" xmlns:r="http://schemas.openxmlformats.org/officeDocument/2006/relationships" xmlns:p="http://schemas.openxmlformats.org/presentationml/2006/main">
   <p:cSld>
     <p:spTree>
@@ -28133,7 +29013,7 @@
 </p:sld>
 </file>
 
-<file path=ppt/slides/slide28.xml><?xml version="1.0" encoding="utf-8"?>
+<file path=ppt/slides/slide29.xml><?xml version="1.0" encoding="utf-8"?>
 <p:sld xmlns:a="http://schemas.openxmlformats.org/drawingml/2006/main" xmlns:r="http://schemas.openxmlformats.org/officeDocument/2006/relationships" xmlns:p="http://schemas.openxmlformats.org/presentationml/2006/main">
   <p:cSld>
     <p:spTree>
@@ -28227,72 +29107,6 @@
     <p:extLst>
       <p:ext uri="{BB962C8B-B14F-4D97-AF65-F5344CB8AC3E}">
         <p14:creationId xmlns:p14="http://schemas.microsoft.com/office/powerpoint/2010/main" val="3466996417"/>
-      </p:ext>
-    </p:extLst>
-  </p:cSld>
-  <p:clrMapOvr>
-    <a:masterClrMapping/>
-  </p:clrMapOvr>
-</p:sld>
-</file>
-
-<file path=ppt/slides/slide29.xml><?xml version="1.0" encoding="utf-8"?>
-<p:sld xmlns:a="http://schemas.openxmlformats.org/drawingml/2006/main" xmlns:r="http://schemas.openxmlformats.org/officeDocument/2006/relationships" xmlns:p="http://schemas.openxmlformats.org/presentationml/2006/main">
-  <p:cSld>
-    <p:spTree>
-      <p:nvGrpSpPr>
-        <p:cNvPr id="1" name=""/>
-        <p:cNvGrpSpPr/>
-        <p:nvPr/>
-      </p:nvGrpSpPr>
-      <p:grpSpPr>
-        <a:xfrm>
-          <a:off x="0" y="0"/>
-          <a:ext cx="0" cy="0"/>
-          <a:chOff x="0" y="0"/>
-          <a:chExt cx="0" cy="0"/>
-        </a:xfrm>
-      </p:grpSpPr>
-      <p:sp>
-        <p:nvSpPr>
-          <p:cNvPr id="2" name="文本占位符 1"/>
-          <p:cNvSpPr>
-            <a:spLocks noGrp="1"/>
-          </p:cNvSpPr>
-          <p:nvPr>
-            <p:ph type="body" sz="quarter" idx="10"/>
-          </p:nvPr>
-        </p:nvSpPr>
-        <p:spPr/>
-        <p:txBody>
-          <a:bodyPr/>
-          <a:lstStyle/>
-          <a:p>
-            <a:r>
-              <a:rPr lang="zh-CN" altLang="en-US" dirty="0"/>
-              <a:t>如何让构建速度更快？</a:t>
-            </a:r>
-            <a:endParaRPr lang="en-US" altLang="zh-CN" dirty="0"/>
-          </a:p>
-          <a:p>
-            <a:r>
-              <a:rPr lang="zh-CN" altLang="en-US" dirty="0"/>
-              <a:t>如何配置新系统的网络？</a:t>
-            </a:r>
-            <a:endParaRPr lang="en-US" altLang="zh-CN" dirty="0"/>
-          </a:p>
-          <a:p>
-            <a:r>
-              <a:rPr lang="zh-CN" altLang="en-US"/>
-              <a:t>如何将新系统分享给他人？</a:t>
-            </a:r>
-          </a:p>
-        </p:txBody>
-      </p:sp>
-    </p:spTree>
-    <p:extLst>
-      <p:ext uri="{BB962C8B-B14F-4D97-AF65-F5344CB8AC3E}">
-        <p14:creationId xmlns:p14="http://schemas.microsoft.com/office/powerpoint/2010/main" val="530091429"/>
       </p:ext>
     </p:extLst>
   </p:cSld>
@@ -28389,7 +29203,7 @@
       </p:grpSpPr>
       <p:sp>
         <p:nvSpPr>
-          <p:cNvPr id="3" name="文本占位符 2"/>
+          <p:cNvPr id="2" name="文本占位符 1"/>
           <p:cNvSpPr>
             <a:spLocks noGrp="1"/>
           </p:cNvSpPr>
@@ -28397,122 +29211,36 @@
             <p:ph type="body" sz="quarter" idx="10"/>
           </p:nvPr>
         </p:nvSpPr>
-        <p:spPr>
-          <a:xfrm>
-            <a:off x="1019175" y="1844675"/>
-            <a:ext cx="10153650" cy="4356100"/>
-          </a:xfrm>
-        </p:spPr>
+        <p:spPr/>
         <p:txBody>
           <a:bodyPr/>
           <a:lstStyle/>
           <a:p>
             <a:r>
-              <a:rPr lang="en-US" altLang="zh-CN" dirty="0" err="1"/>
-              <a:t>openEuler</a:t>
-            </a:r>
-            <a:r>
-              <a:rPr lang="en-US" altLang="zh-CN" dirty="0"/>
-              <a:t> </a:t>
-            </a:r>
-            <a:r>
-              <a:rPr lang="zh-CN" altLang="en-US" dirty="0"/>
-              <a:t>官网：</a:t>
-            </a:r>
-            <a:r>
-              <a:rPr lang="en-US" altLang="zh-CN" dirty="0">
-                <a:hlinkClick r:id="rId3"/>
-              </a:rPr>
-              <a:t>https://openeuler.org/</a:t>
+              <a:rPr lang="zh-CN" altLang="en-US" dirty="0"/>
+              <a:t>如何让构建速度更快？</a:t>
             </a:r>
             <a:endParaRPr lang="en-US" altLang="zh-CN" dirty="0"/>
           </a:p>
           <a:p>
             <a:r>
-              <a:rPr lang="zh-TW" altLang="en-US" dirty="0"/>
-              <a:t>项目托管地：</a:t>
-            </a:r>
-            <a:r>
-              <a:rPr lang="en-US" altLang="zh-CN" dirty="0">
-                <a:hlinkClick r:id="rId4"/>
-              </a:rPr>
-              <a:t>https://gitee.com/openeuler-practice-courses/lfs-course</a:t>
-            </a:r>
-            <a:r>
-              <a:rPr lang="en-US" altLang="zh-CN" dirty="0"/>
-              <a:t> </a:t>
-            </a:r>
-          </a:p>
-          <a:p>
-            <a:r>
-              <a:rPr lang="en-US" altLang="zh-CN" dirty="0"/>
-              <a:t>LFS </a:t>
-            </a:r>
-            <a:r>
-              <a:rPr lang="zh-CN" altLang="en-US" dirty="0"/>
-              <a:t>官网：</a:t>
-            </a:r>
-            <a:r>
-              <a:rPr lang="en-US" altLang="zh-CN" dirty="0"/>
-              <a:t> </a:t>
-            </a:r>
-            <a:r>
-              <a:rPr lang="en-US" altLang="zh-CN" dirty="0">
-                <a:hlinkClick r:id="rId5"/>
-              </a:rPr>
-              <a:t>https://www.linuxfromscratch.org/lfs/</a:t>
+              <a:rPr lang="zh-CN" altLang="en-US" dirty="0"/>
+              <a:t>如何配置新系统的网络？</a:t>
             </a:r>
             <a:endParaRPr lang="en-US" altLang="zh-CN" dirty="0"/>
           </a:p>
           <a:p>
             <a:r>
-              <a:rPr lang="zh-CN" altLang="en-US" dirty="0"/>
-              <a:t>鲲鹏生态官网：</a:t>
-            </a:r>
-            <a:r>
-              <a:rPr lang="en-US" altLang="zh-CN" dirty="0"/>
-              <a:t> </a:t>
-            </a:r>
-            <a:r>
-              <a:rPr lang="en-US" altLang="zh-CN" dirty="0">
-                <a:hlinkClick r:id="rId6"/>
-              </a:rPr>
-              <a:t>https://www.hikunpeng.com/zh/</a:t>
-            </a:r>
-            <a:endParaRPr lang="en-US" altLang="zh-CN" dirty="0"/>
-          </a:p>
-          <a:p>
-            <a:r>
-              <a:rPr lang="en-US" altLang="zh-CN" dirty="0" err="1"/>
-              <a:t>Gitee</a:t>
-            </a:r>
-            <a:r>
-              <a:rPr lang="zh-TW" altLang="en-US" dirty="0"/>
-              <a:t>工作流说明：</a:t>
-            </a:r>
-            <a:r>
-              <a:rPr lang="en-US" altLang="zh-CN" dirty="0">
-                <a:hlinkClick r:id="rId7"/>
-              </a:rPr>
-              <a:t>https://gitee.com/openeuler/community/blob/master/zh/contributors/Gitee-workflow.md</a:t>
-            </a:r>
-            <a:r>
-              <a:rPr lang="en-US" altLang="zh-CN" dirty="0"/>
-              <a:t> </a:t>
-            </a:r>
-          </a:p>
-          <a:p>
-            <a:endParaRPr lang="en-US" altLang="zh-CN" dirty="0"/>
-          </a:p>
-          <a:p>
-            <a:endParaRPr lang="zh-CN" altLang="en-US" dirty="0"/>
+              <a:rPr lang="zh-CN" altLang="en-US"/>
+              <a:t>如何将新系统分享给他人？</a:t>
+            </a:r>
           </a:p>
         </p:txBody>
       </p:sp>
     </p:spTree>
     <p:extLst>
       <p:ext uri="{BB962C8B-B14F-4D97-AF65-F5344CB8AC3E}">
-        <p14:creationId xmlns:p14="http://schemas.microsoft.com/office/powerpoint/2010/main" val="1724291223"/>
+        <p14:creationId xmlns:p14="http://schemas.microsoft.com/office/powerpoint/2010/main" val="530091429"/>
       </p:ext>
     </p:extLst>
   </p:cSld>
@@ -28549,6 +29277,158 @@
             <p:ph type="body" sz="quarter" idx="10"/>
           </p:nvPr>
         </p:nvSpPr>
+        <p:spPr>
+          <a:xfrm>
+            <a:off x="1019175" y="1844675"/>
+            <a:ext cx="10153650" cy="4356100"/>
+          </a:xfrm>
+        </p:spPr>
+        <p:txBody>
+          <a:bodyPr/>
+          <a:lstStyle/>
+          <a:p>
+            <a:r>
+              <a:rPr lang="en-US" altLang="zh-CN" dirty="0" err="1"/>
+              <a:t>openEuler</a:t>
+            </a:r>
+            <a:r>
+              <a:rPr lang="en-US" altLang="zh-CN" dirty="0"/>
+              <a:t> </a:t>
+            </a:r>
+            <a:r>
+              <a:rPr lang="zh-CN" altLang="en-US" dirty="0"/>
+              <a:t>官网：</a:t>
+            </a:r>
+            <a:r>
+              <a:rPr lang="en-US" altLang="zh-CN" dirty="0">
+                <a:hlinkClick r:id="rId3"/>
+              </a:rPr>
+              <a:t>https://openeuler.org/</a:t>
+            </a:r>
+            <a:endParaRPr lang="en-US" altLang="zh-CN" dirty="0"/>
+          </a:p>
+          <a:p>
+            <a:r>
+              <a:rPr lang="zh-TW" altLang="en-US" dirty="0"/>
+              <a:t>项目托管地：</a:t>
+            </a:r>
+            <a:r>
+              <a:rPr lang="en-US" altLang="zh-CN" dirty="0">
+                <a:hlinkClick r:id="rId4"/>
+              </a:rPr>
+              <a:t>https://gitee.com/openeuler-practice-courses/lfs-course</a:t>
+            </a:r>
+            <a:r>
+              <a:rPr lang="en-US" altLang="zh-CN" dirty="0"/>
+              <a:t> </a:t>
+            </a:r>
+          </a:p>
+          <a:p>
+            <a:r>
+              <a:rPr lang="en-US" altLang="zh-CN" dirty="0"/>
+              <a:t>LFS </a:t>
+            </a:r>
+            <a:r>
+              <a:rPr lang="zh-CN" altLang="en-US" dirty="0"/>
+              <a:t>官网：</a:t>
+            </a:r>
+            <a:r>
+              <a:rPr lang="en-US" altLang="zh-CN" dirty="0"/>
+              <a:t> </a:t>
+            </a:r>
+            <a:r>
+              <a:rPr lang="en-US" altLang="zh-CN" dirty="0">
+                <a:hlinkClick r:id="rId5"/>
+              </a:rPr>
+              <a:t>https://www.linuxfromscratch.org/lfs/</a:t>
+            </a:r>
+            <a:endParaRPr lang="en-US" altLang="zh-CN" dirty="0"/>
+          </a:p>
+          <a:p>
+            <a:r>
+              <a:rPr lang="zh-CN" altLang="en-US" dirty="0"/>
+              <a:t>鲲鹏生态官网：</a:t>
+            </a:r>
+            <a:r>
+              <a:rPr lang="en-US" altLang="zh-CN" dirty="0"/>
+              <a:t> </a:t>
+            </a:r>
+            <a:r>
+              <a:rPr lang="en-US" altLang="zh-CN" dirty="0">
+                <a:hlinkClick r:id="rId6"/>
+              </a:rPr>
+              <a:t>https://www.hikunpeng.com/zh/</a:t>
+            </a:r>
+            <a:endParaRPr lang="en-US" altLang="zh-CN" dirty="0"/>
+          </a:p>
+          <a:p>
+            <a:r>
+              <a:rPr lang="en-US" altLang="zh-CN" dirty="0" err="1"/>
+              <a:t>Gitee</a:t>
+            </a:r>
+            <a:r>
+              <a:rPr lang="zh-TW" altLang="en-US" dirty="0"/>
+              <a:t>工作流说明：</a:t>
+            </a:r>
+            <a:r>
+              <a:rPr lang="en-US" altLang="zh-CN" dirty="0">
+                <a:hlinkClick r:id="rId7"/>
+              </a:rPr>
+              <a:t>https://gitee.com/openeuler/community/blob/master/zh/contributors/Gitee-workflow.md</a:t>
+            </a:r>
+            <a:r>
+              <a:rPr lang="en-US" altLang="zh-CN" dirty="0"/>
+              <a:t> </a:t>
+            </a:r>
+          </a:p>
+          <a:p>
+            <a:endParaRPr lang="en-US" altLang="zh-CN" dirty="0"/>
+          </a:p>
+          <a:p>
+            <a:endParaRPr lang="zh-CN" altLang="en-US" dirty="0"/>
+          </a:p>
+        </p:txBody>
+      </p:sp>
+    </p:spTree>
+    <p:extLst>
+      <p:ext uri="{BB962C8B-B14F-4D97-AF65-F5344CB8AC3E}">
+        <p14:creationId xmlns:p14="http://schemas.microsoft.com/office/powerpoint/2010/main" val="1724291223"/>
+      </p:ext>
+    </p:extLst>
+  </p:cSld>
+  <p:clrMapOvr>
+    <a:masterClrMapping/>
+  </p:clrMapOvr>
+</p:sld>
+</file>
+
+<file path=ppt/slides/slide32.xml><?xml version="1.0" encoding="utf-8"?>
+<p:sld xmlns:a="http://schemas.openxmlformats.org/drawingml/2006/main" xmlns:r="http://schemas.openxmlformats.org/officeDocument/2006/relationships" xmlns:p="http://schemas.openxmlformats.org/presentationml/2006/main">
+  <p:cSld>
+    <p:spTree>
+      <p:nvGrpSpPr>
+        <p:cNvPr id="1" name=""/>
+        <p:cNvGrpSpPr/>
+        <p:nvPr/>
+      </p:nvGrpSpPr>
+      <p:grpSpPr>
+        <a:xfrm>
+          <a:off x="0" y="0"/>
+          <a:ext cx="0" cy="0"/>
+          <a:chOff x="0" y="0"/>
+          <a:chExt cx="0" cy="0"/>
+        </a:xfrm>
+      </p:grpSpPr>
+      <p:sp>
+        <p:nvSpPr>
+          <p:cNvPr id="3" name="文本占位符 2"/>
+          <p:cNvSpPr>
+            <a:spLocks noGrp="1"/>
+          </p:cNvSpPr>
+          <p:nvPr>
+            <p:ph type="body" sz="quarter" idx="10"/>
+          </p:nvPr>
+        </p:nvSpPr>
         <p:spPr/>
         <p:txBody>
           <a:bodyPr/>
@@ -28661,7 +29541,7 @@
 </p:sld>
 </file>
 
-<file path=ppt/slides/slide32.xml><?xml version="1.0" encoding="utf-8"?>
+<file path=ppt/slides/slide33.xml><?xml version="1.0" encoding="utf-8"?>
 <p:sld xmlns:a="http://schemas.openxmlformats.org/drawingml/2006/main" xmlns:r="http://schemas.openxmlformats.org/officeDocument/2006/relationships" xmlns:p="http://schemas.openxmlformats.org/presentationml/2006/main">
   <p:cSld>
     <p:spTree>
@@ -29348,7 +30228,7 @@
 </p:sld>
 </file>
 
-<file path=ppt/slides/slide33.xml><?xml version="1.0" encoding="utf-8"?>
+<file path=ppt/slides/slide34.xml><?xml version="1.0" encoding="utf-8"?>
 <p:sld xmlns:a="http://schemas.openxmlformats.org/drawingml/2006/main" xmlns:r="http://schemas.openxmlformats.org/officeDocument/2006/relationships" xmlns:p="http://schemas.openxmlformats.org/presentationml/2006/main">
   <p:cSld>
     <p:spTree>
@@ -29492,6 +30372,95 @@
 </file>
 
 <file path=ppt/slides/slide5.xml><?xml version="1.0" encoding="utf-8"?>
+<p:sld xmlns:a="http://schemas.openxmlformats.org/drawingml/2006/main" xmlns:r="http://schemas.openxmlformats.org/officeDocument/2006/relationships" xmlns:p="http://schemas.openxmlformats.org/presentationml/2006/main">
+  <p:cSld>
+    <p:spTree>
+      <p:nvGrpSpPr>
+        <p:cNvPr id="1" name=""/>
+        <p:cNvGrpSpPr/>
+        <p:nvPr/>
+      </p:nvGrpSpPr>
+      <p:grpSpPr>
+        <a:xfrm>
+          <a:off x="0" y="0"/>
+          <a:ext cx="0" cy="0"/>
+          <a:chOff x="0" y="0"/>
+          <a:chExt cx="0" cy="0"/>
+        </a:xfrm>
+      </p:grpSpPr>
+      <p:sp>
+        <p:nvSpPr>
+          <p:cNvPr id="2" name="标题 1"/>
+          <p:cNvSpPr>
+            <a:spLocks noGrp="1"/>
+          </p:cNvSpPr>
+          <p:nvPr>
+            <p:ph type="title"/>
+          </p:nvPr>
+        </p:nvSpPr>
+        <p:spPr/>
+        <p:txBody>
+          <a:bodyPr/>
+          <a:lstStyle/>
+          <a:p>
+            <a:r>
+              <a:rPr lang="en-US" altLang="zh-CN" dirty="0"/>
+              <a:t>What is Linux From Scratch?</a:t>
+            </a:r>
+            <a:endParaRPr lang="zh-CN" altLang="en-US" dirty="0"/>
+          </a:p>
+        </p:txBody>
+      </p:sp>
+      <p:sp>
+        <p:nvSpPr>
+          <p:cNvPr id="3" name="文本占位符 2"/>
+          <p:cNvSpPr>
+            <a:spLocks noGrp="1"/>
+          </p:cNvSpPr>
+          <p:nvPr>
+            <p:ph type="body" sz="quarter" idx="10"/>
+          </p:nvPr>
+        </p:nvSpPr>
+        <p:spPr/>
+        <p:txBody>
+          <a:bodyPr/>
+          <a:lstStyle/>
+          <a:p>
+            <a:r>
+              <a:rPr lang="en-US" altLang="zh-CN" dirty="0"/>
+              <a:t>Linux From Scratch (LFS) is a project that provides you with step-by-step instructions for building your own customized Linux system entirely from source.</a:t>
+            </a:r>
+          </a:p>
+          <a:p>
+            <a:pPr lvl="1"/>
+            <a:r>
+              <a:rPr lang="en-US" altLang="zh-CN" dirty="0"/>
+              <a:t>LFS teaches people how a Linux system works internally.</a:t>
+            </a:r>
+          </a:p>
+          <a:p>
+            <a:pPr lvl="2"/>
+            <a:r>
+              <a:rPr lang="en-US" altLang="zh-CN" dirty="0"/>
+              <a:t>Building LFS teaches you about all that makes Linux tick, how things work together and depend on each other. And most importantly, how to customize it to your own tastes and needs.</a:t>
+            </a:r>
+          </a:p>
+        </p:txBody>
+      </p:sp>
+    </p:spTree>
+    <p:extLst>
+      <p:ext uri="{BB962C8B-B14F-4D97-AF65-F5344CB8AC3E}">
+        <p14:creationId xmlns:p14="http://schemas.microsoft.com/office/powerpoint/2010/main" val="4277210983"/>
+      </p:ext>
+    </p:extLst>
+  </p:cSld>
+  <p:clrMapOvr>
+    <a:masterClrMapping/>
+  </p:clrMapOvr>
+</p:sld>
+</file>
+
+<file path=ppt/slides/slide6.xml><?xml version="1.0" encoding="utf-8"?>
 <p:sld xmlns:a="http://schemas.openxmlformats.org/drawingml/2006/main" xmlns:r="http://schemas.openxmlformats.org/officeDocument/2006/relationships" xmlns:p="http://schemas.openxmlformats.org/presentationml/2006/main">
   <p:cSld>
     <p:spTree>
@@ -29746,7 +30715,7 @@
 </p:sld>
 </file>
 
-<file path=ppt/slides/slide6.xml><?xml version="1.0" encoding="utf-8"?>
+<file path=ppt/slides/slide7.xml><?xml version="1.0" encoding="utf-8"?>
 <p:sld xmlns:a="http://schemas.openxmlformats.org/drawingml/2006/main" xmlns:r="http://schemas.openxmlformats.org/officeDocument/2006/relationships" xmlns:p="http://schemas.openxmlformats.org/presentationml/2006/main">
   <p:cSld>
     <p:spTree>
@@ -29893,7 +30862,7 @@
 </p:sld>
 </file>
 
-<file path=ppt/slides/slide7.xml><?xml version="1.0" encoding="utf-8"?>
+<file path=ppt/slides/slide8.xml><?xml version="1.0" encoding="utf-8"?>
 <p:sld xmlns:a="http://schemas.openxmlformats.org/drawingml/2006/main" xmlns:r="http://schemas.openxmlformats.org/officeDocument/2006/relationships" xmlns:p="http://schemas.openxmlformats.org/presentationml/2006/main">
   <p:cSld>
     <p:spTree>
@@ -29997,504 +30966,6 @@
     <p:extLst>
       <p:ext uri="{BB962C8B-B14F-4D97-AF65-F5344CB8AC3E}">
         <p14:creationId xmlns:p14="http://schemas.microsoft.com/office/powerpoint/2010/main" val="3526383246"/>
-      </p:ext>
-    </p:extLst>
-  </p:cSld>
-  <p:clrMapOvr>
-    <a:masterClrMapping/>
-  </p:clrMapOvr>
-</p:sld>
-</file>
-
-<file path=ppt/slides/slide8.xml><?xml version="1.0" encoding="utf-8"?>
-<p:sld xmlns:a="http://schemas.openxmlformats.org/drawingml/2006/main" xmlns:r="http://schemas.openxmlformats.org/officeDocument/2006/relationships" xmlns:p="http://schemas.openxmlformats.org/presentationml/2006/main">
-  <p:cSld>
-    <p:spTree>
-      <p:nvGrpSpPr>
-        <p:cNvPr id="1" name=""/>
-        <p:cNvGrpSpPr/>
-        <p:nvPr/>
-      </p:nvGrpSpPr>
-      <p:grpSpPr>
-        <a:xfrm>
-          <a:off x="0" y="0"/>
-          <a:ext cx="0" cy="0"/>
-          <a:chOff x="0" y="0"/>
-          <a:chExt cx="0" cy="0"/>
-        </a:xfrm>
-      </p:grpSpPr>
-      <p:sp>
-        <p:nvSpPr>
-          <p:cNvPr id="3" name="标题 2"/>
-          <p:cNvSpPr>
-            <a:spLocks noGrp="1"/>
-          </p:cNvSpPr>
-          <p:nvPr>
-            <p:ph type="title"/>
-          </p:nvPr>
-        </p:nvSpPr>
-        <p:spPr/>
-        <p:txBody>
-          <a:bodyPr/>
-          <a:lstStyle/>
-          <a:p>
-            <a:r>
-              <a:rPr lang="zh-CN" altLang="en-US" dirty="0"/>
-              <a:t>交叉编译过程</a:t>
-            </a:r>
-          </a:p>
-        </p:txBody>
-      </p:sp>
-      <p:sp>
-        <p:nvSpPr>
-          <p:cNvPr id="2" name="TextBox 1"/>
-          <p:cNvSpPr txBox="1"/>
-          <p:nvPr/>
-        </p:nvSpPr>
-        <p:spPr>
-          <a:xfrm>
-            <a:off x="452438" y="944563"/>
-            <a:ext cx="8180118" cy="400110"/>
-          </a:xfrm>
-          <a:prstGeom prst="rect">
-            <a:avLst/>
-          </a:prstGeom>
-          <a:noFill/>
-        </p:spPr>
-        <p:txBody>
-          <a:bodyPr wrap="square" rtlCol="0">
-            <a:spAutoFit/>
-          </a:bodyPr>
-          <a:lstStyle/>
-          <a:p>
-            <a:r>
-              <a:rPr lang="zh-CN" altLang="en-US" sz="2000" dirty="0"/>
-              <a:t>简单地说，交叉编译是在一个平台上生成另一个平台上的可执行代码。</a:t>
-            </a:r>
-          </a:p>
-        </p:txBody>
-      </p:sp>
-      <p:sp>
-        <p:nvSpPr>
-          <p:cNvPr id="5" name="TextBox 4"/>
-          <p:cNvSpPr txBox="1"/>
-          <p:nvPr/>
-        </p:nvSpPr>
-        <p:spPr>
-          <a:xfrm>
-            <a:off x="452438" y="1416835"/>
-            <a:ext cx="6817883" cy="4770537"/>
-          </a:xfrm>
-          <a:prstGeom prst="rect">
-            <a:avLst/>
-          </a:prstGeom>
-          <a:noFill/>
-        </p:spPr>
-        <p:txBody>
-          <a:bodyPr wrap="square" rtlCol="0">
-            <a:spAutoFit/>
-          </a:bodyPr>
-          <a:lstStyle/>
-          <a:p>
-            <a:r>
-              <a:rPr lang="zh-CN" altLang="en-US" sz="1600" dirty="0"/>
-              <a:t>在 </a:t>
-            </a:r>
-            <a:r>
-              <a:rPr lang="en-US" altLang="zh-CN" sz="1600" dirty="0"/>
-              <a:t>x64 </a:t>
-            </a:r>
-            <a:r>
-              <a:rPr lang="zh-CN" altLang="en-US" sz="1600" dirty="0"/>
-              <a:t>架构上进行</a:t>
-            </a:r>
-            <a:r>
-              <a:rPr lang="zh-TW" altLang="en-US" sz="1600" dirty="0"/>
-              <a:t>交叉编译过程演示</a:t>
-            </a:r>
-            <a:r>
-              <a:rPr lang="zh-CN" altLang="en-US" sz="1600" dirty="0"/>
-              <a:t>。</a:t>
-            </a:r>
-            <a:endParaRPr lang="en-US" altLang="zh-TW" sz="1600" dirty="0"/>
-          </a:p>
-          <a:p>
-            <a:endParaRPr lang="zh-TW" altLang="en-US" sz="1600" dirty="0"/>
-          </a:p>
-          <a:p>
-            <a:pPr marL="342900" indent="-342900">
-              <a:buAutoNum type="arabicParenBoth"/>
-            </a:pPr>
-            <a:r>
-              <a:rPr lang="zh-TW" altLang="en-US" sz="1600" dirty="0"/>
-              <a:t>安装开发工具： </a:t>
-            </a:r>
-            <a:endParaRPr lang="en-US" altLang="zh-TW" sz="1600" dirty="0"/>
-          </a:p>
-          <a:p>
-            <a:r>
-              <a:rPr lang="en-US" altLang="zh-CN" sz="1600" dirty="0"/>
-              <a:t>yum </a:t>
-            </a:r>
-            <a:r>
-              <a:rPr lang="en-US" altLang="zh-CN" sz="1600" dirty="0" err="1"/>
-              <a:t>groupinstall</a:t>
-            </a:r>
-            <a:r>
-              <a:rPr lang="en-US" altLang="zh-CN" sz="1600" dirty="0"/>
-              <a:t> "Development tools" –y</a:t>
-            </a:r>
-          </a:p>
-          <a:p>
-            <a:endParaRPr lang="en-US" altLang="zh-TW" sz="1600" dirty="0"/>
-          </a:p>
-          <a:p>
-            <a:r>
-              <a:rPr lang="en-US" altLang="zh-TW" sz="1600" dirty="0"/>
-              <a:t>(2) </a:t>
-            </a:r>
-            <a:r>
-              <a:rPr lang="zh-CN" altLang="en-US" sz="1600" dirty="0"/>
-              <a:t>下载</a:t>
-            </a:r>
-            <a:r>
-              <a:rPr lang="zh-TW" altLang="en-US" sz="1600" dirty="0"/>
-              <a:t>交叉编译工具： </a:t>
-            </a:r>
-            <a:endParaRPr lang="en-US" altLang="zh-TW" sz="1600" dirty="0"/>
-          </a:p>
-          <a:p>
-            <a:r>
-              <a:rPr lang="en-US" altLang="zh-CN" sz="1600" dirty="0" err="1"/>
-              <a:t>mkdir</a:t>
-            </a:r>
-            <a:r>
-              <a:rPr lang="en-US" altLang="zh-CN" sz="1600" dirty="0"/>
-              <a:t> /</a:t>
-            </a:r>
-            <a:r>
-              <a:rPr lang="en-US" altLang="zh-CN" sz="1600" dirty="0" err="1"/>
-              <a:t>usr</a:t>
-            </a:r>
-            <a:r>
-              <a:rPr lang="en-US" altLang="zh-CN" sz="1600" dirty="0"/>
-              <a:t>/local/arm-toolchain</a:t>
-            </a:r>
-          </a:p>
-          <a:p>
-            <a:r>
-              <a:rPr lang="en-US" altLang="zh-CN" sz="1600" dirty="0"/>
-              <a:t>cd /</a:t>
-            </a:r>
-            <a:r>
-              <a:rPr lang="en-US" altLang="zh-CN" sz="1600" dirty="0" err="1"/>
-              <a:t>usr</a:t>
-            </a:r>
-            <a:r>
-              <a:rPr lang="en-US" altLang="zh-CN" sz="1600" dirty="0"/>
-              <a:t>/local/arm-toolchain/</a:t>
-            </a:r>
-          </a:p>
-          <a:p>
-            <a:r>
-              <a:rPr lang="da-DK" altLang="zh-CN" sz="1600" dirty="0"/>
-              <a:t>wget </a:t>
-            </a:r>
-            <a:r>
-              <a:rPr lang="da-DK" altLang="zh-CN" sz="1600" dirty="0">
-                <a:hlinkClick r:id="rId3"/>
-              </a:rPr>
-              <a:t>https://releases.linaro.org/components/toolchain/binaries/latest-7/aarch64-linux-gnu/gcc-linaro-7.5.0-2019.12-x86_64_aarch64-linux-gnu.tar.xz</a:t>
-            </a:r>
-            <a:endParaRPr lang="da-DK" altLang="zh-CN" sz="1600" dirty="0"/>
-          </a:p>
-          <a:p>
-            <a:r>
-              <a:rPr lang="en-US" altLang="zh-CN" sz="1600" dirty="0"/>
-              <a:t>tar -</a:t>
-            </a:r>
-            <a:r>
-              <a:rPr lang="en-US" altLang="zh-CN" sz="1600" dirty="0" err="1"/>
-              <a:t>xvf</a:t>
-            </a:r>
-            <a:r>
-              <a:rPr lang="en-US" altLang="zh-CN" sz="1600" dirty="0"/>
-              <a:t> gcc-linaro-7.5.0-2019.12-x86_64_aarch64-linux-gnu.tar.xz</a:t>
-            </a:r>
-          </a:p>
-          <a:p>
-            <a:endParaRPr lang="en-US" altLang="zh-CN" sz="1600" dirty="0"/>
-          </a:p>
-          <a:p>
-            <a:r>
-              <a:rPr lang="en-US" altLang="zh-CN" sz="1600" dirty="0"/>
-              <a:t>(3) </a:t>
-            </a:r>
-            <a:r>
-              <a:rPr lang="zh-CN" altLang="en-US" sz="1600" dirty="0"/>
-              <a:t>修改并更新环境变量</a:t>
-            </a:r>
-            <a:endParaRPr lang="en-US" altLang="zh-CN" sz="1600" dirty="0"/>
-          </a:p>
-          <a:p>
-            <a:r>
-              <a:rPr lang="en-US" altLang="zh-CN" sz="1600" dirty="0"/>
-              <a:t>cp /</a:t>
-            </a:r>
-            <a:r>
-              <a:rPr lang="en-US" altLang="zh-CN" sz="1600" dirty="0" err="1"/>
-              <a:t>etc</a:t>
-            </a:r>
-            <a:r>
-              <a:rPr lang="en-US" altLang="zh-CN" sz="1600" dirty="0"/>
-              <a:t>/profile{,.origin}</a:t>
-            </a:r>
-          </a:p>
-          <a:p>
-            <a:r>
-              <a:rPr lang="en-US" altLang="zh-CN" sz="1600" dirty="0"/>
-              <a:t>echo "export PATH=$PATH:/</a:t>
-            </a:r>
-            <a:r>
-              <a:rPr lang="en-US" altLang="zh-CN" sz="1600" dirty="0" err="1"/>
-              <a:t>usr</a:t>
-            </a:r>
-            <a:r>
-              <a:rPr lang="en-US" altLang="zh-CN" sz="1600" dirty="0"/>
-              <a:t>/local/arm-toolchain/gcc-linaro-7.5.0-2019.12-x86_64_aarch64-linux-gnu/bin" &gt;&gt; /</a:t>
-            </a:r>
-            <a:r>
-              <a:rPr lang="en-US" altLang="zh-CN" sz="1600" dirty="0" err="1"/>
-              <a:t>etc</a:t>
-            </a:r>
-            <a:r>
-              <a:rPr lang="en-US" altLang="zh-CN" sz="1600" dirty="0"/>
-              <a:t>/profile</a:t>
-            </a:r>
-          </a:p>
-          <a:p>
-            <a:r>
-              <a:rPr lang="en-US" altLang="zh-CN" sz="1600" dirty="0"/>
-              <a:t>source /</a:t>
-            </a:r>
-            <a:r>
-              <a:rPr lang="en-US" altLang="zh-CN" sz="1600" dirty="0" err="1"/>
-              <a:t>etc</a:t>
-            </a:r>
-            <a:r>
-              <a:rPr lang="en-US" altLang="zh-CN" sz="1600" dirty="0"/>
-              <a:t>/profile</a:t>
-            </a:r>
-          </a:p>
-          <a:p>
-            <a:endParaRPr lang="zh-CN" altLang="en-US" sz="1600" dirty="0"/>
-          </a:p>
-        </p:txBody>
-      </p:sp>
-      <p:sp>
-        <p:nvSpPr>
-          <p:cNvPr id="7" name="TextBox 6">
-            <a:extLst>
-              <a:ext uri="{FF2B5EF4-FFF2-40B4-BE49-F238E27FC236}">
-                <a16:creationId xmlns:a16="http://schemas.microsoft.com/office/drawing/2014/main" id="{060E419F-F989-481D-ABD7-46819C7D0EB1}"/>
-              </a:ext>
-            </a:extLst>
-          </p:cNvPr>
-          <p:cNvSpPr txBox="1"/>
-          <p:nvPr/>
-        </p:nvSpPr>
-        <p:spPr>
-          <a:xfrm>
-            <a:off x="7343250" y="1563473"/>
-            <a:ext cx="4405838" cy="4031873"/>
-          </a:xfrm>
-          <a:prstGeom prst="rect">
-            <a:avLst/>
-          </a:prstGeom>
-          <a:noFill/>
-        </p:spPr>
-        <p:txBody>
-          <a:bodyPr wrap="square" rtlCol="0">
-            <a:spAutoFit/>
-          </a:bodyPr>
-          <a:lstStyle/>
-          <a:p>
-            <a:r>
-              <a:rPr lang="en-US" altLang="zh-CN" sz="1600" dirty="0"/>
-              <a:t>(4) </a:t>
-            </a:r>
-            <a:r>
-              <a:rPr lang="zh-CN" altLang="en-US" sz="1600" dirty="0"/>
-              <a:t>验证交叉编译工具</a:t>
-            </a:r>
-            <a:endParaRPr lang="en-US" altLang="zh-CN" sz="1600" dirty="0"/>
-          </a:p>
-          <a:p>
-            <a:r>
-              <a:rPr lang="en-US" altLang="zh-CN" sz="1600" dirty="0"/>
-              <a:t>aarch64-linux-gnu-gcc –v</a:t>
-            </a:r>
-          </a:p>
-          <a:p>
-            <a:endParaRPr lang="en-US" altLang="zh-CN" sz="1600" dirty="0"/>
-          </a:p>
-          <a:p>
-            <a:r>
-              <a:rPr lang="en-US" altLang="zh-CN" sz="1600" dirty="0"/>
-              <a:t>(5) </a:t>
-            </a:r>
-            <a:r>
-              <a:rPr lang="zh-CN" altLang="en-US" sz="1600" dirty="0"/>
-              <a:t>利用交叉编译工具编译</a:t>
-            </a:r>
-            <a:endParaRPr lang="en-US" altLang="zh-CN" sz="1600" dirty="0"/>
-          </a:p>
-          <a:p>
-            <a:r>
-              <a:rPr lang="en-US" altLang="zh-CN" sz="1600" dirty="0"/>
-              <a:t>cat &gt; ./</a:t>
-            </a:r>
-            <a:r>
-              <a:rPr lang="en-US" altLang="zh-CN" sz="1600" dirty="0" err="1"/>
-              <a:t>hello.c</a:t>
-            </a:r>
-            <a:r>
-              <a:rPr lang="en-US" altLang="zh-CN" sz="1600" dirty="0"/>
-              <a:t> &lt;&lt; "EOF"</a:t>
-            </a:r>
-          </a:p>
-          <a:p>
-            <a:r>
-              <a:rPr lang="en-US" altLang="zh-CN" sz="1600" dirty="0"/>
-              <a:t>#include &lt;</a:t>
-            </a:r>
-            <a:r>
-              <a:rPr lang="en-US" altLang="zh-CN" sz="1600" dirty="0" err="1"/>
-              <a:t>stdio.h</a:t>
-            </a:r>
-            <a:r>
-              <a:rPr lang="en-US" altLang="zh-CN" sz="1600" dirty="0"/>
-              <a:t>&gt;</a:t>
-            </a:r>
-          </a:p>
-          <a:p>
-            <a:r>
-              <a:rPr lang="en-US" altLang="zh-CN" sz="1600" dirty="0"/>
-              <a:t>int main() {</a:t>
-            </a:r>
-          </a:p>
-          <a:p>
-            <a:r>
-              <a:rPr lang="en-US" altLang="zh-CN" sz="1600" dirty="0"/>
-              <a:t>    </a:t>
-            </a:r>
-            <a:r>
-              <a:rPr lang="en-US" altLang="zh-CN" sz="1600" dirty="0" err="1"/>
-              <a:t>printf</a:t>
-            </a:r>
-            <a:r>
-              <a:rPr lang="en-US" altLang="zh-CN" sz="1600" dirty="0"/>
-              <a:t>("Hello, </a:t>
-            </a:r>
-            <a:r>
-              <a:rPr lang="en-US" altLang="zh-CN" sz="1600" dirty="0" err="1"/>
-              <a:t>Kunpeng</a:t>
-            </a:r>
-            <a:r>
-              <a:rPr lang="en-US" altLang="zh-CN" sz="1600" dirty="0"/>
-              <a:t>!\n");</a:t>
-            </a:r>
-          </a:p>
-          <a:p>
-            <a:r>
-              <a:rPr lang="en-US" altLang="zh-CN" sz="1600" dirty="0"/>
-              <a:t>    return 0;</a:t>
-            </a:r>
-          </a:p>
-          <a:p>
-            <a:r>
-              <a:rPr lang="en-US" altLang="zh-CN" sz="1600" dirty="0"/>
-              <a:t>}</a:t>
-            </a:r>
-          </a:p>
-          <a:p>
-            <a:r>
-              <a:rPr lang="en-US" altLang="zh-CN" sz="1600" dirty="0"/>
-              <a:t>EOF</a:t>
-            </a:r>
-          </a:p>
-          <a:p>
-            <a:r>
-              <a:rPr lang="en-US" altLang="zh-CN" sz="1600" dirty="0"/>
-              <a:t>aarch64-linux-gnu-gcc </a:t>
-            </a:r>
-            <a:r>
-              <a:rPr lang="en-US" altLang="zh-CN" sz="1600" dirty="0" err="1"/>
-              <a:t>hello.c</a:t>
-            </a:r>
-            <a:r>
-              <a:rPr lang="en-US" altLang="zh-CN" sz="1600" dirty="0"/>
-              <a:t> -o hello-</a:t>
-            </a:r>
-            <a:r>
-              <a:rPr lang="en-US" altLang="zh-CN" sz="1600" dirty="0" err="1"/>
-              <a:t>kp</a:t>
-            </a:r>
-            <a:endParaRPr lang="en-US" altLang="zh-CN" sz="1600" dirty="0"/>
-          </a:p>
-          <a:p>
-            <a:r>
-              <a:rPr lang="en-US" altLang="zh-CN" sz="1600" dirty="0"/>
-              <a:t>./hello-</a:t>
-            </a:r>
-            <a:r>
-              <a:rPr lang="en-US" altLang="zh-CN" sz="1600" dirty="0" err="1"/>
-              <a:t>kp</a:t>
-            </a:r>
-            <a:endParaRPr lang="en-US" altLang="zh-CN" sz="1600" dirty="0"/>
-          </a:p>
-          <a:p>
-            <a:r>
-              <a:rPr lang="en-US" altLang="zh-CN" sz="1600" dirty="0"/>
-              <a:t>file hello-</a:t>
-            </a:r>
-            <a:r>
-              <a:rPr lang="en-US" altLang="zh-CN" sz="1600" dirty="0" err="1"/>
-              <a:t>kp</a:t>
-            </a:r>
-            <a:endParaRPr lang="en-US" altLang="zh-CN" sz="1600" dirty="0"/>
-          </a:p>
-          <a:p>
-            <a:endParaRPr lang="en-US" altLang="zh-CN" sz="1600" dirty="0"/>
-          </a:p>
-          <a:p>
-            <a:r>
-              <a:rPr lang="en-US" altLang="zh-CN" sz="1600" dirty="0"/>
-              <a:t>(6) </a:t>
-            </a:r>
-            <a:r>
-              <a:rPr lang="zh-CN" altLang="en-US" sz="1600" dirty="0"/>
-              <a:t>将此可执行文件放在 </a:t>
-            </a:r>
-            <a:r>
-              <a:rPr lang="en-US" altLang="zh-CN" sz="1600" dirty="0" err="1"/>
-              <a:t>Kunpeng</a:t>
-            </a:r>
-            <a:r>
-              <a:rPr lang="en-US" altLang="zh-CN" sz="1600" dirty="0"/>
-              <a:t> </a:t>
-            </a:r>
-            <a:r>
-              <a:rPr lang="zh-CN" altLang="en-US" sz="1600" dirty="0"/>
-              <a:t>平台上验证。</a:t>
-            </a:r>
-          </a:p>
-        </p:txBody>
-      </p:sp>
-    </p:spTree>
-    <p:extLst>
-      <p:ext uri="{BB962C8B-B14F-4D97-AF65-F5344CB8AC3E}">
-        <p14:creationId xmlns:p14="http://schemas.microsoft.com/office/powerpoint/2010/main" val="4010802664"/>
       </p:ext>
     </p:extLst>
   </p:cSld>
@@ -30537,12 +31008,8 @@
           <a:lstStyle/>
           <a:p>
             <a:r>
-              <a:rPr lang="en-US" altLang="zh-CN" dirty="0"/>
-              <a:t>LFS </a:t>
-            </a:r>
-            <a:r>
-              <a:rPr lang="zh-CN" altLang="en-US" dirty="0"/>
-              <a:t>构建过程（利用交叉编译原理）</a:t>
+              <a:rPr lang="zh-CN" altLang="en-US" dirty="0"/>
+              <a:t>交叉编译过程</a:t>
             </a:r>
           </a:p>
         </p:txBody>
@@ -30555,8 +31022,8 @@
         </p:nvSpPr>
         <p:spPr>
           <a:xfrm>
-            <a:off x="452438" y="948718"/>
-            <a:ext cx="5537915" cy="400110"/>
+            <a:off x="452438" y="944563"/>
+            <a:ext cx="8180118" cy="400110"/>
           </a:xfrm>
           <a:prstGeom prst="rect">
             <a:avLst/>
@@ -30570,629 +31037,12 @@
           <a:lstStyle/>
           <a:p>
             <a:r>
-              <a:rPr lang="en-US" altLang="zh-CN" sz="2000" dirty="0"/>
-              <a:t>LFS</a:t>
-            </a:r>
-            <a:r>
               <a:rPr lang="zh-CN" altLang="en-US" sz="2000" dirty="0"/>
-              <a:t>的交叉编译实现：</a:t>
+              <a:t>简单地说，交叉编译是在一个平台上生成另一个平台上的可执行代码。</a:t>
             </a:r>
           </a:p>
         </p:txBody>
       </p:sp>
-      <p:graphicFrame>
-        <p:nvGraphicFramePr>
-          <p:cNvPr id="4" name="表格 2"/>
-          <p:cNvGraphicFramePr>
-            <a:graphicFrameLocks noGrp="1"/>
-          </p:cNvGraphicFramePr>
-          <p:nvPr>
-            <p:extLst>
-              <p:ext uri="{D42A27DB-BD31-4B8C-83A1-F6EECF244321}">
-                <p14:modId xmlns:p14="http://schemas.microsoft.com/office/powerpoint/2010/main" val="3475955123"/>
-              </p:ext>
-            </p:extLst>
-          </p:nvPr>
-        </p:nvGraphicFramePr>
-        <p:xfrm>
-          <a:off x="452440" y="1484313"/>
-          <a:ext cx="7824167" cy="2336590"/>
-        </p:xfrm>
-        <a:graphic>
-          <a:graphicData uri="http://schemas.openxmlformats.org/drawingml/2006/table">
-            <a:tbl>
-              <a:tblPr firstRow="1" bandRow="1"/>
-              <a:tblGrid>
-                <a:gridCol w="798830">
-                  <a:extLst>
-                    <a:ext uri="{9D8B030D-6E8A-4147-A177-3AD203B41FA5}">
-                      <a16:colId xmlns:a16="http://schemas.microsoft.com/office/drawing/2014/main" val="20000"/>
-                    </a:ext>
-                  </a:extLst>
-                </a:gridCol>
-                <a:gridCol w="748030">
-                  <a:extLst>
-                    <a:ext uri="{9D8B030D-6E8A-4147-A177-3AD203B41FA5}">
-                      <a16:colId xmlns:a16="http://schemas.microsoft.com/office/drawing/2014/main" val="20002"/>
-                    </a:ext>
-                  </a:extLst>
-                </a:gridCol>
-                <a:gridCol w="698817">
-                  <a:extLst>
-                    <a:ext uri="{9D8B030D-6E8A-4147-A177-3AD203B41FA5}">
-                      <a16:colId xmlns:a16="http://schemas.microsoft.com/office/drawing/2014/main" val="20003"/>
-                    </a:ext>
-                  </a:extLst>
-                </a:gridCol>
-                <a:gridCol w="892493">
-                  <a:extLst>
-                    <a:ext uri="{9D8B030D-6E8A-4147-A177-3AD203B41FA5}">
-                      <a16:colId xmlns:a16="http://schemas.microsoft.com/office/drawing/2014/main" val="20004"/>
-                    </a:ext>
-                  </a:extLst>
-                </a:gridCol>
-                <a:gridCol w="4685997">
-                  <a:extLst>
-                    <a:ext uri="{9D8B030D-6E8A-4147-A177-3AD203B41FA5}">
-                      <a16:colId xmlns:a16="http://schemas.microsoft.com/office/drawing/2014/main" val="20001"/>
-                    </a:ext>
-                  </a:extLst>
-                </a:gridCol>
-              </a:tblGrid>
-              <a:tr h="273587">
-                <a:tc>
-                  <a:txBody>
-                    <a:bodyPr/>
-                    <a:lstStyle/>
-                    <a:p>
-                      <a:pPr algn="ctr"/>
-                      <a:r>
-                        <a:rPr lang="en-US" altLang="zh-CN" sz="1600" b="1" dirty="0"/>
-                        <a:t>Stage</a:t>
-                      </a:r>
-                      <a:endParaRPr lang="zh-CN" altLang="en-US" sz="1600" b="1" dirty="0"/>
-                    </a:p>
-                  </a:txBody>
-                  <a:tcPr anchor="ctr">
-                    <a:lnL w="28575" cap="flat" cmpd="sng" algn="ctr">
-                      <a:solidFill>
-                        <a:schemeClr val="tx1"/>
-                      </a:solidFill>
-                      <a:prstDash val="solid"/>
-                      <a:round/>
-                      <a:headEnd type="none" w="med" len="med"/>
-                      <a:tailEnd type="none" w="med" len="med"/>
-                    </a:lnL>
-                    <a:lnT w="28575" cap="flat" cmpd="sng" algn="ctr">
-                      <a:solidFill>
-                        <a:schemeClr val="tx1"/>
-                      </a:solidFill>
-                      <a:prstDash val="solid"/>
-                      <a:round/>
-                      <a:headEnd type="none" w="med" len="med"/>
-                      <a:tailEnd type="none" w="med" len="med"/>
-                    </a:lnT>
-                    <a:solidFill>
-                      <a:schemeClr val="bg1">
-                        <a:lumMod val="85000"/>
-                      </a:schemeClr>
-                    </a:solidFill>
-                  </a:tcPr>
-                </a:tc>
-                <a:tc>
-                  <a:txBody>
-                    <a:bodyPr/>
-                    <a:lstStyle/>
-                    <a:p>
-                      <a:pPr algn="ctr"/>
-                      <a:r>
-                        <a:rPr lang="en-US" altLang="zh-CN" sz="1600" b="1" dirty="0"/>
-                        <a:t>Build</a:t>
-                      </a:r>
-                      <a:endParaRPr lang="zh-CN" altLang="en-US" sz="1600" b="1" dirty="0"/>
-                    </a:p>
-                  </a:txBody>
-                  <a:tcPr anchor="ctr">
-                    <a:lnT w="28575" cap="flat" cmpd="sng" algn="ctr">
-                      <a:solidFill>
-                        <a:schemeClr val="tx1"/>
-                      </a:solidFill>
-                      <a:prstDash val="solid"/>
-                      <a:round/>
-                      <a:headEnd type="none" w="med" len="med"/>
-                      <a:tailEnd type="none" w="med" len="med"/>
-                    </a:lnT>
-                    <a:solidFill>
-                      <a:schemeClr val="bg1">
-                        <a:lumMod val="85000"/>
-                      </a:schemeClr>
-                    </a:solidFill>
-                  </a:tcPr>
-                </a:tc>
-                <a:tc>
-                  <a:txBody>
-                    <a:bodyPr/>
-                    <a:lstStyle/>
-                    <a:p>
-                      <a:pPr algn="ctr"/>
-                      <a:r>
-                        <a:rPr lang="en-US" altLang="zh-CN" sz="1600" b="1" dirty="0"/>
-                        <a:t>Host</a:t>
-                      </a:r>
-                      <a:endParaRPr lang="zh-CN" altLang="en-US" sz="1600" b="1" dirty="0"/>
-                    </a:p>
-                  </a:txBody>
-                  <a:tcPr anchor="ctr">
-                    <a:lnT w="28575" cap="flat" cmpd="sng" algn="ctr">
-                      <a:solidFill>
-                        <a:schemeClr val="tx1"/>
-                      </a:solidFill>
-                      <a:prstDash val="solid"/>
-                      <a:round/>
-                      <a:headEnd type="none" w="med" len="med"/>
-                      <a:tailEnd type="none" w="med" len="med"/>
-                    </a:lnT>
-                    <a:solidFill>
-                      <a:schemeClr val="bg1">
-                        <a:lumMod val="85000"/>
-                      </a:schemeClr>
-                    </a:solidFill>
-                  </a:tcPr>
-                </a:tc>
-                <a:tc>
-                  <a:txBody>
-                    <a:bodyPr/>
-                    <a:lstStyle/>
-                    <a:p>
-                      <a:pPr algn="ctr"/>
-                      <a:r>
-                        <a:rPr lang="en-US" altLang="zh-CN" sz="1600" b="1" dirty="0"/>
-                        <a:t>Target</a:t>
-                      </a:r>
-                      <a:endParaRPr lang="zh-CN" altLang="en-US" sz="1600" b="1" dirty="0"/>
-                    </a:p>
-                  </a:txBody>
-                  <a:tcPr anchor="ctr">
-                    <a:lnT w="28575" cap="flat" cmpd="sng" algn="ctr">
-                      <a:solidFill>
-                        <a:schemeClr val="tx1"/>
-                      </a:solidFill>
-                      <a:prstDash val="solid"/>
-                      <a:round/>
-                      <a:headEnd type="none" w="med" len="med"/>
-                      <a:tailEnd type="none" w="med" len="med"/>
-                    </a:lnT>
-                    <a:solidFill>
-                      <a:schemeClr val="bg1">
-                        <a:lumMod val="85000"/>
-                      </a:schemeClr>
-                    </a:solidFill>
-                  </a:tcPr>
-                </a:tc>
-                <a:tc>
-                  <a:txBody>
-                    <a:bodyPr/>
-                    <a:lstStyle/>
-                    <a:p>
-                      <a:pPr algn="ctr"/>
-                      <a:r>
-                        <a:rPr lang="en-US" altLang="zh-CN" sz="1600" b="1" dirty="0"/>
-                        <a:t>Action</a:t>
-                      </a:r>
-                      <a:endParaRPr lang="zh-CN" altLang="en-US" sz="1600" b="1" dirty="0"/>
-                    </a:p>
-                  </a:txBody>
-                  <a:tcPr anchor="ctr">
-                    <a:lnR w="28575" cap="flat" cmpd="sng" algn="ctr">
-                      <a:solidFill>
-                        <a:schemeClr val="tx1"/>
-                      </a:solidFill>
-                      <a:prstDash val="solid"/>
-                      <a:round/>
-                      <a:headEnd type="none" w="med" len="med"/>
-                      <a:tailEnd type="none" w="med" len="med"/>
-                    </a:lnR>
-                    <a:lnT w="28575" cap="flat" cmpd="sng" algn="ctr">
-                      <a:solidFill>
-                        <a:schemeClr val="tx1"/>
-                      </a:solidFill>
-                      <a:prstDash val="solid"/>
-                      <a:round/>
-                      <a:headEnd type="none" w="med" len="med"/>
-                      <a:tailEnd type="none" w="med" len="med"/>
-                    </a:lnT>
-                    <a:solidFill>
-                      <a:schemeClr val="bg1">
-                        <a:lumMod val="85000"/>
-                      </a:schemeClr>
-                    </a:solidFill>
-                  </a:tcPr>
-                </a:tc>
-                <a:extLst>
-                  <a:ext uri="{0D108BD9-81ED-4DB2-BD59-A6C34878D82A}">
-                    <a16:rowId xmlns:a16="http://schemas.microsoft.com/office/drawing/2014/main" val="10000"/>
-                  </a:ext>
-                </a:extLst>
-              </a:tr>
-              <a:tr h="787032">
-                <a:tc>
-                  <a:txBody>
-                    <a:bodyPr/>
-                    <a:lstStyle/>
-                    <a:p>
-                      <a:pPr algn="ctr"/>
-                      <a:r>
-                        <a:rPr lang="en-US" altLang="zh-CN" sz="1600" dirty="0"/>
-                        <a:t>1</a:t>
-                      </a:r>
-                      <a:endParaRPr lang="zh-CN" altLang="en-US" sz="1600" dirty="0"/>
-                    </a:p>
-                  </a:txBody>
-                  <a:tcPr anchor="ctr">
-                    <a:lnL w="28575" cap="flat" cmpd="sng" algn="ctr">
-                      <a:solidFill>
-                        <a:schemeClr val="tx1"/>
-                      </a:solidFill>
-                      <a:prstDash val="solid"/>
-                      <a:round/>
-                      <a:headEnd type="none" w="med" len="med"/>
-                      <a:tailEnd type="none" w="med" len="med"/>
-                    </a:lnL>
-                  </a:tcPr>
-                </a:tc>
-                <a:tc>
-                  <a:txBody>
-                    <a:bodyPr/>
-                    <a:lstStyle/>
-                    <a:p>
-                      <a:pPr algn="ctr"/>
-                      <a:r>
-                        <a:rPr lang="en-US" altLang="zh-CN" sz="1600" dirty="0"/>
-                        <a:t>PC</a:t>
-                      </a:r>
-                      <a:endParaRPr lang="zh-CN" altLang="en-US" sz="1600" dirty="0"/>
-                    </a:p>
-                  </a:txBody>
-                  <a:tcPr anchor="ctr"/>
-                </a:tc>
-                <a:tc>
-                  <a:txBody>
-                    <a:bodyPr/>
-                    <a:lstStyle/>
-                    <a:p>
-                      <a:pPr algn="ctr"/>
-                      <a:r>
-                        <a:rPr lang="en-US" altLang="zh-CN" sz="1600" dirty="0"/>
-                        <a:t>PC</a:t>
-                      </a:r>
-                      <a:endParaRPr lang="zh-CN" altLang="en-US" sz="1600" dirty="0"/>
-                    </a:p>
-                  </a:txBody>
-                  <a:tcPr anchor="ctr"/>
-                </a:tc>
-                <a:tc>
-                  <a:txBody>
-                    <a:bodyPr/>
-                    <a:lstStyle/>
-                    <a:p>
-                      <a:pPr algn="ctr"/>
-                      <a:r>
-                        <a:rPr lang="en-US" altLang="zh-CN" sz="1600" dirty="0"/>
-                        <a:t>LFS</a:t>
-                      </a:r>
-                      <a:endParaRPr lang="zh-CN" altLang="en-US" sz="1600" dirty="0"/>
-                    </a:p>
-                  </a:txBody>
-                  <a:tcPr anchor="ctr"/>
-                </a:tc>
-                <a:tc>
-                  <a:txBody>
-                    <a:bodyPr/>
-                    <a:lstStyle/>
-                    <a:p>
-                      <a:r>
-                        <a:rPr lang="en-US" altLang="zh-CN" sz="1600" dirty="0"/>
-                        <a:t>Build </a:t>
-                      </a:r>
-                      <a:r>
-                        <a:rPr lang="en-US" altLang="zh-CN" sz="1600" dirty="0" err="1"/>
-                        <a:t>crosscompiler</a:t>
-                      </a:r>
-                      <a:r>
-                        <a:rPr lang="en-US" altLang="zh-CN" sz="1600" dirty="0"/>
-                        <a:t> cc1 using cc-pc on PC</a:t>
-                      </a:r>
-                      <a:endParaRPr lang="zh-CN" altLang="en-US" sz="1600" dirty="0"/>
-                    </a:p>
-                  </a:txBody>
-                  <a:tcPr anchor="ctr">
-                    <a:lnR w="28575" cap="flat" cmpd="sng" algn="ctr">
-                      <a:solidFill>
-                        <a:schemeClr val="tx1"/>
-                      </a:solidFill>
-                      <a:prstDash val="solid"/>
-                      <a:round/>
-                      <a:headEnd type="none" w="med" len="med"/>
-                      <a:tailEnd type="none" w="med" len="med"/>
-                    </a:lnR>
-                  </a:tcPr>
-                </a:tc>
-                <a:extLst>
-                  <a:ext uri="{0D108BD9-81ED-4DB2-BD59-A6C34878D82A}">
-                    <a16:rowId xmlns:a16="http://schemas.microsoft.com/office/drawing/2014/main" val="10001"/>
-                  </a:ext>
-                </a:extLst>
-              </a:tr>
-              <a:tr h="607139">
-                <a:tc>
-                  <a:txBody>
-                    <a:bodyPr/>
-                    <a:lstStyle/>
-                    <a:p>
-                      <a:pPr algn="ctr"/>
-                      <a:r>
-                        <a:rPr lang="en-US" altLang="zh-CN" sz="1600" dirty="0"/>
-                        <a:t>2</a:t>
-                      </a:r>
-                      <a:endParaRPr lang="zh-CN" altLang="en-US" sz="1600" dirty="0"/>
-                    </a:p>
-                  </a:txBody>
-                  <a:tcPr anchor="ctr">
-                    <a:lnL w="28575" cap="flat" cmpd="sng" algn="ctr">
-                      <a:solidFill>
-                        <a:schemeClr val="tx1"/>
-                      </a:solidFill>
-                      <a:prstDash val="solid"/>
-                      <a:round/>
-                      <a:headEnd type="none" w="med" len="med"/>
-                      <a:tailEnd type="none" w="med" len="med"/>
-                    </a:lnL>
-                  </a:tcPr>
-                </a:tc>
-                <a:tc>
-                  <a:txBody>
-                    <a:bodyPr/>
-                    <a:lstStyle/>
-                    <a:p>
-                      <a:pPr algn="ctr"/>
-                      <a:r>
-                        <a:rPr lang="en-US" altLang="zh-CN" sz="1600" dirty="0"/>
-                        <a:t>PC</a:t>
-                      </a:r>
-                      <a:endParaRPr lang="zh-CN" altLang="en-US" sz="1600" dirty="0"/>
-                    </a:p>
-                  </a:txBody>
-                  <a:tcPr anchor="ctr"/>
-                </a:tc>
-                <a:tc>
-                  <a:txBody>
-                    <a:bodyPr/>
-                    <a:lstStyle/>
-                    <a:p>
-                      <a:pPr algn="ctr"/>
-                      <a:r>
-                        <a:rPr lang="en-US" altLang="zh-CN" sz="1600" dirty="0"/>
-                        <a:t>LFS</a:t>
-                      </a:r>
-                      <a:endParaRPr lang="zh-CN" altLang="en-US" sz="1600" dirty="0"/>
-                    </a:p>
-                  </a:txBody>
-                  <a:tcPr anchor="ctr"/>
-                </a:tc>
-                <a:tc>
-                  <a:txBody>
-                    <a:bodyPr/>
-                    <a:lstStyle/>
-                    <a:p>
-                      <a:pPr algn="ctr"/>
-                      <a:r>
-                        <a:rPr lang="en-US" altLang="zh-CN" sz="1600" dirty="0"/>
-                        <a:t>LFS</a:t>
-                      </a:r>
-                      <a:endParaRPr lang="zh-CN" altLang="en-US" sz="1600" dirty="0"/>
-                    </a:p>
-                  </a:txBody>
-                  <a:tcPr anchor="ctr"/>
-                </a:tc>
-                <a:tc>
-                  <a:txBody>
-                    <a:bodyPr/>
-                    <a:lstStyle/>
-                    <a:p>
-                      <a:r>
-                        <a:rPr lang="en-US" altLang="zh-CN" sz="1600" dirty="0"/>
-                        <a:t>Build compiler cc-</a:t>
-                      </a:r>
-                      <a:r>
-                        <a:rPr lang="en-US" altLang="zh-CN" sz="1600" dirty="0" err="1"/>
-                        <a:t>lfs</a:t>
-                      </a:r>
-                      <a:r>
-                        <a:rPr lang="en-US" altLang="zh-CN" sz="1600" dirty="0"/>
-                        <a:t> using cc1 on PC</a:t>
-                      </a:r>
-                      <a:endParaRPr lang="zh-CN" altLang="en-US" sz="1600" dirty="0"/>
-                    </a:p>
-                  </a:txBody>
-                  <a:tcPr anchor="ctr">
-                    <a:lnR w="28575" cap="flat" cmpd="sng" algn="ctr">
-                      <a:solidFill>
-                        <a:schemeClr val="tx1"/>
-                      </a:solidFill>
-                      <a:prstDash val="solid"/>
-                      <a:round/>
-                      <a:headEnd type="none" w="med" len="med"/>
-                      <a:tailEnd type="none" w="med" len="med"/>
-                    </a:lnR>
-                  </a:tcPr>
-                </a:tc>
-                <a:extLst>
-                  <a:ext uri="{0D108BD9-81ED-4DB2-BD59-A6C34878D82A}">
-                    <a16:rowId xmlns:a16="http://schemas.microsoft.com/office/drawing/2014/main" val="2089911383"/>
-                  </a:ext>
-                </a:extLst>
-              </a:tr>
-              <a:tr h="607139">
-                <a:tc>
-                  <a:txBody>
-                    <a:bodyPr/>
-                    <a:lstStyle/>
-                    <a:p>
-                      <a:pPr algn="ctr"/>
-                      <a:r>
-                        <a:rPr lang="en-US" altLang="zh-CN" sz="1600" dirty="0"/>
-                        <a:t>3</a:t>
-                      </a:r>
-                      <a:endParaRPr lang="zh-CN" altLang="en-US" sz="1600" dirty="0"/>
-                    </a:p>
-                  </a:txBody>
-                  <a:tcPr anchor="ctr">
-                    <a:lnL w="28575" cap="flat" cmpd="sng" algn="ctr">
-                      <a:solidFill>
-                        <a:schemeClr val="tx1"/>
-                      </a:solidFill>
-                      <a:prstDash val="solid"/>
-                      <a:round/>
-                      <a:headEnd type="none" w="med" len="med"/>
-                      <a:tailEnd type="none" w="med" len="med"/>
-                    </a:lnL>
-                    <a:lnB w="28575" cap="flat" cmpd="sng" algn="ctr">
-                      <a:solidFill>
-                        <a:schemeClr val="tx1"/>
-                      </a:solidFill>
-                      <a:prstDash val="solid"/>
-                      <a:round/>
-                      <a:headEnd type="none" w="med" len="med"/>
-                      <a:tailEnd type="none" w="med" len="med"/>
-                    </a:lnB>
-                  </a:tcPr>
-                </a:tc>
-                <a:tc>
-                  <a:txBody>
-                    <a:bodyPr/>
-                    <a:lstStyle/>
-                    <a:p>
-                      <a:pPr algn="ctr"/>
-                      <a:r>
-                        <a:rPr lang="en-US" altLang="zh-CN" sz="1600" dirty="0"/>
-                        <a:t>LFS</a:t>
-                      </a:r>
-                      <a:endParaRPr lang="zh-CN" altLang="en-US" sz="1600" dirty="0"/>
-                    </a:p>
-                  </a:txBody>
-                  <a:tcPr anchor="ctr">
-                    <a:lnB w="28575" cap="flat" cmpd="sng" algn="ctr">
-                      <a:solidFill>
-                        <a:schemeClr val="tx1"/>
-                      </a:solidFill>
-                      <a:prstDash val="solid"/>
-                      <a:round/>
-                      <a:headEnd type="none" w="med" len="med"/>
-                      <a:tailEnd type="none" w="med" len="med"/>
-                    </a:lnB>
-                  </a:tcPr>
-                </a:tc>
-                <a:tc>
-                  <a:txBody>
-                    <a:bodyPr/>
-                    <a:lstStyle/>
-                    <a:p>
-                      <a:pPr algn="ctr"/>
-                      <a:r>
-                        <a:rPr lang="en-US" altLang="zh-CN" sz="1600" dirty="0"/>
-                        <a:t>LFS</a:t>
-                      </a:r>
-                      <a:endParaRPr lang="zh-CN" altLang="en-US" sz="1600" dirty="0"/>
-                    </a:p>
-                  </a:txBody>
-                  <a:tcPr anchor="ctr">
-                    <a:lnB w="28575" cap="flat" cmpd="sng" algn="ctr">
-                      <a:solidFill>
-                        <a:schemeClr val="tx1"/>
-                      </a:solidFill>
-                      <a:prstDash val="solid"/>
-                      <a:round/>
-                      <a:headEnd type="none" w="med" len="med"/>
-                      <a:tailEnd type="none" w="med" len="med"/>
-                    </a:lnB>
-                  </a:tcPr>
-                </a:tc>
-                <a:tc>
-                  <a:txBody>
-                    <a:bodyPr/>
-                    <a:lstStyle/>
-                    <a:p>
-                      <a:pPr algn="ctr"/>
-                      <a:r>
-                        <a:rPr lang="en-US" altLang="zh-CN" sz="1600" dirty="0"/>
-                        <a:t>LFS</a:t>
-                      </a:r>
-                      <a:endParaRPr lang="zh-CN" altLang="en-US" sz="1600" dirty="0"/>
-                    </a:p>
-                  </a:txBody>
-                  <a:tcPr anchor="ctr">
-                    <a:lnB w="28575" cap="flat" cmpd="sng" algn="ctr">
-                      <a:solidFill>
-                        <a:schemeClr val="tx1"/>
-                      </a:solidFill>
-                      <a:prstDash val="solid"/>
-                      <a:round/>
-                      <a:headEnd type="none" w="med" len="med"/>
-                      <a:tailEnd type="none" w="med" len="med"/>
-                    </a:lnB>
-                  </a:tcPr>
-                </a:tc>
-                <a:tc>
-                  <a:txBody>
-                    <a:bodyPr/>
-                    <a:lstStyle/>
-                    <a:p>
-                      <a:r>
-                        <a:rPr lang="en-US" altLang="zh-CN" sz="1600" dirty="0"/>
-                        <a:t>Rebuild and test cc-</a:t>
-                      </a:r>
-                      <a:r>
-                        <a:rPr lang="en-US" altLang="zh-CN" sz="1600" dirty="0" err="1"/>
-                        <a:t>lfs</a:t>
-                      </a:r>
-                      <a:r>
-                        <a:rPr lang="en-US" altLang="zh-CN" sz="1600" dirty="0"/>
-                        <a:t> using itself on LFS</a:t>
-                      </a:r>
-                      <a:endParaRPr lang="zh-CN" altLang="en-US" sz="1600" dirty="0"/>
-                    </a:p>
-                  </a:txBody>
-                  <a:tcPr anchor="ctr">
-                    <a:lnR w="28575" cap="flat" cmpd="sng" algn="ctr">
-                      <a:solidFill>
-                        <a:schemeClr val="tx1"/>
-                      </a:solidFill>
-                      <a:prstDash val="solid"/>
-                      <a:round/>
-                      <a:headEnd type="none" w="med" len="med"/>
-                      <a:tailEnd type="none" w="med" len="med"/>
-                    </a:lnR>
-                    <a:lnB w="28575" cap="flat" cmpd="sng" algn="ctr">
-                      <a:solidFill>
-                        <a:schemeClr val="tx1"/>
-                      </a:solidFill>
-                      <a:prstDash val="solid"/>
-                      <a:round/>
-                      <a:headEnd type="none" w="med" len="med"/>
-                      <a:tailEnd type="none" w="med" len="med"/>
-                    </a:lnB>
-                  </a:tcPr>
-                </a:tc>
-                <a:extLst>
-                  <a:ext uri="{0D108BD9-81ED-4DB2-BD59-A6C34878D82A}">
-                    <a16:rowId xmlns:a16="http://schemas.microsoft.com/office/drawing/2014/main" val="10007"/>
-                  </a:ext>
-                </a:extLst>
-              </a:tr>
-            </a:tbl>
-          </a:graphicData>
-        </a:graphic>
-      </p:graphicFrame>
       <p:sp>
         <p:nvSpPr>
           <p:cNvPr id="5" name="TextBox 4"/>
@@ -31201,8 +31051,8 @@
         </p:nvSpPr>
         <p:spPr>
           <a:xfrm>
-            <a:off x="8525814" y="1635617"/>
-            <a:ext cx="3223273" cy="2031325"/>
+            <a:off x="452438" y="1416835"/>
+            <a:ext cx="6817883" cy="4770537"/>
           </a:xfrm>
           <a:prstGeom prst="rect">
             <a:avLst/>
@@ -31216,47 +31066,216 @@
           <a:lstStyle/>
           <a:p>
             <a:r>
-              <a:rPr lang="en-US" altLang="zh-CN" b="1" dirty="0"/>
-              <a:t>build</a:t>
-            </a:r>
-            <a:r>
-              <a:rPr lang="en-US" altLang="zh-CN" dirty="0"/>
-              <a:t> - the machine where we build programs.</a:t>
-            </a:r>
-          </a:p>
-          <a:p>
-            <a:r>
-              <a:rPr lang="en-US" altLang="zh-CN" b="1" dirty="0"/>
-              <a:t>host</a:t>
-            </a:r>
-            <a:r>
-              <a:rPr lang="en-US" altLang="zh-CN" dirty="0"/>
-              <a:t> - the machine/system where the built programs will run. </a:t>
-            </a:r>
-          </a:p>
-          <a:p>
-            <a:r>
-              <a:rPr lang="en-US" altLang="zh-CN" b="1" dirty="0"/>
-              <a:t>target</a:t>
-            </a:r>
-            <a:r>
-              <a:rPr lang="en-US" altLang="zh-CN" dirty="0"/>
-              <a:t> - the machine the compiler produces code for.</a:t>
-            </a:r>
-            <a:endParaRPr lang="zh-CN" altLang="en-US" dirty="0"/>
+              <a:rPr lang="zh-CN" altLang="en-US" sz="1600" dirty="0"/>
+              <a:t>在 </a:t>
+            </a:r>
+            <a:r>
+              <a:rPr lang="en-US" altLang="zh-CN" sz="1600" dirty="0"/>
+              <a:t>x64 </a:t>
+            </a:r>
+            <a:r>
+              <a:rPr lang="zh-CN" altLang="en-US" sz="1600" dirty="0"/>
+              <a:t>架构上进行</a:t>
+            </a:r>
+            <a:r>
+              <a:rPr lang="zh-TW" altLang="en-US" sz="1600" dirty="0"/>
+              <a:t>交叉编译过程演示</a:t>
+            </a:r>
+            <a:r>
+              <a:rPr lang="zh-CN" altLang="en-US" sz="1600" dirty="0"/>
+              <a:t>。</a:t>
+            </a:r>
+            <a:endParaRPr lang="en-US" altLang="zh-TW" sz="1600" dirty="0"/>
+          </a:p>
+          <a:p>
+            <a:endParaRPr lang="zh-TW" altLang="en-US" sz="1600" dirty="0"/>
+          </a:p>
+          <a:p>
+            <a:pPr marL="342900" indent="-342900">
+              <a:buAutoNum type="arabicParenBoth"/>
+            </a:pPr>
+            <a:r>
+              <a:rPr lang="zh-TW" altLang="en-US" sz="1600" dirty="0"/>
+              <a:t>安装开发工具： </a:t>
+            </a:r>
+            <a:endParaRPr lang="en-US" altLang="zh-TW" sz="1600" dirty="0"/>
+          </a:p>
+          <a:p>
+            <a:r>
+              <a:rPr lang="en-US" altLang="zh-CN" sz="1600" dirty="0"/>
+              <a:t>yum </a:t>
+            </a:r>
+            <a:r>
+              <a:rPr lang="en-US" altLang="zh-CN" sz="1600" dirty="0" err="1"/>
+              <a:t>groupinstall</a:t>
+            </a:r>
+            <a:r>
+              <a:rPr lang="en-US" altLang="zh-CN" sz="1600" dirty="0"/>
+              <a:t> "Development tools" –y</a:t>
+            </a:r>
+          </a:p>
+          <a:p>
+            <a:endParaRPr lang="en-US" altLang="zh-TW" sz="1600" dirty="0"/>
+          </a:p>
+          <a:p>
+            <a:r>
+              <a:rPr lang="en-US" altLang="zh-TW" sz="1600" dirty="0"/>
+              <a:t>(2) </a:t>
+            </a:r>
+            <a:r>
+              <a:rPr lang="zh-CN" altLang="en-US" sz="1600" dirty="0"/>
+              <a:t>下载</a:t>
+            </a:r>
+            <a:r>
+              <a:rPr lang="zh-TW" altLang="en-US" sz="1600" dirty="0"/>
+              <a:t>交叉编译工具： </a:t>
+            </a:r>
+            <a:endParaRPr lang="en-US" altLang="zh-TW" sz="1600" dirty="0"/>
+          </a:p>
+          <a:p>
+            <a:r>
+              <a:rPr lang="en-US" altLang="zh-CN" sz="1600" dirty="0" err="1"/>
+              <a:t>mkdir</a:t>
+            </a:r>
+            <a:r>
+              <a:rPr lang="en-US" altLang="zh-CN" sz="1600" dirty="0"/>
+              <a:t> /</a:t>
+            </a:r>
+            <a:r>
+              <a:rPr lang="en-US" altLang="zh-CN" sz="1600" dirty="0" err="1"/>
+              <a:t>usr</a:t>
+            </a:r>
+            <a:r>
+              <a:rPr lang="en-US" altLang="zh-CN" sz="1600" dirty="0"/>
+              <a:t>/local/arm-toolchain</a:t>
+            </a:r>
+          </a:p>
+          <a:p>
+            <a:r>
+              <a:rPr lang="en-US" altLang="zh-CN" sz="1600" dirty="0"/>
+              <a:t>cd /</a:t>
+            </a:r>
+            <a:r>
+              <a:rPr lang="en-US" altLang="zh-CN" sz="1600" dirty="0" err="1"/>
+              <a:t>usr</a:t>
+            </a:r>
+            <a:r>
+              <a:rPr lang="en-US" altLang="zh-CN" sz="1600" dirty="0"/>
+              <a:t>/local/arm-toolchain/</a:t>
+            </a:r>
+          </a:p>
+          <a:p>
+            <a:r>
+              <a:rPr lang="da-DK" altLang="zh-CN" sz="1600" dirty="0"/>
+              <a:t>wget </a:t>
+            </a:r>
+            <a:r>
+              <a:rPr lang="da-DK" altLang="zh-CN" sz="1600" dirty="0">
+                <a:hlinkClick r:id="rId3"/>
+              </a:rPr>
+              <a:t>https://releases.linaro.org/components/toolchain/binaries/latest-7/aarch64-linux-gnu/gcc-linaro-7.5.0-2019.12-x86_64_aarch64-linux-gnu.tar.xz</a:t>
+            </a:r>
+            <a:endParaRPr lang="da-DK" altLang="zh-CN" sz="1600" dirty="0"/>
+          </a:p>
+          <a:p>
+            <a:r>
+              <a:rPr lang="en-US" altLang="zh-CN" sz="1600" dirty="0"/>
+              <a:t>tar -</a:t>
+            </a:r>
+            <a:r>
+              <a:rPr lang="en-US" altLang="zh-CN" sz="1600" dirty="0" err="1"/>
+              <a:t>xvf</a:t>
+            </a:r>
+            <a:r>
+              <a:rPr lang="en-US" altLang="zh-CN" sz="1600" dirty="0"/>
+              <a:t> gcc-linaro-7.5.0-2019.12-x86_64_aarch64-linux-gnu.tar.xz</a:t>
+            </a:r>
+          </a:p>
+          <a:p>
+            <a:endParaRPr lang="en-US" altLang="zh-CN" sz="1600" dirty="0"/>
+          </a:p>
+          <a:p>
+            <a:r>
+              <a:rPr lang="en-US" altLang="zh-CN" sz="1600" dirty="0"/>
+              <a:t>(3) </a:t>
+            </a:r>
+            <a:r>
+              <a:rPr lang="zh-CN" altLang="en-US" sz="1600" dirty="0"/>
+              <a:t>修改并更新环境变量</a:t>
+            </a:r>
+            <a:endParaRPr lang="en-US" altLang="zh-CN" sz="1600" dirty="0"/>
+          </a:p>
+          <a:p>
+            <a:r>
+              <a:rPr lang="en-US" altLang="zh-CN" sz="1600" dirty="0"/>
+              <a:t>cp /</a:t>
+            </a:r>
+            <a:r>
+              <a:rPr lang="en-US" altLang="zh-CN" sz="1600" dirty="0" err="1"/>
+              <a:t>etc</a:t>
+            </a:r>
+            <a:r>
+              <a:rPr lang="en-US" altLang="zh-CN" sz="1600" dirty="0"/>
+              <a:t>/profile{,.origin}</a:t>
+            </a:r>
+          </a:p>
+          <a:p>
+            <a:r>
+              <a:rPr lang="en-US" altLang="zh-CN" sz="1600" dirty="0"/>
+              <a:t>echo "export PATH=$PATH:/</a:t>
+            </a:r>
+            <a:r>
+              <a:rPr lang="en-US" altLang="zh-CN" sz="1600" dirty="0" err="1"/>
+              <a:t>usr</a:t>
+            </a:r>
+            <a:r>
+              <a:rPr lang="en-US" altLang="zh-CN" sz="1600" dirty="0"/>
+              <a:t>/local/arm-toolchain/gcc-linaro-7.5.0-2019.12-x86_64_aarch64-linux-gnu/bin" &gt;&gt; /</a:t>
+            </a:r>
+            <a:r>
+              <a:rPr lang="en-US" altLang="zh-CN" sz="1600" dirty="0" err="1"/>
+              <a:t>etc</a:t>
+            </a:r>
+            <a:r>
+              <a:rPr lang="en-US" altLang="zh-CN" sz="1600" dirty="0"/>
+              <a:t>/profile</a:t>
+            </a:r>
+          </a:p>
+          <a:p>
+            <a:r>
+              <a:rPr lang="en-US" altLang="zh-CN" sz="1600" dirty="0"/>
+              <a:t>source /</a:t>
+            </a:r>
+            <a:r>
+              <a:rPr lang="en-US" altLang="zh-CN" sz="1600" dirty="0" err="1"/>
+              <a:t>etc</a:t>
+            </a:r>
+            <a:r>
+              <a:rPr lang="en-US" altLang="zh-CN" sz="1600" dirty="0"/>
+              <a:t>/profile</a:t>
+            </a:r>
+          </a:p>
+          <a:p>
+            <a:endParaRPr lang="zh-CN" altLang="en-US" sz="1600" dirty="0"/>
           </a:p>
         </p:txBody>
       </p:sp>
       <p:sp>
         <p:nvSpPr>
-          <p:cNvPr id="6" name="TextBox 5"/>
+          <p:cNvPr id="7" name="TextBox 6">
+            <a:extLst>
+              <a:ext uri="{FF2B5EF4-FFF2-40B4-BE49-F238E27FC236}">
+                <a16:creationId xmlns:a16="http://schemas.microsoft.com/office/drawing/2014/main" id="{060E419F-F989-481D-ABD7-46819C7D0EB1}"/>
+              </a:ext>
+            </a:extLst>
+          </p:cNvPr>
           <p:cNvSpPr txBox="1"/>
           <p:nvPr/>
         </p:nvSpPr>
         <p:spPr>
           <a:xfrm>
-            <a:off x="452439" y="4082603"/>
-            <a:ext cx="11296647" cy="646331"/>
+            <a:off x="7343250" y="1563473"/>
+            <a:ext cx="4405838" cy="4031873"/>
           </a:xfrm>
           <a:prstGeom prst="rect">
             <a:avLst/>
@@ -31270,36 +31289,173 @@
           <a:lstStyle/>
           <a:p>
             <a:r>
-              <a:rPr lang="zh-CN" altLang="en-US" dirty="0"/>
-              <a:t>在上表中，“在 </a:t>
-            </a:r>
-            <a:r>
-              <a:rPr lang="en-US" altLang="zh-CN" dirty="0"/>
-              <a:t>PC </a:t>
-            </a:r>
-            <a:r>
-              <a:rPr lang="zh-CN" altLang="en-US" dirty="0"/>
-              <a:t>上” 意味着命令在已经安装好的发行版中执行。“在 </a:t>
-            </a:r>
-            <a:r>
-              <a:rPr lang="en-US" altLang="zh-CN" dirty="0"/>
-              <a:t>LFS </a:t>
-            </a:r>
-            <a:r>
-              <a:rPr lang="zh-CN" altLang="en-US" dirty="0"/>
-              <a:t>上” 意味着命令在 </a:t>
-            </a:r>
-            <a:r>
-              <a:rPr lang="en-US" altLang="zh-CN"/>
-              <a:t>chroot </a:t>
-            </a:r>
-            <a:r>
-              <a:rPr lang="zh-CN" altLang="en-US"/>
-              <a:t>环境</a:t>
-            </a:r>
-            <a:r>
-              <a:rPr lang="zh-CN" altLang="en-US" dirty="0"/>
-              <a:t>中执行。</a:t>
+              <a:rPr lang="en-US" altLang="zh-CN" sz="1600" dirty="0"/>
+              <a:t>(4) </a:t>
+            </a:r>
+            <a:r>
+              <a:rPr lang="zh-CN" altLang="en-US" sz="1600" dirty="0"/>
+              <a:t>验证交叉编译工具</a:t>
+            </a:r>
+            <a:endParaRPr lang="en-US" altLang="zh-CN" sz="1600" dirty="0"/>
+          </a:p>
+          <a:p>
+            <a:r>
+              <a:rPr lang="en-US" altLang="zh-CN" sz="1600" dirty="0"/>
+              <a:t>aarch64-linux-gnu-gcc –v</a:t>
+            </a:r>
+          </a:p>
+          <a:p>
+            <a:endParaRPr lang="en-US" altLang="zh-CN" sz="1600" dirty="0"/>
+          </a:p>
+          <a:p>
+            <a:r>
+              <a:rPr lang="en-US" altLang="zh-CN" sz="1600" dirty="0"/>
+              <a:t>(5) </a:t>
+            </a:r>
+            <a:r>
+              <a:rPr lang="zh-CN" altLang="en-US" sz="1600" dirty="0"/>
+              <a:t>利用交叉编译工具编译</a:t>
+            </a:r>
+            <a:endParaRPr lang="en-US" altLang="zh-CN" sz="1600" dirty="0"/>
+          </a:p>
+          <a:p>
+            <a:r>
+              <a:rPr lang="en-US" altLang="zh-CN" sz="1600" dirty="0"/>
+              <a:t>cat &gt; ./</a:t>
+            </a:r>
+            <a:r>
+              <a:rPr lang="en-US" altLang="zh-CN" sz="1600" dirty="0" err="1"/>
+              <a:t>hello.c</a:t>
+            </a:r>
+            <a:r>
+              <a:rPr lang="en-US" altLang="zh-CN" sz="1600" dirty="0"/>
+              <a:t> &lt;&lt; "EOF"</a:t>
+            </a:r>
+          </a:p>
+          <a:p>
+            <a:r>
+              <a:rPr lang="en-US" altLang="zh-CN" sz="1600" dirty="0"/>
+              <a:t>#include &lt;</a:t>
+            </a:r>
+            <a:r>
+              <a:rPr lang="en-US" altLang="zh-CN" sz="1600" dirty="0" err="1"/>
+              <a:t>stdio.h</a:t>
+            </a:r>
+            <a:r>
+              <a:rPr lang="en-US" altLang="zh-CN" sz="1600" dirty="0"/>
+              <a:t>&gt;</a:t>
+            </a:r>
+          </a:p>
+          <a:p>
+            <a:r>
+              <a:rPr lang="en-US" altLang="zh-CN" sz="1600" dirty="0"/>
+              <a:t>int main() {</a:t>
+            </a:r>
+          </a:p>
+          <a:p>
+            <a:r>
+              <a:rPr lang="en-US" altLang="zh-CN" sz="1600" dirty="0"/>
+              <a:t>    </a:t>
+            </a:r>
+            <a:r>
+              <a:rPr lang="en-US" altLang="zh-CN" sz="1600" dirty="0" err="1"/>
+              <a:t>printf</a:t>
+            </a:r>
+            <a:r>
+              <a:rPr lang="en-US" altLang="zh-CN" sz="1600" dirty="0"/>
+              <a:t>("Hello, </a:t>
+            </a:r>
+            <a:r>
+              <a:rPr lang="en-US" altLang="zh-CN" sz="1600" dirty="0" err="1"/>
+              <a:t>Kunpeng</a:t>
+            </a:r>
+            <a:r>
+              <a:rPr lang="en-US" altLang="zh-CN" sz="1600" dirty="0"/>
+              <a:t>!\n");</a:t>
+            </a:r>
+          </a:p>
+          <a:p>
+            <a:r>
+              <a:rPr lang="en-US" altLang="zh-CN" sz="1600" dirty="0"/>
+              <a:t>    return 0;</a:t>
+            </a:r>
+          </a:p>
+          <a:p>
+            <a:r>
+              <a:rPr lang="en-US" altLang="zh-CN" sz="1600" dirty="0"/>
+              <a:t>}</a:t>
+            </a:r>
+          </a:p>
+          <a:p>
+            <a:r>
+              <a:rPr lang="en-US" altLang="zh-CN" sz="1600" dirty="0"/>
+              <a:t>EOF</a:t>
+            </a:r>
+          </a:p>
+          <a:p>
+            <a:r>
+              <a:rPr lang="en-US" altLang="zh-CN" sz="1600" dirty="0"/>
+              <a:t>aarch64-linux-gnu-gcc </a:t>
+            </a:r>
+            <a:r>
+              <a:rPr lang="en-US" altLang="zh-CN" sz="1600" dirty="0" err="1"/>
+              <a:t>hello.c</a:t>
+            </a:r>
+            <a:r>
+              <a:rPr lang="en-US" altLang="zh-CN" sz="1600" dirty="0"/>
+              <a:t> -o hello-</a:t>
+            </a:r>
+            <a:r>
+              <a:rPr lang="en-US" altLang="zh-CN" sz="1600" dirty="0" err="1"/>
+              <a:t>kp</a:t>
+            </a:r>
+            <a:endParaRPr lang="en-US" altLang="zh-CN" sz="1600" dirty="0"/>
+          </a:p>
+          <a:p>
+            <a:r>
+              <a:rPr lang="en-US" altLang="zh-CN" sz="1600" dirty="0"/>
+              <a:t>./hello-</a:t>
+            </a:r>
+            <a:r>
+              <a:rPr lang="en-US" altLang="zh-CN" sz="1600" dirty="0" err="1"/>
+              <a:t>kp</a:t>
+            </a:r>
+            <a:endParaRPr lang="en-US" altLang="zh-CN" sz="1600" dirty="0"/>
+          </a:p>
+          <a:p>
+            <a:r>
+              <a:rPr lang="en-US" altLang="zh-CN" sz="1600" dirty="0"/>
+              <a:t>file hello-</a:t>
+            </a:r>
+            <a:r>
+              <a:rPr lang="en-US" altLang="zh-CN" sz="1600" dirty="0" err="1"/>
+              <a:t>kp</a:t>
+            </a:r>
+            <a:endParaRPr lang="en-US" altLang="zh-CN" sz="1600" dirty="0"/>
+          </a:p>
+          <a:p>
+            <a:endParaRPr lang="en-US" altLang="zh-CN" sz="1600" dirty="0"/>
+          </a:p>
+          <a:p>
+            <a:r>
+              <a:rPr lang="en-US" altLang="zh-CN" sz="1600" dirty="0"/>
+              <a:t>(6) </a:t>
+            </a:r>
+            <a:r>
+              <a:rPr lang="zh-CN" altLang="en-US" sz="1600" dirty="0"/>
+              <a:t>将此可执行文件放在 </a:t>
+            </a:r>
+            <a:r>
+              <a:rPr lang="en-US" altLang="zh-CN" sz="1600" dirty="0" err="1"/>
+              <a:t>Kunpeng</a:t>
+            </a:r>
+            <a:r>
+              <a:rPr lang="en-US" altLang="zh-CN" sz="1600" dirty="0"/>
+              <a:t> </a:t>
+            </a:r>
+            <a:r>
+              <a:rPr lang="zh-CN" altLang="en-US" sz="1600" dirty="0"/>
+              <a:t>平台上验证。</a:t>
             </a:r>
           </a:p>
         </p:txBody>
@@ -31307,7 +31463,7 @@
     </p:spTree>
     <p:extLst>
       <p:ext uri="{BB962C8B-B14F-4D97-AF65-F5344CB8AC3E}">
-        <p14:creationId xmlns:p14="http://schemas.microsoft.com/office/powerpoint/2010/main" val="2027893689"/>
+        <p14:creationId xmlns:p14="http://schemas.microsoft.com/office/powerpoint/2010/main" val="4010802664"/>
       </p:ext>
     </p:extLst>
   </p:cSld>
@@ -32793,6 +32949,12 @@
 </file>
 
 <file path=customXml/item2.xml><?xml version="1.0" encoding="utf-8"?>
+<p:properties xmlns:p="http://schemas.microsoft.com/office/2006/metadata/properties" xmlns:xsi="http://www.w3.org/2001/XMLSchema-instance" xmlns:pc="http://schemas.microsoft.com/office/infopath/2007/PartnerControls">
+  <documentManagement/>
+</p:properties>
+</file>
+
+<file path=customXml/item3.xml><?xml version="1.0" encoding="utf-8"?>
 <ct:contentTypeSchema xmlns:ct="http://schemas.microsoft.com/office/2006/metadata/contentType" xmlns:ma="http://schemas.microsoft.com/office/2006/metadata/properties/metaAttributes" ct:_="" ma:_="" ma:contentTypeName="Document" ma:contentTypeID="0x010100CC226774B8D87F4D92D9D1F6859ED44E" ma:contentTypeVersion="1" ma:contentTypeDescription="Create a new document." ma:contentTypeScope="" ma:versionID="192c310b45bae95d9fdbb51d5532622b">
   <xsd:schema xmlns:xsd="http://www.w3.org/2001/XMLSchema" xmlns:xs="http://www.w3.org/2001/XMLSchema" xmlns:p="http://schemas.microsoft.com/office/2006/metadata/properties" xmlns:ns2="475f1e55-3009-46d8-9566-5d569a2b3a98" targetNamespace="http://schemas.microsoft.com/office/2006/metadata/properties" ma:root="true" ma:fieldsID="1d095aabec1d15598815726bd4b054a7" ns2:_="">
     <xsd:import namespace="475f1e55-3009-46d8-9566-5d569a2b3a98"/>
@@ -32932,12 +33094,6 @@
 </ct:contentTypeSchema>
 </file>
 
-<file path=customXml/item3.xml><?xml version="1.0" encoding="utf-8"?>
-<p:properties xmlns:p="http://schemas.microsoft.com/office/2006/metadata/properties" xmlns:xsi="http://www.w3.org/2001/XMLSchema-instance" xmlns:pc="http://schemas.microsoft.com/office/infopath/2007/PartnerControls">
-  <documentManagement/>
-</p:properties>
-</file>
-
 <file path=customXml/itemProps1.xml><?xml version="1.0" encoding="utf-8"?>
 <ds:datastoreItem xmlns:ds="http://schemas.openxmlformats.org/officeDocument/2006/customXml" ds:itemID="{FEDE263F-0510-4442-823E-69B63ECB61E1}">
   <ds:schemaRefs>
@@ -32947,6 +33103,22 @@
 </file>
 
 <file path=customXml/itemProps2.xml><?xml version="1.0" encoding="utf-8"?>
+<ds:datastoreItem xmlns:ds="http://schemas.openxmlformats.org/officeDocument/2006/customXml" ds:itemID="{DA5960F2-6186-408B-A0DC-5CA5E58B604F}">
+  <ds:schemaRefs>
+    <ds:schemaRef ds:uri="http://www.w3.org/XML/1998/namespace"/>
+    <ds:schemaRef ds:uri="http://purl.org/dc/elements/1.1/"/>
+    <ds:schemaRef ds:uri="http://schemas.openxmlformats.org/package/2006/metadata/core-properties"/>
+    <ds:schemaRef ds:uri="http://schemas.microsoft.com/office/2006/documentManagement/types"/>
+    <ds:schemaRef ds:uri="http://schemas.microsoft.com/office/2006/metadata/properties"/>
+    <ds:schemaRef ds:uri="http://schemas.microsoft.com/office/infopath/2007/PartnerControls"/>
+    <ds:schemaRef ds:uri="http://purl.org/dc/dcmitype/"/>
+    <ds:schemaRef ds:uri="475f1e55-3009-46d8-9566-5d569a2b3a98"/>
+    <ds:schemaRef ds:uri="http://purl.org/dc/terms/"/>
+  </ds:schemaRefs>
+</ds:datastoreItem>
+</file>
+
+<file path=customXml/itemProps3.xml><?xml version="1.0" encoding="utf-8"?>
 <ds:datastoreItem xmlns:ds="http://schemas.openxmlformats.org/officeDocument/2006/customXml" ds:itemID="{CC2FADE7-0FB7-4D32-803A-97A461853B0F}">
   <ds:schemaRefs>
     <ds:schemaRef ds:uri="http://schemas.microsoft.com/office/2006/metadata/contentType"/>
@@ -32962,20 +33134,4 @@
     <ds:schemaRef ds:uri="http://schemas.microsoft.com/internal/obd"/>
   </ds:schemaRefs>
 </ds:datastoreItem>
-</file>
-
-<file path=customXml/itemProps3.xml><?xml version="1.0" encoding="utf-8"?>
-<ds:datastoreItem xmlns:ds="http://schemas.openxmlformats.org/officeDocument/2006/customXml" ds:itemID="{DA5960F2-6186-408B-A0DC-5CA5E58B604F}">
-  <ds:schemaRefs>
-    <ds:schemaRef ds:uri="http://www.w3.org/XML/1998/namespace"/>
-    <ds:schemaRef ds:uri="http://purl.org/dc/elements/1.1/"/>
-    <ds:schemaRef ds:uri="http://schemas.openxmlformats.org/package/2006/metadata/core-properties"/>
-    <ds:schemaRef ds:uri="http://schemas.microsoft.com/office/2006/documentManagement/types"/>
-    <ds:schemaRef ds:uri="http://schemas.microsoft.com/office/2006/metadata/properties"/>
-    <ds:schemaRef ds:uri="http://schemas.microsoft.com/office/infopath/2007/PartnerControls"/>
-    <ds:schemaRef ds:uri="http://purl.org/dc/dcmitype/"/>
-    <ds:schemaRef ds:uri="475f1e55-3009-46d8-9566-5d569a2b3a98"/>
-    <ds:schemaRef ds:uri="http://purl.org/dc/terms/"/>
-  </ds:schemaRefs>
-</ds:datastoreItem>
 </file>
--- a/lfs-7.7-systemd/documents/LFS-on-openEuler_Course-Handout_v1.3.pptx
+++ b/lfs-7.7-systemd/documents/LFS-on-openEuler_Course-Handout_v1.3.pptx
@@ -28781,7 +28781,15 @@
             </a:r>
             <a:r>
               <a:rPr lang="zh-CN" altLang="en-US" dirty="0"/>
-              <a:t>目标系统构建的过程，本实验没有给出修正方案，而是留给有兴趣的同学自己去解决。</a:t>
+              <a:t>目标系统</a:t>
+            </a:r>
+            <a:r>
+              <a:rPr lang="zh-CN" altLang="en-US"/>
+              <a:t>构建的流程，</a:t>
+            </a:r>
+            <a:r>
+              <a:rPr lang="zh-CN" altLang="en-US" dirty="0"/>
+              <a:t>本实验没有给出修正方案，而是留给有兴趣的同学自己去解决。</a:t>
             </a:r>
             <a:endParaRPr lang="en-US" altLang="zh-CN" dirty="0"/>
           </a:p>
@@ -32940,21 +32948,6 @@
 </file>
 
 <file path=customXml/item1.xml><?xml version="1.0" encoding="utf-8"?>
-<?mso-contentType ?>
-<FormTemplates xmlns="http://schemas.microsoft.com/sharepoint/v3/contenttype/forms">
-  <Display>DocumentLibraryForm</Display>
-  <Edit>DocumentLibraryForm</Edit>
-  <New>DocumentLibraryForm</New>
-</FormTemplates>
-</file>
-
-<file path=customXml/item2.xml><?xml version="1.0" encoding="utf-8"?>
-<p:properties xmlns:p="http://schemas.microsoft.com/office/2006/metadata/properties" xmlns:xsi="http://www.w3.org/2001/XMLSchema-instance" xmlns:pc="http://schemas.microsoft.com/office/infopath/2007/PartnerControls">
-  <documentManagement/>
-</p:properties>
-</file>
-
-<file path=customXml/item3.xml><?xml version="1.0" encoding="utf-8"?>
 <ct:contentTypeSchema xmlns:ct="http://schemas.microsoft.com/office/2006/metadata/contentType" xmlns:ma="http://schemas.microsoft.com/office/2006/metadata/properties/metaAttributes" ct:_="" ma:_="" ma:contentTypeName="Document" ma:contentTypeID="0x010100CC226774B8D87F4D92D9D1F6859ED44E" ma:contentTypeVersion="1" ma:contentTypeDescription="Create a new document." ma:contentTypeScope="" ma:versionID="192c310b45bae95d9fdbb51d5532622b">
   <xsd:schema xmlns:xsd="http://www.w3.org/2001/XMLSchema" xmlns:xs="http://www.w3.org/2001/XMLSchema" xmlns:p="http://schemas.microsoft.com/office/2006/metadata/properties" xmlns:ns2="475f1e55-3009-46d8-9566-5d569a2b3a98" targetNamespace="http://schemas.microsoft.com/office/2006/metadata/properties" ma:root="true" ma:fieldsID="1d095aabec1d15598815726bd4b054a7" ns2:_="">
     <xsd:import namespace="475f1e55-3009-46d8-9566-5d569a2b3a98"/>
@@ -33094,10 +33087,35 @@
 </ct:contentTypeSchema>
 </file>
 
+<file path=customXml/item2.xml><?xml version="1.0" encoding="utf-8"?>
+<p:properties xmlns:p="http://schemas.microsoft.com/office/2006/metadata/properties" xmlns:xsi="http://www.w3.org/2001/XMLSchema-instance" xmlns:pc="http://schemas.microsoft.com/office/infopath/2007/PartnerControls">
+  <documentManagement/>
+</p:properties>
+</file>
+
+<file path=customXml/item3.xml><?xml version="1.0" encoding="utf-8"?>
+<?mso-contentType ?>
+<FormTemplates xmlns="http://schemas.microsoft.com/sharepoint/v3/contenttype/forms">
+  <Display>DocumentLibraryForm</Display>
+  <Edit>DocumentLibraryForm</Edit>
+  <New>DocumentLibraryForm</New>
+</FormTemplates>
+</file>
+
 <file path=customXml/itemProps1.xml><?xml version="1.0" encoding="utf-8"?>
-<ds:datastoreItem xmlns:ds="http://schemas.openxmlformats.org/officeDocument/2006/customXml" ds:itemID="{FEDE263F-0510-4442-823E-69B63ECB61E1}">
+<ds:datastoreItem xmlns:ds="http://schemas.openxmlformats.org/officeDocument/2006/customXml" ds:itemID="{CC2FADE7-0FB7-4D32-803A-97A461853B0F}">
   <ds:schemaRefs>
-    <ds:schemaRef ds:uri="http://schemas.microsoft.com/sharepoint/v3/contenttype/forms"/>
+    <ds:schemaRef ds:uri="http://schemas.microsoft.com/office/2006/metadata/contentType"/>
+    <ds:schemaRef ds:uri="http://schemas.microsoft.com/office/2006/metadata/properties/metaAttributes"/>
+    <ds:schemaRef ds:uri="http://www.w3.org/2001/XMLSchema"/>
+    <ds:schemaRef ds:uri="http://schemas.microsoft.com/office/2006/metadata/properties"/>
+    <ds:schemaRef ds:uri="475f1e55-3009-46d8-9566-5d569a2b3a98"/>
+    <ds:schemaRef ds:uri="http://schemas.microsoft.com/office/2006/documentManagement/types"/>
+    <ds:schemaRef ds:uri="http://schemas.microsoft.com/office/infopath/2007/PartnerControls"/>
+    <ds:schemaRef ds:uri="http://schemas.openxmlformats.org/package/2006/metadata/core-properties"/>
+    <ds:schemaRef ds:uri="http://purl.org/dc/elements/1.1/"/>
+    <ds:schemaRef ds:uri="http://purl.org/dc/terms/"/>
+    <ds:schemaRef ds:uri="http://schemas.microsoft.com/internal/obd"/>
   </ds:schemaRefs>
 </ds:datastoreItem>
 </file>
@@ -33119,19 +33137,9 @@
 </file>
 
 <file path=customXml/itemProps3.xml><?xml version="1.0" encoding="utf-8"?>
-<ds:datastoreItem xmlns:ds="http://schemas.openxmlformats.org/officeDocument/2006/customXml" ds:itemID="{CC2FADE7-0FB7-4D32-803A-97A461853B0F}">
+<ds:datastoreItem xmlns:ds="http://schemas.openxmlformats.org/officeDocument/2006/customXml" ds:itemID="{FEDE263F-0510-4442-823E-69B63ECB61E1}">
   <ds:schemaRefs>
-    <ds:schemaRef ds:uri="http://schemas.microsoft.com/office/2006/metadata/contentType"/>
-    <ds:schemaRef ds:uri="http://schemas.microsoft.com/office/2006/metadata/properties/metaAttributes"/>
-    <ds:schemaRef ds:uri="http://www.w3.org/2001/XMLSchema"/>
-    <ds:schemaRef ds:uri="http://schemas.microsoft.com/office/2006/metadata/properties"/>
-    <ds:schemaRef ds:uri="475f1e55-3009-46d8-9566-5d569a2b3a98"/>
-    <ds:schemaRef ds:uri="http://schemas.microsoft.com/office/2006/documentManagement/types"/>
-    <ds:schemaRef ds:uri="http://schemas.microsoft.com/office/infopath/2007/PartnerControls"/>
-    <ds:schemaRef ds:uri="http://schemas.openxmlformats.org/package/2006/metadata/core-properties"/>
-    <ds:schemaRef ds:uri="http://purl.org/dc/elements/1.1/"/>
-    <ds:schemaRef ds:uri="http://purl.org/dc/terms/"/>
-    <ds:schemaRef ds:uri="http://schemas.microsoft.com/internal/obd"/>
+    <ds:schemaRef ds:uri="http://schemas.microsoft.com/sharepoint/v3/contenttype/forms"/>
   </ds:schemaRefs>
 </ds:datastoreItem>
 </file>
--- a/lfs-7.7-systemd/documents/LFS-on-openEuler_Course-Handout_v1.3.pptx
+++ b/lfs-7.7-systemd/documents/LFS-on-openEuler_Course-Handout_v1.3.pptx
@@ -8,10 +8,10 @@
     <p:sldMasterId id="2147483891" r:id="rId7"/>
   </p:sldMasterIdLst>
   <p:notesMasterIdLst>
-    <p:notesMasterId r:id="rId42"/>
+    <p:notesMasterId r:id="rId43"/>
   </p:notesMasterIdLst>
   <p:handoutMasterIdLst>
-    <p:handoutMasterId r:id="rId43"/>
+    <p:handoutMasterId r:id="rId44"/>
   </p:handoutMasterIdLst>
   <p:sldIdLst>
     <p:sldId id="257" r:id="rId8"/>
@@ -41,13 +41,14 @@
     <p:sldId id="278" r:id="rId32"/>
     <p:sldId id="279" r:id="rId33"/>
     <p:sldId id="321" r:id="rId34"/>
-    <p:sldId id="297" r:id="rId35"/>
-    <p:sldId id="294" r:id="rId36"/>
-    <p:sldId id="265" r:id="rId37"/>
-    <p:sldId id="268" r:id="rId38"/>
-    <p:sldId id="269" r:id="rId39"/>
-    <p:sldId id="295" r:id="rId40"/>
-    <p:sldId id="296" r:id="rId41"/>
+    <p:sldId id="325" r:id="rId35"/>
+    <p:sldId id="297" r:id="rId36"/>
+    <p:sldId id="294" r:id="rId37"/>
+    <p:sldId id="265" r:id="rId38"/>
+    <p:sldId id="268" r:id="rId39"/>
+    <p:sldId id="269" r:id="rId40"/>
+    <p:sldId id="295" r:id="rId41"/>
+    <p:sldId id="296" r:id="rId42"/>
   </p:sldIdLst>
   <p:sldSz cx="12192000" cy="6858000"/>
   <p:notesSz cx="7010400" cy="9296400"/>
@@ -266,7 +267,7 @@
               <a:rPr lang="en-US" smtClean="0">
                 <a:latin typeface="Huawei Sans" panose="020C0503030203020204" pitchFamily="34" charset="0"/>
               </a:rPr>
-              <a:t>1/12/2022</a:t>
+              <a:t>1/13/2022</a:t>
             </a:fld>
             <a:endParaRPr lang="en-US" dirty="0">
               <a:latin typeface="Huawei Sans" panose="020C0503030203020204" pitchFamily="34" charset="0"/>
@@ -28758,7 +28759,7 @@
           <a:p>
             <a:r>
               <a:rPr lang="zh-CN" altLang="en-US" dirty="0"/>
-              <a:t>这又是一个很好的锻炼机会，学过 </a:t>
+              <a:t>这不啻为又一个很好的锻炼机会，学过 </a:t>
             </a:r>
             <a:r>
               <a:rPr lang="en-US" altLang="zh-CN" dirty="0"/>
@@ -28781,15 +28782,7 @@
             </a:r>
             <a:r>
               <a:rPr lang="zh-CN" altLang="en-US" dirty="0"/>
-              <a:t>目标系统</a:t>
-            </a:r>
-            <a:r>
-              <a:rPr lang="zh-CN" altLang="en-US"/>
-              <a:t>构建的流程，</a:t>
-            </a:r>
-            <a:r>
-              <a:rPr lang="zh-CN" altLang="en-US" dirty="0"/>
-              <a:t>本实验没有给出修正方案，而是留给有兴趣的同学自己去解决。</a:t>
+              <a:t>目标系统构建的流程，本实验没有给出修正方案，而是留给有兴趣的同学自己去解决。</a:t>
             </a:r>
             <a:endParaRPr lang="en-US" altLang="zh-CN" dirty="0"/>
           </a:p>
@@ -28851,7 +28844,7 @@
           <a:p>
             <a:r>
               <a:rPr lang="zh-CN" altLang="en-US" dirty="0"/>
-              <a:t>进阶任务</a:t>
+              <a:t>如何提交作业</a:t>
             </a:r>
             <a:endParaRPr lang="en-US" dirty="0"/>
           </a:p>
@@ -28880,129 +28873,135 @@
           <a:p>
             <a:r>
               <a:rPr lang="zh-CN" altLang="en-US" dirty="0"/>
+              <a:t>本实验以开源社区项目开发的方式提交作业，遵循以下流程：</a:t>
+            </a:r>
+            <a:endParaRPr lang="en-US" altLang="zh-CN" dirty="0"/>
+          </a:p>
+          <a:p>
+            <a:pPr lvl="1"/>
+            <a:r>
+              <a:rPr lang="zh-TW" altLang="en-US" dirty="0"/>
               <a:t>在 </a:t>
             </a:r>
             <a:r>
-              <a:rPr lang="en-US" altLang="zh-CN" dirty="0" err="1"/>
-              <a:t>openEuler</a:t>
+              <a:rPr lang="en-US" dirty="0" err="1"/>
+              <a:t>Gitee</a:t>
+            </a:r>
+            <a:r>
+              <a:rPr lang="en-US" dirty="0"/>
+              <a:t> </a:t>
+            </a:r>
+            <a:r>
+              <a:rPr lang="zh-TW" altLang="en-US" dirty="0"/>
+              <a:t>平台（</a:t>
+            </a:r>
+            <a:r>
+              <a:rPr lang="en-US" dirty="0"/>
+              <a:t>https://gitee.com/）</a:t>
+            </a:r>
+            <a:r>
+              <a:rPr lang="zh-TW" altLang="en-US" dirty="0"/>
+              <a:t>上注册账号</a:t>
+            </a:r>
+            <a:r>
+              <a:rPr lang="zh-CN" altLang="en-US" dirty="0"/>
+              <a:t>；</a:t>
+            </a:r>
+            <a:endParaRPr lang="en-US" altLang="zh-TW" dirty="0"/>
+          </a:p>
+          <a:p>
+            <a:pPr lvl="1"/>
+            <a:r>
+              <a:rPr lang="zh-TW" altLang="en-US" dirty="0"/>
+              <a:t>签署个人 </a:t>
+            </a:r>
+            <a:r>
+              <a:rPr lang="en-US" dirty="0"/>
+              <a:t>CLA</a:t>
+            </a:r>
+            <a:r>
+              <a:rPr lang="zh-CN" altLang="en-US" dirty="0"/>
+              <a:t>；</a:t>
+            </a:r>
+            <a:endParaRPr lang="en-US" dirty="0"/>
+          </a:p>
+          <a:p>
+            <a:pPr lvl="1"/>
+            <a:r>
+              <a:rPr lang="zh-TW" altLang="en-US" dirty="0"/>
+              <a:t>将您要提交 </a:t>
+            </a:r>
+            <a:r>
+              <a:rPr lang="en-US" dirty="0"/>
+              <a:t>PR</a:t>
+            </a:r>
+            <a:r>
+              <a:rPr lang="zh-CN" altLang="en-US" dirty="0"/>
+              <a:t>（</a:t>
             </a:r>
             <a:r>
               <a:rPr lang="en-US" altLang="zh-CN" dirty="0"/>
+              <a:t>Pull Request</a:t>
+            </a:r>
+            <a:r>
+              <a:rPr lang="zh-CN" altLang="en-US" dirty="0"/>
+              <a:t>）</a:t>
+            </a:r>
+            <a:r>
+              <a:rPr lang="en-US" dirty="0"/>
               <a:t> </a:t>
             </a:r>
             <a:r>
-              <a:rPr lang="zh-CN" altLang="en-US" dirty="0"/>
-              <a:t>开发环境，将刚构建出的 </a:t>
+              <a:rPr lang="zh-TW" altLang="en-US" dirty="0"/>
+              <a:t>作业的上游仓库 </a:t>
+            </a:r>
+            <a:r>
+              <a:rPr lang="en-US" dirty="0"/>
+              <a:t>fork </a:t>
+            </a:r>
+            <a:r>
+              <a:rPr lang="zh-TW" altLang="en-US" dirty="0"/>
+              <a:t>到您自己的 </a:t>
+            </a:r>
+            <a:r>
+              <a:rPr lang="en-US" dirty="0" err="1"/>
+              <a:t>gitee</a:t>
+            </a:r>
+            <a:r>
+              <a:rPr lang="en-US" dirty="0"/>
+              <a:t> </a:t>
+            </a:r>
+            <a:r>
+              <a:rPr lang="zh-TW" altLang="en-US" dirty="0"/>
+              <a:t>账号下</a:t>
+            </a:r>
+            <a:r>
+              <a:rPr lang="zh-CN" altLang="en-US" dirty="0"/>
+              <a:t>；</a:t>
+            </a:r>
+            <a:endParaRPr lang="en-US" altLang="zh-TW" dirty="0"/>
+          </a:p>
+          <a:p>
+            <a:pPr lvl="1"/>
+            <a:r>
+              <a:rPr lang="zh-CN" altLang="en-US" dirty="0"/>
+              <a:t>以新的分支在自己仓库中进行修改；</a:t>
+            </a:r>
+            <a:endParaRPr lang="en-US" altLang="zh-CN" dirty="0"/>
+          </a:p>
+          <a:p>
+            <a:pPr lvl="1"/>
+            <a:r>
+              <a:rPr lang="zh-CN" altLang="en-US" dirty="0"/>
+              <a:t>修改完成后向上游仓库提交 </a:t>
             </a:r>
             <a:r>
               <a:rPr lang="en-US" altLang="zh-CN" dirty="0"/>
-              <a:t>LFS </a:t>
-            </a:r>
-            <a:r>
-              <a:rPr lang="zh-CN" altLang="en-US" dirty="0"/>
-              <a:t>镜像作为虚拟机镜像，使用 </a:t>
-            </a:r>
-            <a:r>
-              <a:rPr lang="en-US" altLang="zh-CN" dirty="0"/>
-              <a:t>QEMU </a:t>
-            </a:r>
-            <a:r>
-              <a:rPr lang="zh-CN" altLang="en-US" dirty="0"/>
-              <a:t>启动一个 </a:t>
-            </a:r>
-            <a:r>
-              <a:rPr lang="en-US" altLang="zh-CN" dirty="0"/>
-              <a:t>LFS </a:t>
-            </a:r>
-            <a:r>
-              <a:rPr lang="zh-CN" altLang="en-US" dirty="0"/>
-              <a:t>目标系统虚拟机。</a:t>
-            </a:r>
-          </a:p>
-          <a:p>
-            <a:r>
-              <a:rPr lang="zh-CN" altLang="en-US" dirty="0"/>
-              <a:t>使用 </a:t>
-            </a:r>
-            <a:r>
-              <a:rPr lang="en-US" altLang="zh-CN" dirty="0" err="1"/>
-              <a:t>StratoVirt</a:t>
-            </a:r>
-            <a:r>
-              <a:rPr lang="en-US" altLang="zh-CN" dirty="0"/>
-              <a:t> </a:t>
-            </a:r>
-            <a:r>
-              <a:rPr lang="zh-CN" altLang="en-US" dirty="0"/>
-              <a:t>替代 </a:t>
-            </a:r>
-            <a:r>
-              <a:rPr lang="en-US" altLang="zh-CN" dirty="0"/>
-              <a:t>QEMU </a:t>
-            </a:r>
-            <a:r>
-              <a:rPr lang="zh-CN" altLang="en-US" dirty="0"/>
-              <a:t>启动 </a:t>
-            </a:r>
-            <a:r>
-              <a:rPr lang="en-US" altLang="zh-CN" dirty="0"/>
-              <a:t>LFS </a:t>
-            </a:r>
-            <a:r>
-              <a:rPr lang="zh-CN" altLang="en-US" dirty="0"/>
-              <a:t>目标系统虚拟机。</a:t>
-            </a:r>
-          </a:p>
-          <a:p>
-            <a:r>
-              <a:rPr lang="zh-CN" altLang="en-US" dirty="0"/>
-              <a:t>基于 </a:t>
-            </a:r>
-            <a:r>
-              <a:rPr lang="en-US" altLang="zh-CN" dirty="0"/>
-              <a:t>openEuler-21.03 </a:t>
-            </a:r>
-            <a:r>
-              <a:rPr lang="zh-CN" altLang="en-US" dirty="0"/>
-              <a:t>所用的 </a:t>
-            </a:r>
-            <a:r>
-              <a:rPr lang="en-US" altLang="zh-CN" dirty="0"/>
-              <a:t>5.10 </a:t>
-            </a:r>
-            <a:r>
-              <a:rPr lang="zh-CN" altLang="en-US" dirty="0"/>
-              <a:t>内核构建 </a:t>
-            </a:r>
-            <a:r>
-              <a:rPr lang="en-US" altLang="zh-CN" dirty="0"/>
-              <a:t>LFS </a:t>
-            </a:r>
-            <a:r>
-              <a:rPr lang="zh-CN" altLang="en-US" dirty="0"/>
-              <a:t>目标系统。</a:t>
-            </a:r>
-          </a:p>
-          <a:p>
-            <a:r>
-              <a:rPr lang="zh-CN" altLang="en-US" dirty="0"/>
-              <a:t>基于鲲鹏处理器 </a:t>
-            </a:r>
-            <a:r>
-              <a:rPr lang="en-US" altLang="zh-CN" dirty="0"/>
-              <a:t>aarch64 </a:t>
-            </a:r>
-            <a:r>
-              <a:rPr lang="zh-CN" altLang="en-US" dirty="0"/>
-              <a:t>架构构建 </a:t>
-            </a:r>
-            <a:r>
-              <a:rPr lang="en-US" altLang="zh-CN" dirty="0"/>
-              <a:t>LFS </a:t>
-            </a:r>
-            <a:r>
-              <a:rPr lang="zh-CN" altLang="en-US" dirty="0"/>
-              <a:t>目标系统。</a:t>
+              <a:t>PR</a:t>
+            </a:r>
+            <a:r>
+              <a:rPr lang="zh-CN" altLang="en-US" dirty="0"/>
+              <a:t>。</a:t>
             </a:r>
             <a:endParaRPr lang="en-US" dirty="0"/>
           </a:p>
@@ -29011,7 +29010,7 @@
     </p:spTree>
     <p:extLst>
       <p:ext uri="{BB962C8B-B14F-4D97-AF65-F5344CB8AC3E}">
-        <p14:creationId xmlns:p14="http://schemas.microsoft.com/office/powerpoint/2010/main" val="3588435902"/>
+        <p14:creationId xmlns:p14="http://schemas.microsoft.com/office/powerpoint/2010/main" val="767392860"/>
       </p:ext>
     </p:extLst>
   </p:cSld>
@@ -29040,10 +29039,10 @@
       </p:grpSpPr>
       <p:sp>
         <p:nvSpPr>
-          <p:cNvPr id="3" name="Content Placeholder 2">
+          <p:cNvPr id="2" name="Title 1">
             <a:extLst>
               <a:ext uri="{FF2B5EF4-FFF2-40B4-BE49-F238E27FC236}">
-                <a16:creationId xmlns:a16="http://schemas.microsoft.com/office/drawing/2014/main" id="{97352B85-C59C-41AB-BA99-341EF24C34AC}"/>
+                <a16:creationId xmlns:a16="http://schemas.microsoft.com/office/drawing/2014/main" id="{BC9AD3AA-AA82-41E3-8C31-01DF302056CA}"/>
               </a:ext>
             </a:extLst>
           </p:cNvPr>
@@ -29051,7 +29050,7 @@
             <a:spLocks noGrp="1"/>
           </p:cNvSpPr>
           <p:nvPr>
-            <p:ph sz="quarter" idx="10"/>
+            <p:ph type="title"/>
           </p:nvPr>
         </p:nvSpPr>
         <p:spPr/>
@@ -29061,7 +29060,36 @@
           <a:p>
             <a:r>
               <a:rPr lang="zh-CN" altLang="en-US" dirty="0"/>
-              <a:t>本章介绍了 </a:t>
+              <a:t>进阶任务</a:t>
+            </a:r>
+            <a:endParaRPr lang="en-US" dirty="0"/>
+          </a:p>
+        </p:txBody>
+      </p:sp>
+      <p:sp>
+        <p:nvSpPr>
+          <p:cNvPr id="3" name="Text Placeholder 2">
+            <a:extLst>
+              <a:ext uri="{FF2B5EF4-FFF2-40B4-BE49-F238E27FC236}">
+                <a16:creationId xmlns:a16="http://schemas.microsoft.com/office/drawing/2014/main" id="{7F33FED0-70BC-4546-BB86-59A28B14B3FA}"/>
+              </a:ext>
+            </a:extLst>
+          </p:cNvPr>
+          <p:cNvSpPr>
+            <a:spLocks noGrp="1"/>
+          </p:cNvSpPr>
+          <p:nvPr>
+            <p:ph type="body" sz="quarter" idx="10"/>
+          </p:nvPr>
+        </p:nvSpPr>
+        <p:spPr/>
+        <p:txBody>
+          <a:bodyPr/>
+          <a:lstStyle/>
+          <a:p>
+            <a:r>
+              <a:rPr lang="zh-CN" altLang="en-US" dirty="0"/>
+              <a:t>在 </a:t>
             </a:r>
             <a:r>
               <a:rPr lang="en-US" altLang="zh-CN" dirty="0" err="1"/>
@@ -29073,7 +29101,7 @@
             </a:r>
             <a:r>
               <a:rPr lang="zh-CN" altLang="en-US" dirty="0"/>
-              <a:t>开源创新实践课 </a:t>
+              <a:t>开发环境，将刚构建出的 </a:t>
             </a:r>
             <a:r>
               <a:rPr lang="en-US" altLang="zh-CN" dirty="0"/>
@@ -29081,23 +29109,15 @@
             </a:r>
             <a:r>
               <a:rPr lang="zh-CN" altLang="en-US" dirty="0"/>
-              <a:t>的原理、流程以及关要，以帮助学员顺利地从 </a:t>
+              <a:t>镜像作为虚拟机镜像，使用 </a:t>
             </a:r>
             <a:r>
               <a:rPr lang="en-US" altLang="zh-CN" dirty="0"/>
-              <a:t>0 </a:t>
-            </a:r>
-            <a:r>
-              <a:rPr lang="zh-CN" altLang="en-US" dirty="0"/>
-              <a:t>到 </a:t>
-            </a:r>
-            <a:r>
-              <a:rPr lang="en-US" altLang="zh-CN" dirty="0"/>
-              <a:t>1 </a:t>
-            </a:r>
-            <a:r>
-              <a:rPr lang="zh-CN" altLang="en-US" dirty="0"/>
-              <a:t>构建自己的 </a:t>
+              <a:t>QEMU </a:t>
+            </a:r>
+            <a:r>
+              <a:rPr lang="zh-CN" altLang="en-US" dirty="0"/>
+              <a:t>启动一个 </a:t>
             </a:r>
             <a:r>
               <a:rPr lang="en-US" altLang="zh-CN" dirty="0"/>
@@ -29105,7 +29125,93 @@
             </a:r>
             <a:r>
               <a:rPr lang="zh-CN" altLang="en-US" dirty="0"/>
-              <a:t>目标系统。通过本章的学习，学员也应该能够达到这个目标。</a:t>
+              <a:t>目标系统虚拟机。</a:t>
+            </a:r>
+          </a:p>
+          <a:p>
+            <a:r>
+              <a:rPr lang="zh-CN" altLang="en-US" dirty="0"/>
+              <a:t>使用 </a:t>
+            </a:r>
+            <a:r>
+              <a:rPr lang="en-US" altLang="zh-CN" dirty="0" err="1"/>
+              <a:t>StratoVirt</a:t>
+            </a:r>
+            <a:r>
+              <a:rPr lang="en-US" altLang="zh-CN" dirty="0"/>
+              <a:t> </a:t>
+            </a:r>
+            <a:r>
+              <a:rPr lang="zh-CN" altLang="en-US" dirty="0"/>
+              <a:t>替代 </a:t>
+            </a:r>
+            <a:r>
+              <a:rPr lang="en-US" altLang="zh-CN" dirty="0"/>
+              <a:t>QEMU </a:t>
+            </a:r>
+            <a:r>
+              <a:rPr lang="zh-CN" altLang="en-US" dirty="0"/>
+              <a:t>启动 </a:t>
+            </a:r>
+            <a:r>
+              <a:rPr lang="en-US" altLang="zh-CN" dirty="0"/>
+              <a:t>LFS </a:t>
+            </a:r>
+            <a:r>
+              <a:rPr lang="zh-CN" altLang="en-US" dirty="0"/>
+              <a:t>目标系统虚拟机。</a:t>
+            </a:r>
+          </a:p>
+          <a:p>
+            <a:r>
+              <a:rPr lang="zh-CN" altLang="en-US" dirty="0"/>
+              <a:t>基于 </a:t>
+            </a:r>
+            <a:r>
+              <a:rPr lang="en-US" altLang="zh-CN" dirty="0"/>
+              <a:t>openEuler-21.03 </a:t>
+            </a:r>
+            <a:r>
+              <a:rPr lang="zh-CN" altLang="en-US" dirty="0"/>
+              <a:t>所用的 </a:t>
+            </a:r>
+            <a:r>
+              <a:rPr lang="en-US" altLang="zh-CN" dirty="0"/>
+              <a:t>5.10 </a:t>
+            </a:r>
+            <a:r>
+              <a:rPr lang="zh-CN" altLang="en-US" dirty="0"/>
+              <a:t>内核构建 </a:t>
+            </a:r>
+            <a:r>
+              <a:rPr lang="en-US" altLang="zh-CN" dirty="0"/>
+              <a:t>LFS </a:t>
+            </a:r>
+            <a:r>
+              <a:rPr lang="zh-CN" altLang="en-US" dirty="0"/>
+              <a:t>目标系统。</a:t>
+            </a:r>
+          </a:p>
+          <a:p>
+            <a:r>
+              <a:rPr lang="zh-CN" altLang="en-US" dirty="0"/>
+              <a:t>基于鲲鹏处理器 </a:t>
+            </a:r>
+            <a:r>
+              <a:rPr lang="en-US" altLang="zh-CN" dirty="0"/>
+              <a:t>aarch64 </a:t>
+            </a:r>
+            <a:r>
+              <a:rPr lang="zh-CN" altLang="en-US" dirty="0"/>
+              <a:t>架构构建 </a:t>
+            </a:r>
+            <a:r>
+              <a:rPr lang="en-US" altLang="zh-CN" dirty="0"/>
+              <a:t>LFS </a:t>
+            </a:r>
+            <a:r>
+              <a:rPr lang="zh-CN" altLang="en-US" dirty="0"/>
+              <a:t>目标系统。</a:t>
             </a:r>
             <a:endParaRPr lang="en-US" dirty="0"/>
           </a:p>
@@ -29114,7 +29220,7 @@
     </p:spTree>
     <p:extLst>
       <p:ext uri="{BB962C8B-B14F-4D97-AF65-F5344CB8AC3E}">
-        <p14:creationId xmlns:p14="http://schemas.microsoft.com/office/powerpoint/2010/main" val="3466996417"/>
+        <p14:creationId xmlns:p14="http://schemas.microsoft.com/office/powerpoint/2010/main" val="3588435902"/>
       </p:ext>
     </p:extLst>
   </p:cSld>
@@ -29211,12 +29317,18 @@
       </p:grpSpPr>
       <p:sp>
         <p:nvSpPr>
-          <p:cNvPr id="2" name="文本占位符 1"/>
+          <p:cNvPr id="3" name="Content Placeholder 2">
+            <a:extLst>
+              <a:ext uri="{FF2B5EF4-FFF2-40B4-BE49-F238E27FC236}">
+                <a16:creationId xmlns:a16="http://schemas.microsoft.com/office/drawing/2014/main" id="{97352B85-C59C-41AB-BA99-341EF24C34AC}"/>
+              </a:ext>
+            </a:extLst>
+          </p:cNvPr>
           <p:cNvSpPr>
             <a:spLocks noGrp="1"/>
           </p:cNvSpPr>
           <p:nvPr>
-            <p:ph type="body" sz="quarter" idx="10"/>
+            <p:ph sz="quarter" idx="10"/>
           </p:nvPr>
         </p:nvSpPr>
         <p:spPr/>
@@ -29226,29 +29338,60 @@
           <a:p>
             <a:r>
               <a:rPr lang="zh-CN" altLang="en-US" dirty="0"/>
-              <a:t>如何让构建速度更快？</a:t>
-            </a:r>
-            <a:endParaRPr lang="en-US" altLang="zh-CN" dirty="0"/>
-          </a:p>
-          <a:p>
-            <a:r>
-              <a:rPr lang="zh-CN" altLang="en-US" dirty="0"/>
-              <a:t>如何配置新系统的网络？</a:t>
-            </a:r>
-            <a:endParaRPr lang="en-US" altLang="zh-CN" dirty="0"/>
-          </a:p>
-          <a:p>
-            <a:r>
-              <a:rPr lang="zh-CN" altLang="en-US"/>
-              <a:t>如何将新系统分享给他人？</a:t>
-            </a:r>
+              <a:t>本章介绍了 </a:t>
+            </a:r>
+            <a:r>
+              <a:rPr lang="en-US" altLang="zh-CN" dirty="0" err="1"/>
+              <a:t>openEuler</a:t>
+            </a:r>
+            <a:r>
+              <a:rPr lang="en-US" altLang="zh-CN" dirty="0"/>
+              <a:t> </a:t>
+            </a:r>
+            <a:r>
+              <a:rPr lang="zh-CN" altLang="en-US" dirty="0"/>
+              <a:t>开源创新实践课 </a:t>
+            </a:r>
+            <a:r>
+              <a:rPr lang="en-US" altLang="zh-CN" dirty="0"/>
+              <a:t>LFS </a:t>
+            </a:r>
+            <a:r>
+              <a:rPr lang="zh-CN" altLang="en-US" dirty="0"/>
+              <a:t>的原理、流程以及关要，以帮助学员顺利地从 </a:t>
+            </a:r>
+            <a:r>
+              <a:rPr lang="en-US" altLang="zh-CN" dirty="0"/>
+              <a:t>0 </a:t>
+            </a:r>
+            <a:r>
+              <a:rPr lang="zh-CN" altLang="en-US" dirty="0"/>
+              <a:t>到 </a:t>
+            </a:r>
+            <a:r>
+              <a:rPr lang="en-US" altLang="zh-CN" dirty="0"/>
+              <a:t>1 </a:t>
+            </a:r>
+            <a:r>
+              <a:rPr lang="zh-CN" altLang="en-US" dirty="0"/>
+              <a:t>构建自己的 </a:t>
+            </a:r>
+            <a:r>
+              <a:rPr lang="en-US" altLang="zh-CN" dirty="0"/>
+              <a:t>LFS </a:t>
+            </a:r>
+            <a:r>
+              <a:rPr lang="zh-CN" altLang="en-US" dirty="0"/>
+              <a:t>目标系统。通过本章的学习，学员也应该能够达到这个目标。</a:t>
+            </a:r>
+            <a:endParaRPr lang="en-US" dirty="0"/>
           </a:p>
         </p:txBody>
       </p:sp>
     </p:spTree>
     <p:extLst>
       <p:ext uri="{BB962C8B-B14F-4D97-AF65-F5344CB8AC3E}">
-        <p14:creationId xmlns:p14="http://schemas.microsoft.com/office/powerpoint/2010/main" val="530091429"/>
+        <p14:creationId xmlns:p14="http://schemas.microsoft.com/office/powerpoint/2010/main" val="3466996417"/>
       </p:ext>
     </p:extLst>
   </p:cSld>
@@ -29277,7 +29420,7 @@
       </p:grpSpPr>
       <p:sp>
         <p:nvSpPr>
-          <p:cNvPr id="3" name="文本占位符 2"/>
+          <p:cNvPr id="2" name="文本占位符 1"/>
           <p:cNvSpPr>
             <a:spLocks noGrp="1"/>
           </p:cNvSpPr>
@@ -29285,122 +29428,36 @@
             <p:ph type="body" sz="quarter" idx="10"/>
           </p:nvPr>
         </p:nvSpPr>
-        <p:spPr>
-          <a:xfrm>
-            <a:off x="1019175" y="1844675"/>
-            <a:ext cx="10153650" cy="4356100"/>
-          </a:xfrm>
-        </p:spPr>
+        <p:spPr/>
         <p:txBody>
           <a:bodyPr/>
           <a:lstStyle/>
           <a:p>
             <a:r>
-              <a:rPr lang="en-US" altLang="zh-CN" dirty="0" err="1"/>
-              <a:t>openEuler</a:t>
-            </a:r>
-            <a:r>
-              <a:rPr lang="en-US" altLang="zh-CN" dirty="0"/>
-              <a:t> </a:t>
-            </a:r>
-            <a:r>
-              <a:rPr lang="zh-CN" altLang="en-US" dirty="0"/>
-              <a:t>官网：</a:t>
-            </a:r>
-            <a:r>
-              <a:rPr lang="en-US" altLang="zh-CN" dirty="0">
-                <a:hlinkClick r:id="rId3"/>
-              </a:rPr>
-              <a:t>https://openeuler.org/</a:t>
+              <a:rPr lang="zh-CN" altLang="en-US" dirty="0"/>
+              <a:t>如何让构建速度更快？</a:t>
             </a:r>
             <a:endParaRPr lang="en-US" altLang="zh-CN" dirty="0"/>
           </a:p>
           <a:p>
             <a:r>
-              <a:rPr lang="zh-TW" altLang="en-US" dirty="0"/>
-              <a:t>项目托管地：</a:t>
-            </a:r>
-            <a:r>
-              <a:rPr lang="en-US" altLang="zh-CN" dirty="0">
-                <a:hlinkClick r:id="rId4"/>
-              </a:rPr>
-              <a:t>https://gitee.com/openeuler-practice-courses/lfs-course</a:t>
-            </a:r>
-            <a:r>
-              <a:rPr lang="en-US" altLang="zh-CN" dirty="0"/>
-              <a:t> </a:t>
-            </a:r>
-          </a:p>
-          <a:p>
-            <a:r>
-              <a:rPr lang="en-US" altLang="zh-CN" dirty="0"/>
-              <a:t>LFS </a:t>
-            </a:r>
-            <a:r>
-              <a:rPr lang="zh-CN" altLang="en-US" dirty="0"/>
-              <a:t>官网：</a:t>
-            </a:r>
-            <a:r>
-              <a:rPr lang="en-US" altLang="zh-CN" dirty="0"/>
-              <a:t> </a:t>
-            </a:r>
-            <a:r>
-              <a:rPr lang="en-US" altLang="zh-CN" dirty="0">
-                <a:hlinkClick r:id="rId5"/>
-              </a:rPr>
-              <a:t>https://www.linuxfromscratch.org/lfs/</a:t>
+              <a:rPr lang="zh-CN" altLang="en-US" dirty="0"/>
+              <a:t>如何配置新系统的网络？</a:t>
             </a:r>
             <a:endParaRPr lang="en-US" altLang="zh-CN" dirty="0"/>
           </a:p>
           <a:p>
             <a:r>
-              <a:rPr lang="zh-CN" altLang="en-US" dirty="0"/>
-              <a:t>鲲鹏生态官网：</a:t>
-            </a:r>
-            <a:r>
-              <a:rPr lang="en-US" altLang="zh-CN" dirty="0"/>
-              <a:t> </a:t>
-            </a:r>
-            <a:r>
-              <a:rPr lang="en-US" altLang="zh-CN" dirty="0">
-                <a:hlinkClick r:id="rId6"/>
-              </a:rPr>
-              <a:t>https://www.hikunpeng.com/zh/</a:t>
-            </a:r>
-            <a:endParaRPr lang="en-US" altLang="zh-CN" dirty="0"/>
-          </a:p>
-          <a:p>
-            <a:r>
-              <a:rPr lang="en-US" altLang="zh-CN" dirty="0" err="1"/>
-              <a:t>Gitee</a:t>
-            </a:r>
-            <a:r>
-              <a:rPr lang="zh-TW" altLang="en-US" dirty="0"/>
-              <a:t>工作流说明：</a:t>
-            </a:r>
-            <a:r>
-              <a:rPr lang="en-US" altLang="zh-CN" dirty="0">
-                <a:hlinkClick r:id="rId7"/>
-              </a:rPr>
-              <a:t>https://gitee.com/openeuler/community/blob/master/zh/contributors/Gitee-workflow.md</a:t>
-            </a:r>
-            <a:r>
-              <a:rPr lang="en-US" altLang="zh-CN" dirty="0"/>
-              <a:t> </a:t>
-            </a:r>
-          </a:p>
-          <a:p>
-            <a:endParaRPr lang="en-US" altLang="zh-CN" dirty="0"/>
-          </a:p>
-          <a:p>
-            <a:endParaRPr lang="zh-CN" altLang="en-US" dirty="0"/>
+              <a:rPr lang="zh-CN" altLang="en-US"/>
+              <a:t>如何将新系统分享给他人？</a:t>
+            </a:r>
           </a:p>
         </p:txBody>
       </p:sp>
     </p:spTree>
     <p:extLst>
       <p:ext uri="{BB962C8B-B14F-4D97-AF65-F5344CB8AC3E}">
-        <p14:creationId xmlns:p14="http://schemas.microsoft.com/office/powerpoint/2010/main" val="1724291223"/>
+        <p14:creationId xmlns:p14="http://schemas.microsoft.com/office/powerpoint/2010/main" val="530091429"/>
       </p:ext>
     </p:extLst>
   </p:cSld>
@@ -29437,6 +29494,158 @@
             <p:ph type="body" sz="quarter" idx="10"/>
           </p:nvPr>
         </p:nvSpPr>
+        <p:spPr>
+          <a:xfrm>
+            <a:off x="1019175" y="1844675"/>
+            <a:ext cx="10153650" cy="4356100"/>
+          </a:xfrm>
+        </p:spPr>
+        <p:txBody>
+          <a:bodyPr/>
+          <a:lstStyle/>
+          <a:p>
+            <a:r>
+              <a:rPr lang="en-US" altLang="zh-CN" dirty="0" err="1"/>
+              <a:t>openEuler</a:t>
+            </a:r>
+            <a:r>
+              <a:rPr lang="en-US" altLang="zh-CN" dirty="0"/>
+              <a:t> </a:t>
+            </a:r>
+            <a:r>
+              <a:rPr lang="zh-CN" altLang="en-US" dirty="0"/>
+              <a:t>官网：</a:t>
+            </a:r>
+            <a:r>
+              <a:rPr lang="en-US" altLang="zh-CN" dirty="0">
+                <a:hlinkClick r:id="rId3"/>
+              </a:rPr>
+              <a:t>https://openeuler.org/</a:t>
+            </a:r>
+            <a:endParaRPr lang="en-US" altLang="zh-CN" dirty="0"/>
+          </a:p>
+          <a:p>
+            <a:r>
+              <a:rPr lang="zh-TW" altLang="en-US" dirty="0"/>
+              <a:t>项目托管地：</a:t>
+            </a:r>
+            <a:r>
+              <a:rPr lang="en-US" altLang="zh-CN" dirty="0">
+                <a:hlinkClick r:id="rId4"/>
+              </a:rPr>
+              <a:t>https://gitee.com/openeuler-practice-courses/lfs-course</a:t>
+            </a:r>
+            <a:r>
+              <a:rPr lang="en-US" altLang="zh-CN" dirty="0"/>
+              <a:t> </a:t>
+            </a:r>
+          </a:p>
+          <a:p>
+            <a:r>
+              <a:rPr lang="en-US" altLang="zh-CN" dirty="0"/>
+              <a:t>LFS </a:t>
+            </a:r>
+            <a:r>
+              <a:rPr lang="zh-CN" altLang="en-US" dirty="0"/>
+              <a:t>官网：</a:t>
+            </a:r>
+            <a:r>
+              <a:rPr lang="en-US" altLang="zh-CN" dirty="0"/>
+              <a:t> </a:t>
+            </a:r>
+            <a:r>
+              <a:rPr lang="en-US" altLang="zh-CN" dirty="0">
+                <a:hlinkClick r:id="rId5"/>
+              </a:rPr>
+              <a:t>https://www.linuxfromscratch.org/lfs/</a:t>
+            </a:r>
+            <a:endParaRPr lang="en-US" altLang="zh-CN" dirty="0"/>
+          </a:p>
+          <a:p>
+            <a:r>
+              <a:rPr lang="zh-CN" altLang="en-US" dirty="0"/>
+              <a:t>鲲鹏生态官网：</a:t>
+            </a:r>
+            <a:r>
+              <a:rPr lang="en-US" altLang="zh-CN" dirty="0"/>
+              <a:t> </a:t>
+            </a:r>
+            <a:r>
+              <a:rPr lang="en-US" altLang="zh-CN" dirty="0">
+                <a:hlinkClick r:id="rId6"/>
+              </a:rPr>
+              <a:t>https://www.hikunpeng.com/zh/</a:t>
+            </a:r>
+            <a:endParaRPr lang="en-US" altLang="zh-CN" dirty="0"/>
+          </a:p>
+          <a:p>
+            <a:r>
+              <a:rPr lang="en-US" altLang="zh-CN" dirty="0" err="1"/>
+              <a:t>Gitee</a:t>
+            </a:r>
+            <a:r>
+              <a:rPr lang="zh-TW" altLang="en-US" dirty="0"/>
+              <a:t>工作流说明：</a:t>
+            </a:r>
+            <a:r>
+              <a:rPr lang="en-US" altLang="zh-CN" dirty="0">
+                <a:hlinkClick r:id="rId7"/>
+              </a:rPr>
+              <a:t>https://gitee.com/openeuler/community/blob/master/zh/contributors/Gitee-workflow.md</a:t>
+            </a:r>
+            <a:r>
+              <a:rPr lang="en-US" altLang="zh-CN" dirty="0"/>
+              <a:t> </a:t>
+            </a:r>
+          </a:p>
+          <a:p>
+            <a:endParaRPr lang="en-US" altLang="zh-CN" dirty="0"/>
+          </a:p>
+          <a:p>
+            <a:endParaRPr lang="zh-CN" altLang="en-US" dirty="0"/>
+          </a:p>
+        </p:txBody>
+      </p:sp>
+    </p:spTree>
+    <p:extLst>
+      <p:ext uri="{BB962C8B-B14F-4D97-AF65-F5344CB8AC3E}">
+        <p14:creationId xmlns:p14="http://schemas.microsoft.com/office/powerpoint/2010/main" val="1724291223"/>
+      </p:ext>
+    </p:extLst>
+  </p:cSld>
+  <p:clrMapOvr>
+    <a:masterClrMapping/>
+  </p:clrMapOvr>
+</p:sld>
+</file>
+
+<file path=ppt/slides/slide33.xml><?xml version="1.0" encoding="utf-8"?>
+<p:sld xmlns:a="http://schemas.openxmlformats.org/drawingml/2006/main" xmlns:r="http://schemas.openxmlformats.org/officeDocument/2006/relationships" xmlns:p="http://schemas.openxmlformats.org/presentationml/2006/main">
+  <p:cSld>
+    <p:spTree>
+      <p:nvGrpSpPr>
+        <p:cNvPr id="1" name=""/>
+        <p:cNvGrpSpPr/>
+        <p:nvPr/>
+      </p:nvGrpSpPr>
+      <p:grpSpPr>
+        <a:xfrm>
+          <a:off x="0" y="0"/>
+          <a:ext cx="0" cy="0"/>
+          <a:chOff x="0" y="0"/>
+          <a:chExt cx="0" cy="0"/>
+        </a:xfrm>
+      </p:grpSpPr>
+      <p:sp>
+        <p:nvSpPr>
+          <p:cNvPr id="3" name="文本占位符 2"/>
+          <p:cNvSpPr>
+            <a:spLocks noGrp="1"/>
+          </p:cNvSpPr>
+          <p:nvPr>
+            <p:ph type="body" sz="quarter" idx="10"/>
+          </p:nvPr>
+        </p:nvSpPr>
         <p:spPr/>
         <p:txBody>
           <a:bodyPr/>
@@ -29549,7 +29758,7 @@
 </p:sld>
 </file>
 
-<file path=ppt/slides/slide33.xml><?xml version="1.0" encoding="utf-8"?>
+<file path=ppt/slides/slide34.xml><?xml version="1.0" encoding="utf-8"?>
 <p:sld xmlns:a="http://schemas.openxmlformats.org/drawingml/2006/main" xmlns:r="http://schemas.openxmlformats.org/officeDocument/2006/relationships" xmlns:p="http://schemas.openxmlformats.org/presentationml/2006/main">
   <p:cSld>
     <p:spTree>
@@ -30236,7 +30445,7 @@
 </p:sld>
 </file>
 
-<file path=ppt/slides/slide34.xml><?xml version="1.0" encoding="utf-8"?>
+<file path=ppt/slides/slide35.xml><?xml version="1.0" encoding="utf-8"?>
 <p:sld xmlns:a="http://schemas.openxmlformats.org/drawingml/2006/main" xmlns:r="http://schemas.openxmlformats.org/officeDocument/2006/relationships" xmlns:p="http://schemas.openxmlformats.org/presentationml/2006/main">
   <p:cSld>
     <p:spTree>
@@ -33088,18 +33297,18 @@
 </file>
 
 <file path=customXml/item2.xml><?xml version="1.0" encoding="utf-8"?>
-<p:properties xmlns:p="http://schemas.microsoft.com/office/2006/metadata/properties" xmlns:xsi="http://www.w3.org/2001/XMLSchema-instance" xmlns:pc="http://schemas.microsoft.com/office/infopath/2007/PartnerControls">
-  <documentManagement/>
-</p:properties>
-</file>
-
-<file path=customXml/item3.xml><?xml version="1.0" encoding="utf-8"?>
 <?mso-contentType ?>
 <FormTemplates xmlns="http://schemas.microsoft.com/sharepoint/v3/contenttype/forms">
   <Display>DocumentLibraryForm</Display>
   <Edit>DocumentLibraryForm</Edit>
   <New>DocumentLibraryForm</New>
 </FormTemplates>
+</file>
+
+<file path=customXml/item3.xml><?xml version="1.0" encoding="utf-8"?>
+<p:properties xmlns:p="http://schemas.microsoft.com/office/2006/metadata/properties" xmlns:xsi="http://www.w3.org/2001/XMLSchema-instance" xmlns:pc="http://schemas.microsoft.com/office/infopath/2007/PartnerControls">
+  <documentManagement/>
+</p:properties>
 </file>
 
 <file path=customXml/itemProps1.xml><?xml version="1.0" encoding="utf-8"?>
@@ -33121,6 +33330,14 @@
 </file>
 
 <file path=customXml/itemProps2.xml><?xml version="1.0" encoding="utf-8"?>
+<ds:datastoreItem xmlns:ds="http://schemas.openxmlformats.org/officeDocument/2006/customXml" ds:itemID="{FEDE263F-0510-4442-823E-69B63ECB61E1}">
+  <ds:schemaRefs>
+    <ds:schemaRef ds:uri="http://schemas.microsoft.com/sharepoint/v3/contenttype/forms"/>
+  </ds:schemaRefs>
+</ds:datastoreItem>
+</file>
+
+<file path=customXml/itemProps3.xml><?xml version="1.0" encoding="utf-8"?>
 <ds:datastoreItem xmlns:ds="http://schemas.openxmlformats.org/officeDocument/2006/customXml" ds:itemID="{DA5960F2-6186-408B-A0DC-5CA5E58B604F}">
   <ds:schemaRefs>
     <ds:schemaRef ds:uri="http://www.w3.org/XML/1998/namespace"/>
@@ -33134,12 +33351,4 @@
     <ds:schemaRef ds:uri="http://purl.org/dc/terms/"/>
   </ds:schemaRefs>
 </ds:datastoreItem>
-</file>
-
-<file path=customXml/itemProps3.xml><?xml version="1.0" encoding="utf-8"?>
-<ds:datastoreItem xmlns:ds="http://schemas.openxmlformats.org/officeDocument/2006/customXml" ds:itemID="{FEDE263F-0510-4442-823E-69B63ECB61E1}">
-  <ds:schemaRefs>
-    <ds:schemaRef ds:uri="http://schemas.microsoft.com/sharepoint/v3/contenttype/forms"/>
-  </ds:schemaRefs>
-</ds:datastoreItem>
 </file>